--- a/Python과제/Python_8강.pptx
+++ b/Python과제/Python_8강.pptx
@@ -6,30 +6,36 @@
   </p:sldMasterIdLst>
   <p:sldIdLst>
     <p:sldId id="256" r:id="rId2"/>
-    <p:sldId id="257" r:id="rId3"/>
-    <p:sldId id="258" r:id="rId4"/>
-    <p:sldId id="259" r:id="rId5"/>
-    <p:sldId id="260" r:id="rId6"/>
-    <p:sldId id="261" r:id="rId7"/>
-    <p:sldId id="262" r:id="rId8"/>
-    <p:sldId id="263" r:id="rId9"/>
-    <p:sldId id="264" r:id="rId10"/>
-    <p:sldId id="269" r:id="rId11"/>
-    <p:sldId id="270" r:id="rId12"/>
-    <p:sldId id="271" r:id="rId13"/>
-    <p:sldId id="272" r:id="rId14"/>
-    <p:sldId id="273" r:id="rId15"/>
-    <p:sldId id="274" r:id="rId16"/>
-    <p:sldId id="265" r:id="rId17"/>
-    <p:sldId id="266" r:id="rId18"/>
-    <p:sldId id="267" r:id="rId19"/>
-    <p:sldId id="275" r:id="rId20"/>
-    <p:sldId id="276" r:id="rId21"/>
-    <p:sldId id="279" r:id="rId22"/>
-    <p:sldId id="280" r:id="rId23"/>
-    <p:sldId id="281" r:id="rId24"/>
-    <p:sldId id="277" r:id="rId25"/>
-    <p:sldId id="278" r:id="rId26"/>
+    <p:sldId id="286" r:id="rId3"/>
+    <p:sldId id="287" r:id="rId4"/>
+    <p:sldId id="257" r:id="rId5"/>
+    <p:sldId id="258" r:id="rId6"/>
+    <p:sldId id="259" r:id="rId7"/>
+    <p:sldId id="260" r:id="rId8"/>
+    <p:sldId id="261" r:id="rId9"/>
+    <p:sldId id="262" r:id="rId10"/>
+    <p:sldId id="263" r:id="rId11"/>
+    <p:sldId id="288" r:id="rId12"/>
+    <p:sldId id="264" r:id="rId13"/>
+    <p:sldId id="269" r:id="rId14"/>
+    <p:sldId id="270" r:id="rId15"/>
+    <p:sldId id="271" r:id="rId16"/>
+    <p:sldId id="272" r:id="rId17"/>
+    <p:sldId id="273" r:id="rId18"/>
+    <p:sldId id="274" r:id="rId19"/>
+    <p:sldId id="265" r:id="rId20"/>
+    <p:sldId id="266" r:id="rId21"/>
+    <p:sldId id="267" r:id="rId22"/>
+    <p:sldId id="275" r:id="rId23"/>
+    <p:sldId id="276" r:id="rId24"/>
+    <p:sldId id="279" r:id="rId25"/>
+    <p:sldId id="280" r:id="rId26"/>
+    <p:sldId id="289" r:id="rId27"/>
+    <p:sldId id="281" r:id="rId28"/>
+    <p:sldId id="277" r:id="rId29"/>
+    <p:sldId id="278" r:id="rId30"/>
+    <p:sldId id="291" r:id="rId31"/>
+    <p:sldId id="292" r:id="rId32"/>
   </p:sldIdLst>
   <p:sldSz cx="12192000" cy="6858000"/>
   <p:notesSz cx="6858000" cy="9144000"/>
@@ -389,6 +395,64 @@
 </inkml:ink>
 </file>
 
+<file path=ppt/ink/ink18.xml><?xml version="1.0" encoding="utf-8"?>
+<inkml:ink xmlns:inkml="http://www.w3.org/2003/InkML">
+  <inkml:definitions>
+    <inkml:context xml:id="ctx0">
+      <inkml:inkSource xml:id="inkSrc0">
+        <inkml:traceFormat>
+          <inkml:channel name="X" type="integer" min="-2.14748E9" max="2.14748E9" units="cm"/>
+          <inkml:channel name="Y" type="integer" min="-2.14748E9" max="2.14748E9" units="cm"/>
+        </inkml:traceFormat>
+        <inkml:channelProperties>
+          <inkml:channelProperty channel="X" name="resolution" value="1000" units="1/cm"/>
+          <inkml:channelProperty channel="Y" name="resolution" value="1000" units="1/cm"/>
+        </inkml:channelProperties>
+      </inkml:inkSource>
+      <inkml:timestamp xml:id="ts0" timeString="2023-05-06T06:59:19.271"/>
+    </inkml:context>
+    <inkml:brush xml:id="br0">
+      <inkml:brushProperty name="width" value="0.4" units="cm"/>
+      <inkml:brushProperty name="height" value="0.8" units="cm"/>
+      <inkml:brushProperty name="color" value="#C0E494"/>
+      <inkml:brushProperty name="tip" value="rectangle"/>
+      <inkml:brushProperty name="rasterOp" value="maskPen"/>
+      <inkml:brushProperty name="ignorePressure" value="1"/>
+    </inkml:brush>
+  </inkml:definitions>
+  <inkml:trace contextRef="#ctx0" brushRef="#br0">1 0,'1449'0,"-1414"0</inkml:trace>
+</inkml:ink>
+</file>
+
+<file path=ppt/ink/ink19.xml><?xml version="1.0" encoding="utf-8"?>
+<inkml:ink xmlns:inkml="http://www.w3.org/2003/InkML">
+  <inkml:definitions>
+    <inkml:context xml:id="ctx0">
+      <inkml:inkSource xml:id="inkSrc0">
+        <inkml:traceFormat>
+          <inkml:channel name="X" type="integer" min="-2.14748E9" max="2.14748E9" units="cm"/>
+          <inkml:channel name="Y" type="integer" min="-2.14748E9" max="2.14748E9" units="cm"/>
+        </inkml:traceFormat>
+        <inkml:channelProperties>
+          <inkml:channelProperty channel="X" name="resolution" value="1000" units="1/cm"/>
+          <inkml:channelProperty channel="Y" name="resolution" value="1000" units="1/cm"/>
+        </inkml:channelProperties>
+      </inkml:inkSource>
+      <inkml:timestamp xml:id="ts0" timeString="2023-05-06T06:59:37.617"/>
+    </inkml:context>
+    <inkml:brush xml:id="br0">
+      <inkml:brushProperty name="width" value="0.4" units="cm"/>
+      <inkml:brushProperty name="height" value="0.8" units="cm"/>
+      <inkml:brushProperty name="color" value="#C0E494"/>
+      <inkml:brushProperty name="tip" value="rectangle"/>
+      <inkml:brushProperty name="rasterOp" value="maskPen"/>
+      <inkml:brushProperty name="ignorePressure" value="1"/>
+    </inkml:brush>
+  </inkml:definitions>
+  <inkml:trace contextRef="#ctx0" brushRef="#br0">0 0,'11077'0,"-11043"0</inkml:trace>
+</inkml:ink>
+</file>
+
 <file path=ppt/ink/ink2.xml><?xml version="1.0" encoding="utf-8"?>
 <inkml:ink xmlns:inkml="http://www.w3.org/2003/InkML">
   <inkml:definitions>
@@ -415,6 +479,296 @@
     </inkml:brush>
   </inkml:definitions>
   <inkml:trace contextRef="#ctx0" brushRef="#br0">0 1,'8'0,"10"0,10 0,7 0,6 0,4 0,2 0,0 0,1 0,-2 0,1 0,-9 0</inkml:trace>
+</inkml:ink>
+</file>
+
+<file path=ppt/ink/ink20.xml><?xml version="1.0" encoding="utf-8"?>
+<inkml:ink xmlns:inkml="http://www.w3.org/2003/InkML">
+  <inkml:definitions>
+    <inkml:context xml:id="ctx0">
+      <inkml:inkSource xml:id="inkSrc0">
+        <inkml:traceFormat>
+          <inkml:channel name="X" type="integer" min="-2.14748E9" max="2.14748E9" units="cm"/>
+          <inkml:channel name="Y" type="integer" min="-2.14748E9" max="2.14748E9" units="cm"/>
+        </inkml:traceFormat>
+        <inkml:channelProperties>
+          <inkml:channelProperty channel="X" name="resolution" value="1000" units="1/cm"/>
+          <inkml:channelProperty channel="Y" name="resolution" value="1000" units="1/cm"/>
+        </inkml:channelProperties>
+      </inkml:inkSource>
+      <inkml:timestamp xml:id="ts0" timeString="2023-05-06T07:00:18.611"/>
+    </inkml:context>
+    <inkml:brush xml:id="br0">
+      <inkml:brushProperty name="width" value="0.4" units="cm"/>
+      <inkml:brushProperty name="height" value="0.8" units="cm"/>
+      <inkml:brushProperty name="color" value="#C0E494"/>
+      <inkml:brushProperty name="tip" value="rectangle"/>
+      <inkml:brushProperty name="rasterOp" value="maskPen"/>
+      <inkml:brushProperty name="ignorePressure" value="1"/>
+    </inkml:brush>
+  </inkml:definitions>
+  <inkml:trace contextRef="#ctx0" brushRef="#br0">1 1,'14907'0,"-14878"0</inkml:trace>
+</inkml:ink>
+</file>
+
+<file path=ppt/ink/ink21.xml><?xml version="1.0" encoding="utf-8"?>
+<inkml:ink xmlns:inkml="http://www.w3.org/2003/InkML">
+  <inkml:definitions>
+    <inkml:context xml:id="ctx0">
+      <inkml:inkSource xml:id="inkSrc0">
+        <inkml:traceFormat>
+          <inkml:channel name="X" type="integer" min="-2.14748E9" max="2.14748E9" units="cm"/>
+          <inkml:channel name="Y" type="integer" min="-2.14748E9" max="2.14748E9" units="cm"/>
+        </inkml:traceFormat>
+        <inkml:channelProperties>
+          <inkml:channelProperty channel="X" name="resolution" value="1000" units="1/cm"/>
+          <inkml:channelProperty channel="Y" name="resolution" value="1000" units="1/cm"/>
+        </inkml:channelProperties>
+      </inkml:inkSource>
+      <inkml:timestamp xml:id="ts0" timeString="2023-05-06T07:00:28.134"/>
+    </inkml:context>
+    <inkml:brush xml:id="br0">
+      <inkml:brushProperty name="width" value="0.4" units="cm"/>
+      <inkml:brushProperty name="height" value="0.8" units="cm"/>
+      <inkml:brushProperty name="color" value="#C0E494"/>
+      <inkml:brushProperty name="tip" value="rectangle"/>
+      <inkml:brushProperty name="rasterOp" value="maskPen"/>
+      <inkml:brushProperty name="ignorePressure" value="1"/>
+    </inkml:brush>
+  </inkml:definitions>
+  <inkml:trace contextRef="#ctx0" brushRef="#br0">0 1,'17963'0,"-17927"0</inkml:trace>
+</inkml:ink>
+</file>
+
+<file path=ppt/ink/ink22.xml><?xml version="1.0" encoding="utf-8"?>
+<inkml:ink xmlns:inkml="http://www.w3.org/2003/InkML">
+  <inkml:definitions>
+    <inkml:context xml:id="ctx0">
+      <inkml:inkSource xml:id="inkSrc0">
+        <inkml:traceFormat>
+          <inkml:channel name="X" type="integer" min="-2.14748E9" max="2.14748E9" units="cm"/>
+          <inkml:channel name="Y" type="integer" min="-2.14748E9" max="2.14748E9" units="cm"/>
+        </inkml:traceFormat>
+        <inkml:channelProperties>
+          <inkml:channelProperty channel="X" name="resolution" value="1000" units="1/cm"/>
+          <inkml:channelProperty channel="Y" name="resolution" value="1000" units="1/cm"/>
+        </inkml:channelProperties>
+      </inkml:inkSource>
+      <inkml:timestamp xml:id="ts0" timeString="2023-05-06T07:00:48.669"/>
+    </inkml:context>
+    <inkml:brush xml:id="br0">
+      <inkml:brushProperty name="width" value="0.4" units="cm"/>
+      <inkml:brushProperty name="height" value="0.8" units="cm"/>
+      <inkml:brushProperty name="color" value="#C0E494"/>
+      <inkml:brushProperty name="tip" value="rectangle"/>
+      <inkml:brushProperty name="rasterOp" value="maskPen"/>
+      <inkml:brushProperty name="ignorePressure" value="1"/>
+    </inkml:brush>
+  </inkml:definitions>
+  <inkml:trace contextRef="#ctx0" brushRef="#br0">1 0,'3531'0,"-3504"0</inkml:trace>
+</inkml:ink>
+</file>
+
+<file path=ppt/ink/ink23.xml><?xml version="1.0" encoding="utf-8"?>
+<inkml:ink xmlns:inkml="http://www.w3.org/2003/InkML">
+  <inkml:definitions>
+    <inkml:context xml:id="ctx0">
+      <inkml:inkSource xml:id="inkSrc0">
+        <inkml:traceFormat>
+          <inkml:channel name="X" type="integer" min="-2.14748E9" max="2.14748E9" units="cm"/>
+          <inkml:channel name="Y" type="integer" min="-2.14748E9" max="2.14748E9" units="cm"/>
+        </inkml:traceFormat>
+        <inkml:channelProperties>
+          <inkml:channelProperty channel="X" name="resolution" value="1000" units="1/cm"/>
+          <inkml:channelProperty channel="Y" name="resolution" value="1000" units="1/cm"/>
+        </inkml:channelProperties>
+      </inkml:inkSource>
+      <inkml:timestamp xml:id="ts0" timeString="2023-05-06T07:01:31.637"/>
+    </inkml:context>
+    <inkml:brush xml:id="br0">
+      <inkml:brushProperty name="width" value="0.3" units="cm"/>
+      <inkml:brushProperty name="height" value="0.6" units="cm"/>
+      <inkml:brushProperty name="color" value="#C0E494"/>
+      <inkml:brushProperty name="tip" value="rectangle"/>
+      <inkml:brushProperty name="rasterOp" value="maskPen"/>
+      <inkml:brushProperty name="ignorePressure" value="1"/>
+    </inkml:brush>
+  </inkml:definitions>
+  <inkml:trace contextRef="#ctx0" brushRef="#br0">0 1,'1899'0,"-1863"0</inkml:trace>
+</inkml:ink>
+</file>
+
+<file path=ppt/ink/ink24.xml><?xml version="1.0" encoding="utf-8"?>
+<inkml:ink xmlns:inkml="http://www.w3.org/2003/InkML">
+  <inkml:definitions>
+    <inkml:context xml:id="ctx0">
+      <inkml:inkSource xml:id="inkSrc0">
+        <inkml:traceFormat>
+          <inkml:channel name="X" type="integer" min="-2.14748E9" max="2.14748E9" units="cm"/>
+          <inkml:channel name="Y" type="integer" min="-2.14748E9" max="2.14748E9" units="cm"/>
+        </inkml:traceFormat>
+        <inkml:channelProperties>
+          <inkml:channelProperty channel="X" name="resolution" value="1000" units="1/cm"/>
+          <inkml:channelProperty channel="Y" name="resolution" value="1000" units="1/cm"/>
+        </inkml:channelProperties>
+      </inkml:inkSource>
+      <inkml:timestamp xml:id="ts0" timeString="2023-05-06T07:01:36.262"/>
+    </inkml:context>
+    <inkml:brush xml:id="br0">
+      <inkml:brushProperty name="width" value="0.3" units="cm"/>
+      <inkml:brushProperty name="height" value="0.6" units="cm"/>
+      <inkml:brushProperty name="color" value="#C0E494"/>
+      <inkml:brushProperty name="tip" value="rectangle"/>
+      <inkml:brushProperty name="rasterOp" value="maskPen"/>
+      <inkml:brushProperty name="ignorePressure" value="1"/>
+    </inkml:brush>
+  </inkml:definitions>
+  <inkml:trace contextRef="#ctx0" brushRef="#br0">0 1,'3016'0,"-2981"0</inkml:trace>
+</inkml:ink>
+</file>
+
+<file path=ppt/ink/ink25.xml><?xml version="1.0" encoding="utf-8"?>
+<inkml:ink xmlns:inkml="http://www.w3.org/2003/InkML">
+  <inkml:definitions>
+    <inkml:context xml:id="ctx0">
+      <inkml:inkSource xml:id="inkSrc0">
+        <inkml:traceFormat>
+          <inkml:channel name="X" type="integer" min="-2.14748E9" max="2.14748E9" units="cm"/>
+          <inkml:channel name="Y" type="integer" min="-2.14748E9" max="2.14748E9" units="cm"/>
+        </inkml:traceFormat>
+        <inkml:channelProperties>
+          <inkml:channelProperty channel="X" name="resolution" value="1000" units="1/cm"/>
+          <inkml:channelProperty channel="Y" name="resolution" value="1000" units="1/cm"/>
+        </inkml:channelProperties>
+      </inkml:inkSource>
+      <inkml:timestamp xml:id="ts0" timeString="2023-05-06T07:01:42.105"/>
+    </inkml:context>
+    <inkml:brush xml:id="br0">
+      <inkml:brushProperty name="width" value="0.3" units="cm"/>
+      <inkml:brushProperty name="height" value="0.6" units="cm"/>
+      <inkml:brushProperty name="color" value="#C0E494"/>
+      <inkml:brushProperty name="tip" value="rectangle"/>
+      <inkml:brushProperty name="rasterOp" value="maskPen"/>
+      <inkml:brushProperty name="ignorePressure" value="1"/>
+    </inkml:brush>
+  </inkml:definitions>
+  <inkml:trace contextRef="#ctx0" brushRef="#br0">1 0,'2534'0,"-2498"0</inkml:trace>
+</inkml:ink>
+</file>
+
+<file path=ppt/ink/ink26.xml><?xml version="1.0" encoding="utf-8"?>
+<inkml:ink xmlns:inkml="http://www.w3.org/2003/InkML">
+  <inkml:definitions>
+    <inkml:context xml:id="ctx0">
+      <inkml:inkSource xml:id="inkSrc0">
+        <inkml:traceFormat>
+          <inkml:channel name="X" type="integer" min="-2.14748E9" max="2.14748E9" units="cm"/>
+          <inkml:channel name="Y" type="integer" min="-2.14748E9" max="2.14748E9" units="cm"/>
+        </inkml:traceFormat>
+        <inkml:channelProperties>
+          <inkml:channelProperty channel="X" name="resolution" value="1000" units="1/cm"/>
+          <inkml:channelProperty channel="Y" name="resolution" value="1000" units="1/cm"/>
+        </inkml:channelProperties>
+      </inkml:inkSource>
+      <inkml:timestamp xml:id="ts0" timeString="2023-05-06T07:01:56.277"/>
+    </inkml:context>
+    <inkml:brush xml:id="br0">
+      <inkml:brushProperty name="width" value="0.3" units="cm"/>
+      <inkml:brushProperty name="height" value="0.6" units="cm"/>
+      <inkml:brushProperty name="color" value="#C0E494"/>
+      <inkml:brushProperty name="tip" value="rectangle"/>
+      <inkml:brushProperty name="rasterOp" value="maskPen"/>
+      <inkml:brushProperty name="ignorePressure" value="1"/>
+    </inkml:brush>
+  </inkml:definitions>
+  <inkml:trace contextRef="#ctx0" brushRef="#br0">0 0,'13017'0,"-12981"0</inkml:trace>
+</inkml:ink>
+</file>
+
+<file path=ppt/ink/ink27.xml><?xml version="1.0" encoding="utf-8"?>
+<inkml:ink xmlns:inkml="http://www.w3.org/2003/InkML">
+  <inkml:definitions>
+    <inkml:context xml:id="ctx0">
+      <inkml:inkSource xml:id="inkSrc0">
+        <inkml:traceFormat>
+          <inkml:channel name="X" type="integer" min="-2.14748E9" max="2.14748E9" units="cm"/>
+          <inkml:channel name="Y" type="integer" min="-2.14748E9" max="2.14748E9" units="cm"/>
+        </inkml:traceFormat>
+        <inkml:channelProperties>
+          <inkml:channelProperty channel="X" name="resolution" value="1000" units="1/cm"/>
+          <inkml:channelProperty channel="Y" name="resolution" value="1000" units="1/cm"/>
+        </inkml:channelProperties>
+      </inkml:inkSource>
+      <inkml:timestamp xml:id="ts0" timeString="2023-05-06T07:02:20.386"/>
+    </inkml:context>
+    <inkml:brush xml:id="br0">
+      <inkml:brushProperty name="width" value="0.3" units="cm"/>
+      <inkml:brushProperty name="height" value="0.6" units="cm"/>
+      <inkml:brushProperty name="color" value="#C0E494"/>
+      <inkml:brushProperty name="tip" value="rectangle"/>
+      <inkml:brushProperty name="rasterOp" value="maskPen"/>
+      <inkml:brushProperty name="ignorePressure" value="1"/>
+    </inkml:brush>
+  </inkml:definitions>
+  <inkml:trace contextRef="#ctx0" brushRef="#br0">1 1,'18986'0,"-17242"0,-1711 0</inkml:trace>
+</inkml:ink>
+</file>
+
+<file path=ppt/ink/ink28.xml><?xml version="1.0" encoding="utf-8"?>
+<inkml:ink xmlns:inkml="http://www.w3.org/2003/InkML">
+  <inkml:definitions>
+    <inkml:context xml:id="ctx0">
+      <inkml:inkSource xml:id="inkSrc0">
+        <inkml:traceFormat>
+          <inkml:channel name="X" type="integer" min="-2.14748E9" max="2.14748E9" units="cm"/>
+          <inkml:channel name="Y" type="integer" min="-2.14748E9" max="2.14748E9" units="cm"/>
+        </inkml:traceFormat>
+        <inkml:channelProperties>
+          <inkml:channelProperty channel="X" name="resolution" value="1000" units="1/cm"/>
+          <inkml:channelProperty channel="Y" name="resolution" value="1000" units="1/cm"/>
+        </inkml:channelProperties>
+      </inkml:inkSource>
+      <inkml:timestamp xml:id="ts0" timeString="2023-05-06T07:03:06.819"/>
+    </inkml:context>
+    <inkml:brush xml:id="br0">
+      <inkml:brushProperty name="width" value="0.4" units="cm"/>
+      <inkml:brushProperty name="height" value="0.8" units="cm"/>
+      <inkml:brushProperty name="color" value="#C0E494"/>
+      <inkml:brushProperty name="tip" value="rectangle"/>
+      <inkml:brushProperty name="rasterOp" value="maskPen"/>
+      <inkml:brushProperty name="ignorePressure" value="1"/>
+    </inkml:brush>
+  </inkml:definitions>
+  <inkml:trace contextRef="#ctx0" brushRef="#br0">1 1,'10438'0,"-10405"0</inkml:trace>
+</inkml:ink>
+</file>
+
+<file path=ppt/ink/ink29.xml><?xml version="1.0" encoding="utf-8"?>
+<inkml:ink xmlns:inkml="http://www.w3.org/2003/InkML">
+  <inkml:definitions>
+    <inkml:context xml:id="ctx0">
+      <inkml:inkSource xml:id="inkSrc0">
+        <inkml:traceFormat>
+          <inkml:channel name="X" type="integer" min="-2.14748E9" max="2.14748E9" units="cm"/>
+          <inkml:channel name="Y" type="integer" min="-2.14748E9" max="2.14748E9" units="cm"/>
+        </inkml:traceFormat>
+        <inkml:channelProperties>
+          <inkml:channelProperty channel="X" name="resolution" value="1000" units="1/cm"/>
+          <inkml:channelProperty channel="Y" name="resolution" value="1000" units="1/cm"/>
+        </inkml:channelProperties>
+      </inkml:inkSource>
+      <inkml:timestamp xml:id="ts0" timeString="2023-05-06T07:03:18.890"/>
+    </inkml:context>
+    <inkml:brush xml:id="br0">
+      <inkml:brushProperty name="width" value="0.4" units="cm"/>
+      <inkml:brushProperty name="height" value="0.8" units="cm"/>
+      <inkml:brushProperty name="color" value="#C0E494"/>
+      <inkml:brushProperty name="tip" value="rectangle"/>
+      <inkml:brushProperty name="rasterOp" value="maskPen"/>
+      <inkml:brushProperty name="ignorePressure" value="1"/>
+    </inkml:brush>
+  </inkml:definitions>
+  <inkml:trace contextRef="#ctx0" brushRef="#br0">0 1,'5084'0,"-5049"0</inkml:trace>
 </inkml:ink>
 </file>
 
@@ -447,6 +801,296 @@
 </inkml:ink>
 </file>
 
+<file path=ppt/ink/ink30.xml><?xml version="1.0" encoding="utf-8"?>
+<inkml:ink xmlns:inkml="http://www.w3.org/2003/InkML">
+  <inkml:definitions>
+    <inkml:context xml:id="ctx0">
+      <inkml:inkSource xml:id="inkSrc0">
+        <inkml:traceFormat>
+          <inkml:channel name="X" type="integer" min="-2.14748E9" max="2.14748E9" units="cm"/>
+          <inkml:channel name="Y" type="integer" min="-2.14748E9" max="2.14748E9" units="cm"/>
+        </inkml:traceFormat>
+        <inkml:channelProperties>
+          <inkml:channelProperty channel="X" name="resolution" value="1000" units="1/cm"/>
+          <inkml:channelProperty channel="Y" name="resolution" value="1000" units="1/cm"/>
+        </inkml:channelProperties>
+      </inkml:inkSource>
+      <inkml:timestamp xml:id="ts0" timeString="2023-05-06T07:03:26.786"/>
+    </inkml:context>
+    <inkml:brush xml:id="br0">
+      <inkml:brushProperty name="width" value="0.4" units="cm"/>
+      <inkml:brushProperty name="height" value="0.8" units="cm"/>
+      <inkml:brushProperty name="color" value="#C0E494"/>
+      <inkml:brushProperty name="tip" value="rectangle"/>
+      <inkml:brushProperty name="rasterOp" value="maskPen"/>
+      <inkml:brushProperty name="ignorePressure" value="1"/>
+    </inkml:brush>
+  </inkml:definitions>
+  <inkml:trace contextRef="#ctx0" brushRef="#br0">1 1,'7137'0,"-4868"0,3321 0,-5555 0</inkml:trace>
+</inkml:ink>
+</file>
+
+<file path=ppt/ink/ink31.xml><?xml version="1.0" encoding="utf-8"?>
+<inkml:ink xmlns:inkml="http://www.w3.org/2003/InkML">
+  <inkml:definitions>
+    <inkml:context xml:id="ctx0">
+      <inkml:inkSource xml:id="inkSrc0">
+        <inkml:traceFormat>
+          <inkml:channel name="X" type="integer" min="-2.14748E9" max="2.14748E9" units="cm"/>
+          <inkml:channel name="Y" type="integer" min="-2.14748E9" max="2.14748E9" units="cm"/>
+        </inkml:traceFormat>
+        <inkml:channelProperties>
+          <inkml:channelProperty channel="X" name="resolution" value="1000" units="1/cm"/>
+          <inkml:channelProperty channel="Y" name="resolution" value="1000" units="1/cm"/>
+        </inkml:channelProperties>
+      </inkml:inkSource>
+      <inkml:timestamp xml:id="ts0" timeString="2023-05-06T07:03:41.586"/>
+    </inkml:context>
+    <inkml:brush xml:id="br0">
+      <inkml:brushProperty name="width" value="0.4" units="cm"/>
+      <inkml:brushProperty name="height" value="0.8" units="cm"/>
+      <inkml:brushProperty name="color" value="#C0E494"/>
+      <inkml:brushProperty name="tip" value="rectangle"/>
+      <inkml:brushProperty name="rasterOp" value="maskPen"/>
+      <inkml:brushProperty name="ignorePressure" value="1"/>
+    </inkml:brush>
+  </inkml:definitions>
+  <inkml:trace contextRef="#ctx0" brushRef="#br0">1 1,'21104'0,"-18542"0,-2535 0</inkml:trace>
+</inkml:ink>
+</file>
+
+<file path=ppt/ink/ink32.xml><?xml version="1.0" encoding="utf-8"?>
+<inkml:ink xmlns:inkml="http://www.w3.org/2003/InkML">
+  <inkml:definitions>
+    <inkml:context xml:id="ctx0">
+      <inkml:inkSource xml:id="inkSrc0">
+        <inkml:traceFormat>
+          <inkml:channel name="X" type="integer" min="-2.14748E9" max="2.14748E9" units="cm"/>
+          <inkml:channel name="Y" type="integer" min="-2.14748E9" max="2.14748E9" units="cm"/>
+        </inkml:traceFormat>
+        <inkml:channelProperties>
+          <inkml:channelProperty channel="X" name="resolution" value="1000" units="1/cm"/>
+          <inkml:channelProperty channel="Y" name="resolution" value="1000" units="1/cm"/>
+        </inkml:channelProperties>
+      </inkml:inkSource>
+      <inkml:timestamp xml:id="ts0" timeString="2023-05-06T07:03:52.285"/>
+    </inkml:context>
+    <inkml:brush xml:id="br0">
+      <inkml:brushProperty name="width" value="0.4" units="cm"/>
+      <inkml:brushProperty name="height" value="0.8" units="cm"/>
+      <inkml:brushProperty name="color" value="#C0E494"/>
+      <inkml:brushProperty name="tip" value="rectangle"/>
+      <inkml:brushProperty name="rasterOp" value="maskPen"/>
+      <inkml:brushProperty name="ignorePressure" value="1"/>
+    </inkml:brush>
+  </inkml:definitions>
+  <inkml:trace contextRef="#ctx0" brushRef="#br0">0 0,'7418'0,"-7394"0</inkml:trace>
+</inkml:ink>
+</file>
+
+<file path=ppt/ink/ink33.xml><?xml version="1.0" encoding="utf-8"?>
+<inkml:ink xmlns:inkml="http://www.w3.org/2003/InkML">
+  <inkml:definitions>
+    <inkml:context xml:id="ctx0">
+      <inkml:inkSource xml:id="inkSrc0">
+        <inkml:traceFormat>
+          <inkml:channel name="X" type="integer" min="-2.14748E9" max="2.14748E9" units="cm"/>
+          <inkml:channel name="Y" type="integer" min="-2.14748E9" max="2.14748E9" units="cm"/>
+        </inkml:traceFormat>
+        <inkml:channelProperties>
+          <inkml:channelProperty channel="X" name="resolution" value="1000" units="1/cm"/>
+          <inkml:channelProperty channel="Y" name="resolution" value="1000" units="1/cm"/>
+        </inkml:channelProperties>
+      </inkml:inkSource>
+      <inkml:timestamp xml:id="ts0" timeString="2023-05-06T07:03:56.866"/>
+    </inkml:context>
+    <inkml:brush xml:id="br0">
+      <inkml:brushProperty name="width" value="0.4" units="cm"/>
+      <inkml:brushProperty name="height" value="0.8" units="cm"/>
+      <inkml:brushProperty name="color" value="#C0E494"/>
+      <inkml:brushProperty name="tip" value="rectangle"/>
+      <inkml:brushProperty name="rasterOp" value="maskPen"/>
+      <inkml:brushProperty name="ignorePressure" value="1"/>
+    </inkml:brush>
+  </inkml:definitions>
+  <inkml:trace contextRef="#ctx0" brushRef="#br0">1 0,'3729'0,"-3697"0</inkml:trace>
+</inkml:ink>
+</file>
+
+<file path=ppt/ink/ink34.xml><?xml version="1.0" encoding="utf-8"?>
+<inkml:ink xmlns:inkml="http://www.w3.org/2003/InkML">
+  <inkml:definitions>
+    <inkml:context xml:id="ctx0">
+      <inkml:inkSource xml:id="inkSrc0">
+        <inkml:traceFormat>
+          <inkml:channel name="X" type="integer" min="-2.14748E9" max="2.14748E9" units="cm"/>
+          <inkml:channel name="Y" type="integer" min="-2.14748E9" max="2.14748E9" units="cm"/>
+        </inkml:traceFormat>
+        <inkml:channelProperties>
+          <inkml:channelProperty channel="X" name="resolution" value="1000" units="1/cm"/>
+          <inkml:channelProperty channel="Y" name="resolution" value="1000" units="1/cm"/>
+        </inkml:channelProperties>
+      </inkml:inkSource>
+      <inkml:timestamp xml:id="ts0" timeString="2023-05-06T07:04:11.715"/>
+    </inkml:context>
+    <inkml:brush xml:id="br0">
+      <inkml:brushProperty name="width" value="0.4" units="cm"/>
+      <inkml:brushProperty name="height" value="0.8" units="cm"/>
+      <inkml:brushProperty name="color" value="#C0E494"/>
+      <inkml:brushProperty name="tip" value="rectangle"/>
+      <inkml:brushProperty name="rasterOp" value="maskPen"/>
+      <inkml:brushProperty name="ignorePressure" value="1"/>
+    </inkml:brush>
+  </inkml:definitions>
+  <inkml:trace contextRef="#ctx0" brushRef="#br0">1 1,'1803'0,"-1775"0</inkml:trace>
+</inkml:ink>
+</file>
+
+<file path=ppt/ink/ink35.xml><?xml version="1.0" encoding="utf-8"?>
+<inkml:ink xmlns:inkml="http://www.w3.org/2003/InkML">
+  <inkml:definitions>
+    <inkml:context xml:id="ctx0">
+      <inkml:inkSource xml:id="inkSrc0">
+        <inkml:traceFormat>
+          <inkml:channel name="X" type="integer" min="-2.14748E9" max="2.14748E9" units="cm"/>
+          <inkml:channel name="Y" type="integer" min="-2.14748E9" max="2.14748E9" units="cm"/>
+        </inkml:traceFormat>
+        <inkml:channelProperties>
+          <inkml:channelProperty channel="X" name="resolution" value="1000" units="1/cm"/>
+          <inkml:channelProperty channel="Y" name="resolution" value="1000" units="1/cm"/>
+        </inkml:channelProperties>
+      </inkml:inkSource>
+      <inkml:timestamp xml:id="ts0" timeString="2023-05-06T07:04:24.829"/>
+    </inkml:context>
+    <inkml:brush xml:id="br0">
+      <inkml:brushProperty name="width" value="0.3" units="cm"/>
+      <inkml:brushProperty name="height" value="0.6" units="cm"/>
+      <inkml:brushProperty name="color" value="#C0E494"/>
+      <inkml:brushProperty name="tip" value="rectangle"/>
+      <inkml:brushProperty name="rasterOp" value="maskPen"/>
+      <inkml:brushProperty name="ignorePressure" value="1"/>
+    </inkml:brush>
+  </inkml:definitions>
+  <inkml:trace contextRef="#ctx0" brushRef="#br0">1 1,'5466'0,"-5427"0</inkml:trace>
+</inkml:ink>
+</file>
+
+<file path=ppt/ink/ink36.xml><?xml version="1.0" encoding="utf-8"?>
+<inkml:ink xmlns:inkml="http://www.w3.org/2003/InkML">
+  <inkml:definitions>
+    <inkml:context xml:id="ctx0">
+      <inkml:inkSource xml:id="inkSrc0">
+        <inkml:traceFormat>
+          <inkml:channel name="X" type="integer" min="-2.14748E9" max="2.14748E9" units="cm"/>
+          <inkml:channel name="Y" type="integer" min="-2.14748E9" max="2.14748E9" units="cm"/>
+        </inkml:traceFormat>
+        <inkml:channelProperties>
+          <inkml:channelProperty channel="X" name="resolution" value="1000" units="1/cm"/>
+          <inkml:channelProperty channel="Y" name="resolution" value="1000" units="1/cm"/>
+        </inkml:channelProperties>
+      </inkml:inkSource>
+      <inkml:timestamp xml:id="ts0" timeString="2023-05-06T07:04:28.374"/>
+    </inkml:context>
+    <inkml:brush xml:id="br0">
+      <inkml:brushProperty name="width" value="0.3" units="cm"/>
+      <inkml:brushProperty name="height" value="0.6" units="cm"/>
+      <inkml:brushProperty name="color" value="#C0E494"/>
+      <inkml:brushProperty name="tip" value="rectangle"/>
+      <inkml:brushProperty name="rasterOp" value="maskPen"/>
+      <inkml:brushProperty name="ignorePressure" value="1"/>
+    </inkml:brush>
+  </inkml:definitions>
+  <inkml:trace contextRef="#ctx0" brushRef="#br0">0 1,'3560'0,"-3529"0</inkml:trace>
+</inkml:ink>
+</file>
+
+<file path=ppt/ink/ink37.xml><?xml version="1.0" encoding="utf-8"?>
+<inkml:ink xmlns:inkml="http://www.w3.org/2003/InkML">
+  <inkml:definitions>
+    <inkml:context xml:id="ctx0">
+      <inkml:inkSource xml:id="inkSrc0">
+        <inkml:traceFormat>
+          <inkml:channel name="X" type="integer" min="-2.14748E9" max="2.14748E9" units="cm"/>
+          <inkml:channel name="Y" type="integer" min="-2.14748E9" max="2.14748E9" units="cm"/>
+        </inkml:traceFormat>
+        <inkml:channelProperties>
+          <inkml:channelProperty channel="X" name="resolution" value="1000" units="1/cm"/>
+          <inkml:channelProperty channel="Y" name="resolution" value="1000" units="1/cm"/>
+        </inkml:channelProperties>
+      </inkml:inkSource>
+      <inkml:timestamp xml:id="ts0" timeString="2023-05-06T07:04:31.268"/>
+    </inkml:context>
+    <inkml:brush xml:id="br0">
+      <inkml:brushProperty name="width" value="0.3" units="cm"/>
+      <inkml:brushProperty name="height" value="0.6" units="cm"/>
+      <inkml:brushProperty name="color" value="#C0E494"/>
+      <inkml:brushProperty name="tip" value="rectangle"/>
+      <inkml:brushProperty name="rasterOp" value="maskPen"/>
+      <inkml:brushProperty name="ignorePressure" value="1"/>
+    </inkml:brush>
+  </inkml:definitions>
+  <inkml:trace contextRef="#ctx0" brushRef="#br0">1 1,'4961'0,"-4935"0</inkml:trace>
+</inkml:ink>
+</file>
+
+<file path=ppt/ink/ink38.xml><?xml version="1.0" encoding="utf-8"?>
+<inkml:ink xmlns:inkml="http://www.w3.org/2003/InkML">
+  <inkml:definitions>
+    <inkml:context xml:id="ctx0">
+      <inkml:inkSource xml:id="inkSrc0">
+        <inkml:traceFormat>
+          <inkml:channel name="X" type="integer" min="-2.14748E9" max="2.14748E9" units="cm"/>
+          <inkml:channel name="Y" type="integer" min="-2.14748E9" max="2.14748E9" units="cm"/>
+        </inkml:traceFormat>
+        <inkml:channelProperties>
+          <inkml:channelProperty channel="X" name="resolution" value="1000" units="1/cm"/>
+          <inkml:channelProperty channel="Y" name="resolution" value="1000" units="1/cm"/>
+        </inkml:channelProperties>
+      </inkml:inkSource>
+      <inkml:timestamp xml:id="ts0" timeString="2023-05-06T07:05:48.503"/>
+    </inkml:context>
+    <inkml:brush xml:id="br0">
+      <inkml:brushProperty name="width" value="0.3" units="cm"/>
+      <inkml:brushProperty name="height" value="0.6" units="cm"/>
+      <inkml:brushProperty name="color" value="#C0E494"/>
+      <inkml:brushProperty name="tip" value="rectangle"/>
+      <inkml:brushProperty name="rasterOp" value="maskPen"/>
+      <inkml:brushProperty name="ignorePressure" value="1"/>
+    </inkml:brush>
+  </inkml:definitions>
+  <inkml:trace contextRef="#ctx0" brushRef="#br0">0 1,'2429'0,"-2394"0</inkml:trace>
+</inkml:ink>
+</file>
+
+<file path=ppt/ink/ink39.xml><?xml version="1.0" encoding="utf-8"?>
+<inkml:ink xmlns:inkml="http://www.w3.org/2003/InkML">
+  <inkml:definitions>
+    <inkml:context xml:id="ctx0">
+      <inkml:inkSource xml:id="inkSrc0">
+        <inkml:traceFormat>
+          <inkml:channel name="X" type="integer" min="-2.14748E9" max="2.14748E9" units="cm"/>
+          <inkml:channel name="Y" type="integer" min="-2.14748E9" max="2.14748E9" units="cm"/>
+        </inkml:traceFormat>
+        <inkml:channelProperties>
+          <inkml:channelProperty channel="X" name="resolution" value="1000" units="1/cm"/>
+          <inkml:channelProperty channel="Y" name="resolution" value="1000" units="1/cm"/>
+        </inkml:channelProperties>
+      </inkml:inkSource>
+      <inkml:timestamp xml:id="ts0" timeString="2023-05-06T07:06:02.521"/>
+    </inkml:context>
+    <inkml:brush xml:id="br0">
+      <inkml:brushProperty name="width" value="0.4" units="cm"/>
+      <inkml:brushProperty name="height" value="0.8" units="cm"/>
+      <inkml:brushProperty name="color" value="#C0E494"/>
+      <inkml:brushProperty name="tip" value="rectangle"/>
+      <inkml:brushProperty name="rasterOp" value="maskPen"/>
+      <inkml:brushProperty name="ignorePressure" value="1"/>
+    </inkml:brush>
+  </inkml:definitions>
+  <inkml:trace contextRef="#ctx0" brushRef="#br0">1 1,'3473'0,"-2736"0,-706 0</inkml:trace>
+</inkml:ink>
+</file>
+
 <file path=ppt/ink/ink4.xml><?xml version="1.0" encoding="utf-8"?>
 <inkml:ink xmlns:inkml="http://www.w3.org/2003/InkML">
   <inkml:definitions>
@@ -473,6 +1117,296 @@
     </inkml:brush>
   </inkml:definitions>
   <inkml:trace contextRef="#ctx0" brushRef="#br0">0 0</inkml:trace>
+</inkml:ink>
+</file>
+
+<file path=ppt/ink/ink40.xml><?xml version="1.0" encoding="utf-8"?>
+<inkml:ink xmlns:inkml="http://www.w3.org/2003/InkML">
+  <inkml:definitions>
+    <inkml:context xml:id="ctx0">
+      <inkml:inkSource xml:id="inkSrc0">
+        <inkml:traceFormat>
+          <inkml:channel name="X" type="integer" min="-2.14748E9" max="2.14748E9" units="cm"/>
+          <inkml:channel name="Y" type="integer" min="-2.14748E9" max="2.14748E9" units="cm"/>
+        </inkml:traceFormat>
+        <inkml:channelProperties>
+          <inkml:channelProperty channel="X" name="resolution" value="1000" units="1/cm"/>
+          <inkml:channelProperty channel="Y" name="resolution" value="1000" units="1/cm"/>
+        </inkml:channelProperties>
+      </inkml:inkSource>
+      <inkml:timestamp xml:id="ts0" timeString="2023-05-06T07:06:13.595"/>
+    </inkml:context>
+    <inkml:brush xml:id="br0">
+      <inkml:brushProperty name="width" value="0.4" units="cm"/>
+      <inkml:brushProperty name="height" value="0.8" units="cm"/>
+      <inkml:brushProperty name="color" value="#C0E494"/>
+      <inkml:brushProperty name="tip" value="rectangle"/>
+      <inkml:brushProperty name="rasterOp" value="maskPen"/>
+      <inkml:brushProperty name="ignorePressure" value="1"/>
+    </inkml:brush>
+  </inkml:definitions>
+  <inkml:trace contextRef="#ctx0" brushRef="#br0">1 0,'4193'0,"-4158"0</inkml:trace>
+</inkml:ink>
+</file>
+
+<file path=ppt/ink/ink41.xml><?xml version="1.0" encoding="utf-8"?>
+<inkml:ink xmlns:inkml="http://www.w3.org/2003/InkML">
+  <inkml:definitions>
+    <inkml:context xml:id="ctx0">
+      <inkml:inkSource xml:id="inkSrc0">
+        <inkml:traceFormat>
+          <inkml:channel name="X" type="integer" min="-2.14748E9" max="2.14748E9" units="cm"/>
+          <inkml:channel name="Y" type="integer" min="-2.14748E9" max="2.14748E9" units="cm"/>
+        </inkml:traceFormat>
+        <inkml:channelProperties>
+          <inkml:channelProperty channel="X" name="resolution" value="1000" units="1/cm"/>
+          <inkml:channelProperty channel="Y" name="resolution" value="1000" units="1/cm"/>
+        </inkml:channelProperties>
+      </inkml:inkSource>
+      <inkml:timestamp xml:id="ts0" timeString="2023-05-06T07:06:21.188"/>
+    </inkml:context>
+    <inkml:brush xml:id="br0">
+      <inkml:brushProperty name="width" value="0.4" units="cm"/>
+      <inkml:brushProperty name="height" value="0.8" units="cm"/>
+      <inkml:brushProperty name="color" value="#C0E494"/>
+      <inkml:brushProperty name="tip" value="rectangle"/>
+      <inkml:brushProperty name="rasterOp" value="maskPen"/>
+      <inkml:brushProperty name="ignorePressure" value="1"/>
+    </inkml:brush>
+  </inkml:definitions>
+  <inkml:trace contextRef="#ctx0" brushRef="#br0">0 0,'3235'0,"-3203"0</inkml:trace>
+</inkml:ink>
+</file>
+
+<file path=ppt/ink/ink42.xml><?xml version="1.0" encoding="utf-8"?>
+<inkml:ink xmlns:inkml="http://www.w3.org/2003/InkML">
+  <inkml:definitions>
+    <inkml:context xml:id="ctx0">
+      <inkml:inkSource xml:id="inkSrc0">
+        <inkml:traceFormat>
+          <inkml:channel name="X" type="integer" min="-2.14748E9" max="2.14748E9" units="cm"/>
+          <inkml:channel name="Y" type="integer" min="-2.14748E9" max="2.14748E9" units="cm"/>
+        </inkml:traceFormat>
+        <inkml:channelProperties>
+          <inkml:channelProperty channel="X" name="resolution" value="1000" units="1/cm"/>
+          <inkml:channelProperty channel="Y" name="resolution" value="1000" units="1/cm"/>
+        </inkml:channelProperties>
+      </inkml:inkSource>
+      <inkml:timestamp xml:id="ts0" timeString="2023-05-06T07:06:23.739"/>
+    </inkml:context>
+    <inkml:brush xml:id="br0">
+      <inkml:brushProperty name="width" value="0.4" units="cm"/>
+      <inkml:brushProperty name="height" value="0.8" units="cm"/>
+      <inkml:brushProperty name="color" value="#C0E494"/>
+      <inkml:brushProperty name="tip" value="rectangle"/>
+      <inkml:brushProperty name="rasterOp" value="maskPen"/>
+      <inkml:brushProperty name="ignorePressure" value="1"/>
+    </inkml:brush>
+  </inkml:definitions>
+  <inkml:trace contextRef="#ctx0" brushRef="#br0">0 0,'3279'0,"-3253"0</inkml:trace>
+</inkml:ink>
+</file>
+
+<file path=ppt/ink/ink43.xml><?xml version="1.0" encoding="utf-8"?>
+<inkml:ink xmlns:inkml="http://www.w3.org/2003/InkML">
+  <inkml:definitions>
+    <inkml:context xml:id="ctx0">
+      <inkml:inkSource xml:id="inkSrc0">
+        <inkml:traceFormat>
+          <inkml:channel name="X" type="integer" min="-2.14748E9" max="2.14748E9" units="cm"/>
+          <inkml:channel name="Y" type="integer" min="-2.14748E9" max="2.14748E9" units="cm"/>
+        </inkml:traceFormat>
+        <inkml:channelProperties>
+          <inkml:channelProperty channel="X" name="resolution" value="1000" units="1/cm"/>
+          <inkml:channelProperty channel="Y" name="resolution" value="1000" units="1/cm"/>
+        </inkml:channelProperties>
+      </inkml:inkSource>
+      <inkml:timestamp xml:id="ts0" timeString="2023-05-06T07:06:34.654"/>
+    </inkml:context>
+    <inkml:brush xml:id="br0">
+      <inkml:brushProperty name="width" value="0.4" units="cm"/>
+      <inkml:brushProperty name="height" value="0.8" units="cm"/>
+      <inkml:brushProperty name="color" value="#C0E494"/>
+      <inkml:brushProperty name="tip" value="rectangle"/>
+      <inkml:brushProperty name="rasterOp" value="maskPen"/>
+      <inkml:brushProperty name="ignorePressure" value="1"/>
+    </inkml:brush>
+  </inkml:definitions>
+  <inkml:trace contextRef="#ctx0" brushRef="#br0">0 1,'3150'0,"-3114"0</inkml:trace>
+</inkml:ink>
+</file>
+
+<file path=ppt/ink/ink44.xml><?xml version="1.0" encoding="utf-8"?>
+<inkml:ink xmlns:inkml="http://www.w3.org/2003/InkML">
+  <inkml:definitions>
+    <inkml:context xml:id="ctx0">
+      <inkml:inkSource xml:id="inkSrc0">
+        <inkml:traceFormat>
+          <inkml:channel name="X" type="integer" min="-2.14748E9" max="2.14748E9" units="cm"/>
+          <inkml:channel name="Y" type="integer" min="-2.14748E9" max="2.14748E9" units="cm"/>
+        </inkml:traceFormat>
+        <inkml:channelProperties>
+          <inkml:channelProperty channel="X" name="resolution" value="1000" units="1/cm"/>
+          <inkml:channelProperty channel="Y" name="resolution" value="1000" units="1/cm"/>
+        </inkml:channelProperties>
+      </inkml:inkSource>
+      <inkml:timestamp xml:id="ts0" timeString="2023-05-06T07:06:40.697"/>
+    </inkml:context>
+    <inkml:brush xml:id="br0">
+      <inkml:brushProperty name="width" value="0.4" units="cm"/>
+      <inkml:brushProperty name="height" value="0.8" units="cm"/>
+      <inkml:brushProperty name="color" value="#C0E494"/>
+      <inkml:brushProperty name="tip" value="rectangle"/>
+      <inkml:brushProperty name="rasterOp" value="maskPen"/>
+      <inkml:brushProperty name="ignorePressure" value="1"/>
+    </inkml:brush>
+  </inkml:definitions>
+  <inkml:trace contextRef="#ctx0" brushRef="#br0">0 0,'3823'0,"-3788"0</inkml:trace>
+</inkml:ink>
+</file>
+
+<file path=ppt/ink/ink45.xml><?xml version="1.0" encoding="utf-8"?>
+<inkml:ink xmlns:inkml="http://www.w3.org/2003/InkML">
+  <inkml:definitions>
+    <inkml:context xml:id="ctx0">
+      <inkml:inkSource xml:id="inkSrc0">
+        <inkml:traceFormat>
+          <inkml:channel name="X" type="integer" min="-2.14748E9" max="2.14748E9" units="cm"/>
+          <inkml:channel name="Y" type="integer" min="-2.14748E9" max="2.14748E9" units="cm"/>
+        </inkml:traceFormat>
+        <inkml:channelProperties>
+          <inkml:channelProperty channel="X" name="resolution" value="1000" units="1/cm"/>
+          <inkml:channelProperty channel="Y" name="resolution" value="1000" units="1/cm"/>
+        </inkml:channelProperties>
+      </inkml:inkSource>
+      <inkml:timestamp xml:id="ts0" timeString="2023-05-06T07:06:52.628"/>
+    </inkml:context>
+    <inkml:brush xml:id="br0">
+      <inkml:brushProperty name="width" value="0.4" units="cm"/>
+      <inkml:brushProperty name="height" value="0.8" units="cm"/>
+      <inkml:brushProperty name="color" value="#C0E494"/>
+      <inkml:brushProperty name="tip" value="rectangle"/>
+      <inkml:brushProperty name="rasterOp" value="maskPen"/>
+      <inkml:brushProperty name="ignorePressure" value="1"/>
+    </inkml:brush>
+  </inkml:definitions>
+  <inkml:trace contextRef="#ctx0" brushRef="#br0">1 0,'4845'0,"-4821"0</inkml:trace>
+</inkml:ink>
+</file>
+
+<file path=ppt/ink/ink46.xml><?xml version="1.0" encoding="utf-8"?>
+<inkml:ink xmlns:inkml="http://www.w3.org/2003/InkML">
+  <inkml:definitions>
+    <inkml:context xml:id="ctx0">
+      <inkml:inkSource xml:id="inkSrc0">
+        <inkml:traceFormat>
+          <inkml:channel name="X" type="integer" min="-2.14748E9" max="2.14748E9" units="cm"/>
+          <inkml:channel name="Y" type="integer" min="-2.14748E9" max="2.14748E9" units="cm"/>
+        </inkml:traceFormat>
+        <inkml:channelProperties>
+          <inkml:channelProperty channel="X" name="resolution" value="1000" units="1/cm"/>
+          <inkml:channelProperty channel="Y" name="resolution" value="1000" units="1/cm"/>
+        </inkml:channelProperties>
+      </inkml:inkSource>
+      <inkml:timestamp xml:id="ts0" timeString="2023-05-06T07:07:24.220"/>
+    </inkml:context>
+    <inkml:brush xml:id="br0">
+      <inkml:brushProperty name="width" value="0.2" units="cm"/>
+      <inkml:brushProperty name="height" value="0.4" units="cm"/>
+      <inkml:brushProperty name="color" value="#C0E494"/>
+      <inkml:brushProperty name="tip" value="rectangle"/>
+      <inkml:brushProperty name="rasterOp" value="maskPen"/>
+      <inkml:brushProperty name="ignorePressure" value="1"/>
+    </inkml:brush>
+  </inkml:definitions>
+  <inkml:trace contextRef="#ctx0" brushRef="#br0">1 0,'2808'0,"-2773"0</inkml:trace>
+</inkml:ink>
+</file>
+
+<file path=ppt/ink/ink47.xml><?xml version="1.0" encoding="utf-8"?>
+<inkml:ink xmlns:inkml="http://www.w3.org/2003/InkML">
+  <inkml:definitions>
+    <inkml:context xml:id="ctx0">
+      <inkml:inkSource xml:id="inkSrc0">
+        <inkml:traceFormat>
+          <inkml:channel name="X" type="integer" min="-2.14748E9" max="2.14748E9" units="cm"/>
+          <inkml:channel name="Y" type="integer" min="-2.14748E9" max="2.14748E9" units="cm"/>
+        </inkml:traceFormat>
+        <inkml:channelProperties>
+          <inkml:channelProperty channel="X" name="resolution" value="1000" units="1/cm"/>
+          <inkml:channelProperty channel="Y" name="resolution" value="1000" units="1/cm"/>
+        </inkml:channelProperties>
+      </inkml:inkSource>
+      <inkml:timestamp xml:id="ts0" timeString="2023-05-06T07:09:02.585"/>
+    </inkml:context>
+    <inkml:brush xml:id="br0">
+      <inkml:brushProperty name="width" value="0.2" units="cm"/>
+      <inkml:brushProperty name="height" value="0.4" units="cm"/>
+      <inkml:brushProperty name="color" value="#C0E494"/>
+      <inkml:brushProperty name="tip" value="rectangle"/>
+      <inkml:brushProperty name="rasterOp" value="maskPen"/>
+      <inkml:brushProperty name="ignorePressure" value="1"/>
+    </inkml:brush>
+  </inkml:definitions>
+  <inkml:trace contextRef="#ctx0" brushRef="#br0">0 1,'721'0,"-689"0</inkml:trace>
+</inkml:ink>
+</file>
+
+<file path=ppt/ink/ink48.xml><?xml version="1.0" encoding="utf-8"?>
+<inkml:ink xmlns:inkml="http://www.w3.org/2003/InkML">
+  <inkml:definitions>
+    <inkml:context xml:id="ctx0">
+      <inkml:inkSource xml:id="inkSrc0">
+        <inkml:traceFormat>
+          <inkml:channel name="X" type="integer" min="-2.14748E9" max="2.14748E9" units="cm"/>
+          <inkml:channel name="Y" type="integer" min="-2.14748E9" max="2.14748E9" units="cm"/>
+        </inkml:traceFormat>
+        <inkml:channelProperties>
+          <inkml:channelProperty channel="X" name="resolution" value="1000" units="1/cm"/>
+          <inkml:channelProperty channel="Y" name="resolution" value="1000" units="1/cm"/>
+        </inkml:channelProperties>
+      </inkml:inkSource>
+      <inkml:timestamp xml:id="ts0" timeString="2023-05-06T07:09:07.150"/>
+    </inkml:context>
+    <inkml:brush xml:id="br0">
+      <inkml:brushProperty name="width" value="0.2" units="cm"/>
+      <inkml:brushProperty name="height" value="0.4" units="cm"/>
+      <inkml:brushProperty name="color" value="#C0E494"/>
+      <inkml:brushProperty name="tip" value="rectangle"/>
+      <inkml:brushProperty name="rasterOp" value="maskPen"/>
+      <inkml:brushProperty name="ignorePressure" value="1"/>
+    </inkml:brush>
+  </inkml:definitions>
+  <inkml:trace contextRef="#ctx0" brushRef="#br0">1 1,'1707'0,"-1674"0</inkml:trace>
+</inkml:ink>
+</file>
+
+<file path=ppt/ink/ink49.xml><?xml version="1.0" encoding="utf-8"?>
+<inkml:ink xmlns:inkml="http://www.w3.org/2003/InkML">
+  <inkml:definitions>
+    <inkml:context xml:id="ctx0">
+      <inkml:inkSource xml:id="inkSrc0">
+        <inkml:traceFormat>
+          <inkml:channel name="X" type="integer" min="-2.14748E9" max="2.14748E9" units="cm"/>
+          <inkml:channel name="Y" type="integer" min="-2.14748E9" max="2.14748E9" units="cm"/>
+        </inkml:traceFormat>
+        <inkml:channelProperties>
+          <inkml:channelProperty channel="X" name="resolution" value="1000" units="1/cm"/>
+          <inkml:channelProperty channel="Y" name="resolution" value="1000" units="1/cm"/>
+        </inkml:channelProperties>
+      </inkml:inkSource>
+      <inkml:timestamp xml:id="ts0" timeString="2023-05-06T07:09:15.179"/>
+    </inkml:context>
+    <inkml:brush xml:id="br0">
+      <inkml:brushProperty name="width" value="0.2" units="cm"/>
+      <inkml:brushProperty name="height" value="0.4" units="cm"/>
+      <inkml:brushProperty name="color" value="#C0E494"/>
+      <inkml:brushProperty name="tip" value="rectangle"/>
+      <inkml:brushProperty name="rasterOp" value="maskPen"/>
+      <inkml:brushProperty name="ignorePressure" value="1"/>
+    </inkml:brush>
+  </inkml:definitions>
+  <inkml:trace contextRef="#ctx0" brushRef="#br0">0 1,'3091'0,"-3070"0</inkml:trace>
 </inkml:ink>
 </file>
 
@@ -503,6 +1437,64 @@
   </inkml:definitions>
   <inkml:trace contextRef="#ctx0" brushRef="#br0">0 37</inkml:trace>
   <inkml:trace contextRef="#ctx0" brushRef="#br0" timeOffset="1">0 37,'8'0,"10"0,10 0,8 0,5 0,12 0,11 0,4-8,4-2,-1 0,-13 2</inkml:trace>
+</inkml:ink>
+</file>
+
+<file path=ppt/ink/ink50.xml><?xml version="1.0" encoding="utf-8"?>
+<inkml:ink xmlns:inkml="http://www.w3.org/2003/InkML">
+  <inkml:definitions>
+    <inkml:context xml:id="ctx0">
+      <inkml:inkSource xml:id="inkSrc0">
+        <inkml:traceFormat>
+          <inkml:channel name="X" type="integer" min="-2.14748E9" max="2.14748E9" units="cm"/>
+          <inkml:channel name="Y" type="integer" min="-2.14748E9" max="2.14748E9" units="cm"/>
+        </inkml:traceFormat>
+        <inkml:channelProperties>
+          <inkml:channelProperty channel="X" name="resolution" value="1000" units="1/cm"/>
+          <inkml:channelProperty channel="Y" name="resolution" value="1000" units="1/cm"/>
+        </inkml:channelProperties>
+      </inkml:inkSource>
+      <inkml:timestamp xml:id="ts0" timeString="2023-05-06T07:09:35.802"/>
+    </inkml:context>
+    <inkml:brush xml:id="br0">
+      <inkml:brushProperty name="width" value="0.3" units="cm"/>
+      <inkml:brushProperty name="height" value="0.6" units="cm"/>
+      <inkml:brushProperty name="color" value="#C0E494"/>
+      <inkml:brushProperty name="tip" value="rectangle"/>
+      <inkml:brushProperty name="rasterOp" value="maskPen"/>
+      <inkml:brushProperty name="ignorePressure" value="1"/>
+    </inkml:brush>
+  </inkml:definitions>
+  <inkml:trace contextRef="#ctx0" brushRef="#br0">0 0,'12737'0,"-12705"0</inkml:trace>
+</inkml:ink>
+</file>
+
+<file path=ppt/ink/ink51.xml><?xml version="1.0" encoding="utf-8"?>
+<inkml:ink xmlns:inkml="http://www.w3.org/2003/InkML">
+  <inkml:definitions>
+    <inkml:context xml:id="ctx0">
+      <inkml:inkSource xml:id="inkSrc0">
+        <inkml:traceFormat>
+          <inkml:channel name="X" type="integer" min="-2.14748E9" max="2.14748E9" units="cm"/>
+          <inkml:channel name="Y" type="integer" min="-2.14748E9" max="2.14748E9" units="cm"/>
+        </inkml:traceFormat>
+        <inkml:channelProperties>
+          <inkml:channelProperty channel="X" name="resolution" value="1000" units="1/cm"/>
+          <inkml:channelProperty channel="Y" name="resolution" value="1000" units="1/cm"/>
+        </inkml:channelProperties>
+      </inkml:inkSource>
+      <inkml:timestamp xml:id="ts0" timeString="2023-05-06T07:09:52.156"/>
+    </inkml:context>
+    <inkml:brush xml:id="br0">
+      <inkml:brushProperty name="width" value="0.4" units="cm"/>
+      <inkml:brushProperty name="height" value="0.8" units="cm"/>
+      <inkml:brushProperty name="color" value="#C0E494"/>
+      <inkml:brushProperty name="tip" value="rectangle"/>
+      <inkml:brushProperty name="rasterOp" value="maskPen"/>
+      <inkml:brushProperty name="ignorePressure" value="1"/>
+    </inkml:brush>
+  </inkml:definitions>
+  <inkml:trace contextRef="#ctx0" brushRef="#br0">1 0,'6240'0,"-1104"0,-2895 0,3030 0,-5232 0</inkml:trace>
 </inkml:ink>
 </file>
 
@@ -816,7 +1808,7 @@
           <a:p>
             <a:fld id="{96DFF08F-DC6B-4601-B491-B0F83F6DD2DA}" type="datetimeFigureOut">
               <a:rPr lang="en-US" smtClean="0"/>
-              <a:t>5/3/2023</a:t>
+              <a:t>5/6/2023</a:t>
             </a:fld>
             <a:endParaRPr lang="en-US" dirty="0"/>
           </a:p>
@@ -1037,7 +2029,7 @@
           <a:p>
             <a:fld id="{96DFF08F-DC6B-4601-B491-B0F83F6DD2DA}" type="datetimeFigureOut">
               <a:rPr lang="en-US" smtClean="0"/>
-              <a:t>5/3/2023</a:t>
+              <a:t>5/6/2023</a:t>
             </a:fld>
             <a:endParaRPr lang="en-US" dirty="0"/>
           </a:p>
@@ -1217,7 +2209,7 @@
           <a:p>
             <a:fld id="{96DFF08F-DC6B-4601-B491-B0F83F6DD2DA}" type="datetimeFigureOut">
               <a:rPr lang="en-US" smtClean="0"/>
-              <a:t>5/3/2023</a:t>
+              <a:t>5/6/2023</a:t>
             </a:fld>
             <a:endParaRPr lang="en-US" dirty="0"/>
           </a:p>
@@ -1387,7 +2379,7 @@
           <a:p>
             <a:fld id="{96DFF08F-DC6B-4601-B491-B0F83F6DD2DA}" type="datetimeFigureOut">
               <a:rPr lang="en-US" smtClean="0"/>
-              <a:t>5/3/2023</a:t>
+              <a:t>5/6/2023</a:t>
             </a:fld>
             <a:endParaRPr lang="en-US" dirty="0"/>
           </a:p>
@@ -1638,7 +2630,7 @@
           <a:p>
             <a:fld id="{96DFF08F-DC6B-4601-B491-B0F83F6DD2DA}" type="datetimeFigureOut">
               <a:rPr lang="en-US" smtClean="0"/>
-              <a:t>5/3/2023</a:t>
+              <a:t>5/6/2023</a:t>
             </a:fld>
             <a:endParaRPr lang="en-US" dirty="0"/>
           </a:p>
@@ -1961,7 +2953,7 @@
           <a:p>
             <a:fld id="{96DFF08F-DC6B-4601-B491-B0F83F6DD2DA}" type="datetimeFigureOut">
               <a:rPr lang="en-US" smtClean="0"/>
-              <a:t>5/3/2023</a:t>
+              <a:t>5/6/2023</a:t>
             </a:fld>
             <a:endParaRPr lang="en-US" dirty="0"/>
           </a:p>
@@ -2385,7 +3377,7 @@
           <a:p>
             <a:fld id="{96DFF08F-DC6B-4601-B491-B0F83F6DD2DA}" type="datetimeFigureOut">
               <a:rPr lang="en-US" smtClean="0"/>
-              <a:t>5/3/2023</a:t>
+              <a:t>5/6/2023</a:t>
             </a:fld>
             <a:endParaRPr lang="en-US" dirty="0"/>
           </a:p>
@@ -2503,7 +3495,7 @@
           <a:p>
             <a:fld id="{96DFF08F-DC6B-4601-B491-B0F83F6DD2DA}" type="datetimeFigureOut">
               <a:rPr lang="en-US" smtClean="0"/>
-              <a:t>5/3/2023</a:t>
+              <a:t>5/6/2023</a:t>
             </a:fld>
             <a:endParaRPr lang="en-US" dirty="0"/>
           </a:p>
@@ -2598,7 +3590,7 @@
           <a:p>
             <a:fld id="{96DFF08F-DC6B-4601-B491-B0F83F6DD2DA}" type="datetimeFigureOut">
               <a:rPr lang="en-US" smtClean="0"/>
-              <a:t>5/3/2023</a:t>
+              <a:t>5/6/2023</a:t>
             </a:fld>
             <a:endParaRPr lang="en-US" dirty="0"/>
           </a:p>
@@ -2888,7 +3880,7 @@
           <a:p>
             <a:fld id="{96DFF08F-DC6B-4601-B491-B0F83F6DD2DA}" type="datetimeFigureOut">
               <a:rPr lang="en-US" smtClean="0"/>
-              <a:t>5/3/2023</a:t>
+              <a:t>5/6/2023</a:t>
             </a:fld>
             <a:endParaRPr lang="en-US" dirty="0"/>
           </a:p>
@@ -3160,7 +4152,7 @@
           <a:p>
             <a:fld id="{96DFF08F-DC6B-4601-B491-B0F83F6DD2DA}" type="datetimeFigureOut">
               <a:rPr lang="en-US" smtClean="0"/>
-              <a:t>5/3/2023</a:t>
+              <a:t>5/6/2023</a:t>
             </a:fld>
             <a:endParaRPr lang="en-US" dirty="0"/>
           </a:p>
@@ -3415,7 +4407,7 @@
             <a:fld id="{96DFF08F-DC6B-4601-B491-B0F83F6DD2DA}" type="datetimeFigureOut">
               <a:rPr lang="en-US" smtClean="0"/>
               <a:pPr/>
-              <a:t>5/3/2023</a:t>
+              <a:t>5/6/2023</a:t>
             </a:fld>
             <a:endParaRPr lang="en-US" dirty="0"/>
           </a:p>
@@ -4037,6 +5029,659 @@
       </p:grpSpPr>
       <p:pic>
         <p:nvPicPr>
+          <p:cNvPr id="5" name="그림 4">
+            <a:extLst>
+              <a:ext uri="{FF2B5EF4-FFF2-40B4-BE49-F238E27FC236}">
+                <a16:creationId xmlns:a16="http://schemas.microsoft.com/office/drawing/2014/main" id="{FD24944E-F582-991C-2FF9-FA7DEF33DA8C}"/>
+              </a:ext>
+            </a:extLst>
+          </p:cNvPr>
+          <p:cNvPicPr>
+            <a:picLocks noChangeAspect="1"/>
+          </p:cNvPicPr>
+          <p:nvPr/>
+        </p:nvPicPr>
+        <p:blipFill>
+          <a:blip r:embed="rId2"/>
+          <a:stretch>
+            <a:fillRect/>
+          </a:stretch>
+        </p:blipFill>
+        <p:spPr>
+          <a:xfrm>
+            <a:off x="444530" y="366922"/>
+            <a:ext cx="5515399" cy="6120537"/>
+          </a:xfrm>
+          <a:prstGeom prst="rect">
+            <a:avLst/>
+          </a:prstGeom>
+        </p:spPr>
+      </p:pic>
+      <p:sp>
+        <p:nvSpPr>
+          <p:cNvPr id="8" name="화살표: 오른쪽 7">
+            <a:extLst>
+              <a:ext uri="{FF2B5EF4-FFF2-40B4-BE49-F238E27FC236}">
+                <a16:creationId xmlns:a16="http://schemas.microsoft.com/office/drawing/2014/main" id="{22315901-2B6F-2D15-F8FC-F7E8317D08B0}"/>
+              </a:ext>
+            </a:extLst>
+          </p:cNvPr>
+          <p:cNvSpPr/>
+          <p:nvPr/>
+        </p:nvSpPr>
+        <p:spPr>
+          <a:xfrm>
+            <a:off x="5225143" y="1600200"/>
+            <a:ext cx="734786" cy="457200"/>
+          </a:xfrm>
+          <a:prstGeom prst="rightArrow">
+            <a:avLst/>
+          </a:prstGeom>
+        </p:spPr>
+        <p:style>
+          <a:lnRef idx="2">
+            <a:schemeClr val="accent1">
+              <a:shade val="50000"/>
+            </a:schemeClr>
+          </a:lnRef>
+          <a:fillRef idx="1">
+            <a:schemeClr val="accent1"/>
+          </a:fillRef>
+          <a:effectRef idx="0">
+            <a:schemeClr val="accent1"/>
+          </a:effectRef>
+          <a:fontRef idx="minor">
+            <a:schemeClr val="lt1"/>
+          </a:fontRef>
+        </p:style>
+        <p:txBody>
+          <a:bodyPr rtlCol="0" anchor="ctr"/>
+          <a:lstStyle/>
+          <a:p>
+            <a:pPr algn="ctr"/>
+            <a:endParaRPr lang="ko-KR" altLang="en-US"/>
+          </a:p>
+        </p:txBody>
+      </p:sp>
+      <p:sp>
+        <p:nvSpPr>
+          <p:cNvPr id="13" name="사각형: 둥근 모서리 12">
+            <a:extLst>
+              <a:ext uri="{FF2B5EF4-FFF2-40B4-BE49-F238E27FC236}">
+                <a16:creationId xmlns:a16="http://schemas.microsoft.com/office/drawing/2014/main" id="{474F4D49-A0A0-B7F4-35F7-0E83EB3C4F0F}"/>
+              </a:ext>
+            </a:extLst>
+          </p:cNvPr>
+          <p:cNvSpPr/>
+          <p:nvPr/>
+        </p:nvSpPr>
+        <p:spPr>
+          <a:xfrm>
+            <a:off x="244929" y="1061357"/>
+            <a:ext cx="4708070" cy="1583872"/>
+          </a:xfrm>
+          <a:prstGeom prst="roundRect">
+            <a:avLst/>
+          </a:prstGeom>
+          <a:noFill/>
+        </p:spPr>
+        <p:style>
+          <a:lnRef idx="2">
+            <a:schemeClr val="accent1">
+              <a:shade val="50000"/>
+            </a:schemeClr>
+          </a:lnRef>
+          <a:fillRef idx="1">
+            <a:schemeClr val="accent1"/>
+          </a:fillRef>
+          <a:effectRef idx="0">
+            <a:schemeClr val="accent1"/>
+          </a:effectRef>
+          <a:fontRef idx="minor">
+            <a:schemeClr val="lt1"/>
+          </a:fontRef>
+        </p:style>
+        <p:txBody>
+          <a:bodyPr rtlCol="0" anchor="ctr"/>
+          <a:lstStyle/>
+          <a:p>
+            <a:pPr algn="ctr"/>
+            <a:endParaRPr lang="ko-KR" altLang="en-US"/>
+          </a:p>
+        </p:txBody>
+      </p:sp>
+      <p:pic>
+        <p:nvPicPr>
+          <p:cNvPr id="17" name="그림 16">
+            <a:extLst>
+              <a:ext uri="{FF2B5EF4-FFF2-40B4-BE49-F238E27FC236}">
+                <a16:creationId xmlns:a16="http://schemas.microsoft.com/office/drawing/2014/main" id="{F2D07696-F08F-98A5-4232-6D1AC8CA48A2}"/>
+              </a:ext>
+            </a:extLst>
+          </p:cNvPr>
+          <p:cNvPicPr>
+            <a:picLocks noChangeAspect="1"/>
+          </p:cNvPicPr>
+          <p:nvPr/>
+        </p:nvPicPr>
+        <p:blipFill>
+          <a:blip r:embed="rId3"/>
+          <a:stretch>
+            <a:fillRect/>
+          </a:stretch>
+        </p:blipFill>
+        <p:spPr>
+          <a:xfrm>
+            <a:off x="6159529" y="366922"/>
+            <a:ext cx="5389307" cy="3882195"/>
+          </a:xfrm>
+          <a:prstGeom prst="rect">
+            <a:avLst/>
+          </a:prstGeom>
+        </p:spPr>
+      </p:pic>
+      <p:pic>
+        <p:nvPicPr>
+          <p:cNvPr id="19" name="그림 18">
+            <a:extLst>
+              <a:ext uri="{FF2B5EF4-FFF2-40B4-BE49-F238E27FC236}">
+                <a16:creationId xmlns:a16="http://schemas.microsoft.com/office/drawing/2014/main" id="{D6FADE67-6797-C4A7-E76D-9CC989CB765F}"/>
+              </a:ext>
+            </a:extLst>
+          </p:cNvPr>
+          <p:cNvPicPr>
+            <a:picLocks noChangeAspect="1"/>
+          </p:cNvPicPr>
+          <p:nvPr/>
+        </p:nvPicPr>
+        <p:blipFill>
+          <a:blip r:embed="rId4"/>
+          <a:stretch>
+            <a:fillRect/>
+          </a:stretch>
+        </p:blipFill>
+        <p:spPr>
+          <a:xfrm>
+            <a:off x="8314805" y="4357540"/>
+            <a:ext cx="3234031" cy="2129919"/>
+          </a:xfrm>
+          <a:prstGeom prst="rect">
+            <a:avLst/>
+          </a:prstGeom>
+        </p:spPr>
+      </p:pic>
+    </p:spTree>
+    <p:extLst>
+      <p:ext uri="{BB962C8B-B14F-4D97-AF65-F5344CB8AC3E}">
+        <p14:creationId xmlns:p14="http://schemas.microsoft.com/office/powerpoint/2010/main" val="1941100395"/>
+      </p:ext>
+    </p:extLst>
+  </p:cSld>
+  <p:clrMapOvr>
+    <a:masterClrMapping/>
+  </p:clrMapOvr>
+</p:sld>
+</file>
+
+<file path=ppt/slides/slide11.xml><?xml version="1.0" encoding="utf-8"?>
+<p:sld xmlns:a="http://schemas.openxmlformats.org/drawingml/2006/main" xmlns:r="http://schemas.openxmlformats.org/officeDocument/2006/relationships" xmlns:p="http://schemas.openxmlformats.org/presentationml/2006/main">
+  <p:cSld>
+    <p:spTree>
+      <p:nvGrpSpPr>
+        <p:cNvPr id="1" name=""/>
+        <p:cNvGrpSpPr/>
+        <p:nvPr/>
+      </p:nvGrpSpPr>
+      <p:grpSpPr>
+        <a:xfrm>
+          <a:off x="0" y="0"/>
+          <a:ext cx="0" cy="0"/>
+          <a:chOff x="0" y="0"/>
+          <a:chExt cx="0" cy="0"/>
+        </a:xfrm>
+      </p:grpSpPr>
+      <p:sp>
+        <p:nvSpPr>
+          <p:cNvPr id="2" name="TextBox 1">
+            <a:extLst>
+              <a:ext uri="{FF2B5EF4-FFF2-40B4-BE49-F238E27FC236}">
+                <a16:creationId xmlns:a16="http://schemas.microsoft.com/office/drawing/2014/main" id="{6D5E47BA-144B-6E25-E282-8F211ABD5221}"/>
+              </a:ext>
+            </a:extLst>
+          </p:cNvPr>
+          <p:cNvSpPr txBox="1"/>
+          <p:nvPr/>
+        </p:nvSpPr>
+        <p:spPr>
+          <a:xfrm>
+            <a:off x="1139371" y="2610838"/>
+            <a:ext cx="9913258" cy="830997"/>
+          </a:xfrm>
+          <a:prstGeom prst="rect">
+            <a:avLst/>
+          </a:prstGeom>
+          <a:noFill/>
+        </p:spPr>
+        <p:txBody>
+          <a:bodyPr wrap="square" rtlCol="0">
+            <a:spAutoFit/>
+          </a:bodyPr>
+          <a:lstStyle/>
+          <a:p>
+            <a:pPr algn="ctr"/>
+            <a:r>
+              <a:rPr lang="en-US" altLang="ko-KR" sz="4800" b="1" dirty="0">
+                <a:solidFill>
+                  <a:schemeClr val="accent1"/>
+                </a:solidFill>
+                <a:latin typeface="+mn-ea"/>
+              </a:rPr>
+              <a:t>&lt; </a:t>
+            </a:r>
+            <a:r>
+              <a:rPr lang="ko-KR" altLang="en-US" sz="4800" b="1" dirty="0">
+                <a:solidFill>
+                  <a:schemeClr val="accent1"/>
+                </a:solidFill>
+                <a:latin typeface="+mn-ea"/>
+              </a:rPr>
+              <a:t>리스트 관리 </a:t>
+            </a:r>
+            <a:r>
+              <a:rPr lang="en-US" altLang="ko-KR" sz="4800" b="1" dirty="0">
+                <a:solidFill>
+                  <a:schemeClr val="accent1"/>
+                </a:solidFill>
+                <a:latin typeface="+mn-ea"/>
+              </a:rPr>
+              <a:t>&gt;</a:t>
+            </a:r>
+            <a:endParaRPr lang="ko-KR" altLang="en-US" sz="4800" b="1" dirty="0">
+              <a:solidFill>
+                <a:schemeClr val="accent1"/>
+              </a:solidFill>
+              <a:latin typeface="+mn-ea"/>
+            </a:endParaRPr>
+          </a:p>
+        </p:txBody>
+      </p:sp>
+    </p:spTree>
+    <p:extLst>
+      <p:ext uri="{BB962C8B-B14F-4D97-AF65-F5344CB8AC3E}">
+        <p14:creationId xmlns:p14="http://schemas.microsoft.com/office/powerpoint/2010/main" val="1599588606"/>
+      </p:ext>
+    </p:extLst>
+  </p:cSld>
+  <p:clrMapOvr>
+    <a:masterClrMapping/>
+  </p:clrMapOvr>
+</p:sld>
+</file>
+
+<file path=ppt/slides/slide12.xml><?xml version="1.0" encoding="utf-8"?>
+<p:sld xmlns:a="http://schemas.openxmlformats.org/drawingml/2006/main" xmlns:r="http://schemas.openxmlformats.org/officeDocument/2006/relationships" xmlns:p="http://schemas.openxmlformats.org/presentationml/2006/main">
+  <p:cSld>
+    <p:spTree>
+      <p:nvGrpSpPr>
+        <p:cNvPr id="1" name=""/>
+        <p:cNvGrpSpPr/>
+        <p:nvPr/>
+      </p:nvGrpSpPr>
+      <p:grpSpPr>
+        <a:xfrm>
+          <a:off x="0" y="0"/>
+          <a:ext cx="0" cy="0"/>
+          <a:chOff x="0" y="0"/>
+          <a:chExt cx="0" cy="0"/>
+        </a:xfrm>
+      </p:grpSpPr>
+      <p:pic>
+        <p:nvPicPr>
+          <p:cNvPr id="3" name="그림 2">
+            <a:extLst>
+              <a:ext uri="{FF2B5EF4-FFF2-40B4-BE49-F238E27FC236}">
+                <a16:creationId xmlns:a16="http://schemas.microsoft.com/office/drawing/2014/main" id="{6867A092-2181-C767-138D-C8DD25102473}"/>
+              </a:ext>
+            </a:extLst>
+          </p:cNvPr>
+          <p:cNvPicPr>
+            <a:picLocks noChangeAspect="1"/>
+          </p:cNvPicPr>
+          <p:nvPr/>
+        </p:nvPicPr>
+        <p:blipFill>
+          <a:blip r:embed="rId2"/>
+          <a:stretch>
+            <a:fillRect/>
+          </a:stretch>
+        </p:blipFill>
+        <p:spPr>
+          <a:xfrm>
+            <a:off x="358421" y="440472"/>
+            <a:ext cx="6189336" cy="6107898"/>
+          </a:xfrm>
+          <a:prstGeom prst="rect">
+            <a:avLst/>
+          </a:prstGeom>
+        </p:spPr>
+      </p:pic>
+      <p:pic>
+        <p:nvPicPr>
+          <p:cNvPr id="5" name="그림 4">
+            <a:extLst>
+              <a:ext uri="{FF2B5EF4-FFF2-40B4-BE49-F238E27FC236}">
+                <a16:creationId xmlns:a16="http://schemas.microsoft.com/office/drawing/2014/main" id="{A3DA5E39-380F-6CBE-FC06-1DDAC7869253}"/>
+              </a:ext>
+            </a:extLst>
+          </p:cNvPr>
+          <p:cNvPicPr>
+            <a:picLocks noChangeAspect="1"/>
+          </p:cNvPicPr>
+          <p:nvPr/>
+        </p:nvPicPr>
+        <p:blipFill>
+          <a:blip r:embed="rId3"/>
+          <a:stretch>
+            <a:fillRect/>
+          </a:stretch>
+        </p:blipFill>
+        <p:spPr>
+          <a:xfrm>
+            <a:off x="7411716" y="2728862"/>
+            <a:ext cx="4421863" cy="2335492"/>
+          </a:xfrm>
+          <a:prstGeom prst="rect">
+            <a:avLst/>
+          </a:prstGeom>
+        </p:spPr>
+      </p:pic>
+      <mc:AlternateContent xmlns:mc="http://schemas.openxmlformats.org/markup-compatibility/2006">
+        <mc:Choice xmlns:p14="http://schemas.microsoft.com/office/powerpoint/2010/main" Requires="p14">
+          <p:contentPart p14:bwMode="auto" r:id="rId4">
+            <p14:nvContentPartPr>
+              <p14:cNvPr id="2" name="잉크 1">
+                <a:extLst>
+                  <a:ext uri="{FF2B5EF4-FFF2-40B4-BE49-F238E27FC236}">
+                    <a16:creationId xmlns:a16="http://schemas.microsoft.com/office/drawing/2014/main" id="{805F2D9E-4FDC-5C78-9FB2-3504265FAA87}"/>
+                  </a:ext>
+                </a:extLst>
+              </p14:cNvPr>
+              <p14:cNvContentPartPr/>
+              <p14:nvPr/>
+            </p14:nvContentPartPr>
+            <p14:xfrm>
+              <a:off x="596539" y="522512"/>
+              <a:ext cx="1281240" cy="360"/>
+            </p14:xfrm>
+          </p:contentPart>
+        </mc:Choice>
+        <mc:Fallback>
+          <p:pic>
+            <p:nvPicPr>
+              <p:cNvPr id="2" name="잉크 1">
+                <a:extLst>
+                  <a:ext uri="{FF2B5EF4-FFF2-40B4-BE49-F238E27FC236}">
+                    <a16:creationId xmlns:a16="http://schemas.microsoft.com/office/drawing/2014/main" id="{805F2D9E-4FDC-5C78-9FB2-3504265FAA87}"/>
+                  </a:ext>
+                </a:extLst>
+              </p:cNvPr>
+              <p:cNvPicPr/>
+              <p:nvPr/>
+            </p:nvPicPr>
+            <p:blipFill>
+              <a:blip r:embed="rId5"/>
+              <a:stretch>
+                <a:fillRect/>
+              </a:stretch>
+            </p:blipFill>
+            <p:spPr>
+              <a:xfrm>
+                <a:off x="524899" y="378512"/>
+                <a:ext cx="1424880" cy="288000"/>
+              </a:xfrm>
+              <a:prstGeom prst="rect">
+                <a:avLst/>
+              </a:prstGeom>
+            </p:spPr>
+          </p:pic>
+        </mc:Fallback>
+      </mc:AlternateContent>
+      <mc:AlternateContent xmlns:mc="http://schemas.openxmlformats.org/markup-compatibility/2006">
+        <mc:Choice xmlns:p14="http://schemas.microsoft.com/office/powerpoint/2010/main" Requires="p14">
+          <p:contentPart p14:bwMode="auto" r:id="rId6">
+            <p14:nvContentPartPr>
+              <p14:cNvPr id="11" name="잉크 10">
+                <a:extLst>
+                  <a:ext uri="{FF2B5EF4-FFF2-40B4-BE49-F238E27FC236}">
+                    <a16:creationId xmlns:a16="http://schemas.microsoft.com/office/drawing/2014/main" id="{0C844CC4-5CD9-08AD-838F-F13E66CA192E}"/>
+                  </a:ext>
+                </a:extLst>
+              </p14:cNvPr>
+              <p14:cNvContentPartPr/>
+              <p14:nvPr/>
+            </p14:nvContentPartPr>
+            <p14:xfrm>
+              <a:off x="1366579" y="1097432"/>
+              <a:ext cx="696600" cy="360"/>
+            </p14:xfrm>
+          </p:contentPart>
+        </mc:Choice>
+        <mc:Fallback>
+          <p:pic>
+            <p:nvPicPr>
+              <p:cNvPr id="11" name="잉크 10">
+                <a:extLst>
+                  <a:ext uri="{FF2B5EF4-FFF2-40B4-BE49-F238E27FC236}">
+                    <a16:creationId xmlns:a16="http://schemas.microsoft.com/office/drawing/2014/main" id="{0C844CC4-5CD9-08AD-838F-F13E66CA192E}"/>
+                  </a:ext>
+                </a:extLst>
+              </p:cNvPr>
+              <p:cNvPicPr/>
+              <p:nvPr/>
+            </p:nvPicPr>
+            <p:blipFill>
+              <a:blip r:embed="rId7"/>
+              <a:stretch>
+                <a:fillRect/>
+              </a:stretch>
+            </p:blipFill>
+            <p:spPr>
+              <a:xfrm>
+                <a:off x="1312579" y="989792"/>
+                <a:ext cx="804240" cy="216000"/>
+              </a:xfrm>
+              <a:prstGeom prst="rect">
+                <a:avLst/>
+              </a:prstGeom>
+            </p:spPr>
+          </p:pic>
+        </mc:Fallback>
+      </mc:AlternateContent>
+      <mc:AlternateContent xmlns:mc="http://schemas.openxmlformats.org/markup-compatibility/2006">
+        <mc:Choice xmlns:p14="http://schemas.microsoft.com/office/powerpoint/2010/main" Requires="p14">
+          <p:contentPart p14:bwMode="auto" r:id="rId8">
+            <p14:nvContentPartPr>
+              <p14:cNvPr id="12" name="잉크 11">
+                <a:extLst>
+                  <a:ext uri="{FF2B5EF4-FFF2-40B4-BE49-F238E27FC236}">
+                    <a16:creationId xmlns:a16="http://schemas.microsoft.com/office/drawing/2014/main" id="{73A71165-A864-6A43-4250-6B031D42E5C8}"/>
+                  </a:ext>
+                </a:extLst>
+              </p14:cNvPr>
+              <p14:cNvContentPartPr/>
+              <p14:nvPr/>
+            </p14:nvContentPartPr>
+            <p14:xfrm>
+              <a:off x="2329219" y="1097432"/>
+              <a:ext cx="1098720" cy="360"/>
+            </p14:xfrm>
+          </p:contentPart>
+        </mc:Choice>
+        <mc:Fallback>
+          <p:pic>
+            <p:nvPicPr>
+              <p:cNvPr id="12" name="잉크 11">
+                <a:extLst>
+                  <a:ext uri="{FF2B5EF4-FFF2-40B4-BE49-F238E27FC236}">
+                    <a16:creationId xmlns:a16="http://schemas.microsoft.com/office/drawing/2014/main" id="{73A71165-A864-6A43-4250-6B031D42E5C8}"/>
+                  </a:ext>
+                </a:extLst>
+              </p:cNvPr>
+              <p:cNvPicPr/>
+              <p:nvPr/>
+            </p:nvPicPr>
+            <p:blipFill>
+              <a:blip r:embed="rId9"/>
+              <a:stretch>
+                <a:fillRect/>
+              </a:stretch>
+            </p:blipFill>
+            <p:spPr>
+              <a:xfrm>
+                <a:off x="2275219" y="989792"/>
+                <a:ext cx="1206360" cy="216000"/>
+              </a:xfrm>
+              <a:prstGeom prst="rect">
+                <a:avLst/>
+              </a:prstGeom>
+            </p:spPr>
+          </p:pic>
+        </mc:Fallback>
+      </mc:AlternateContent>
+      <mc:AlternateContent xmlns:mc="http://schemas.openxmlformats.org/markup-compatibility/2006">
+        <mc:Choice xmlns:p14="http://schemas.microsoft.com/office/powerpoint/2010/main" Requires="p14">
+          <p:contentPart p14:bwMode="auto" r:id="rId10">
+            <p14:nvContentPartPr>
+              <p14:cNvPr id="13" name="잉크 12">
+                <a:extLst>
+                  <a:ext uri="{FF2B5EF4-FFF2-40B4-BE49-F238E27FC236}">
+                    <a16:creationId xmlns:a16="http://schemas.microsoft.com/office/drawing/2014/main" id="{59214B78-9D45-E980-F809-0328D826EBAC}"/>
+                  </a:ext>
+                </a:extLst>
+              </p14:cNvPr>
+              <p14:cNvContentPartPr/>
+              <p14:nvPr/>
+            </p14:nvContentPartPr>
+            <p14:xfrm>
+              <a:off x="3483739" y="885752"/>
+              <a:ext cx="925560" cy="360"/>
+            </p14:xfrm>
+          </p:contentPart>
+        </mc:Choice>
+        <mc:Fallback>
+          <p:pic>
+            <p:nvPicPr>
+              <p:cNvPr id="13" name="잉크 12">
+                <a:extLst>
+                  <a:ext uri="{FF2B5EF4-FFF2-40B4-BE49-F238E27FC236}">
+                    <a16:creationId xmlns:a16="http://schemas.microsoft.com/office/drawing/2014/main" id="{59214B78-9D45-E980-F809-0328D826EBAC}"/>
+                  </a:ext>
+                </a:extLst>
+              </p:cNvPr>
+              <p:cNvPicPr/>
+              <p:nvPr/>
+            </p:nvPicPr>
+            <p:blipFill>
+              <a:blip r:embed="rId11"/>
+              <a:stretch>
+                <a:fillRect/>
+              </a:stretch>
+            </p:blipFill>
+            <p:spPr>
+              <a:xfrm>
+                <a:off x="3430099" y="777752"/>
+                <a:ext cx="1033200" cy="216000"/>
+              </a:xfrm>
+              <a:prstGeom prst="rect">
+                <a:avLst/>
+              </a:prstGeom>
+            </p:spPr>
+          </p:pic>
+        </mc:Fallback>
+      </mc:AlternateContent>
+      <mc:AlternateContent xmlns:mc="http://schemas.openxmlformats.org/markup-compatibility/2006">
+        <mc:Choice xmlns:p14="http://schemas.microsoft.com/office/powerpoint/2010/main" Requires="p14">
+          <p:contentPart p14:bwMode="auto" r:id="rId12">
+            <p14:nvContentPartPr>
+              <p14:cNvPr id="14" name="잉크 13">
+                <a:extLst>
+                  <a:ext uri="{FF2B5EF4-FFF2-40B4-BE49-F238E27FC236}">
+                    <a16:creationId xmlns:a16="http://schemas.microsoft.com/office/drawing/2014/main" id="{5A22F8D0-35E6-F3D5-8B71-CC3B3EA91F29}"/>
+                  </a:ext>
+                </a:extLst>
+              </p14:cNvPr>
+              <p14:cNvContentPartPr/>
+              <p14:nvPr/>
+            </p14:nvContentPartPr>
+            <p14:xfrm>
+              <a:off x="567739" y="2165912"/>
+              <a:ext cx="4699080" cy="360"/>
+            </p14:xfrm>
+          </p:contentPart>
+        </mc:Choice>
+        <mc:Fallback>
+          <p:pic>
+            <p:nvPicPr>
+              <p:cNvPr id="14" name="잉크 13">
+                <a:extLst>
+                  <a:ext uri="{FF2B5EF4-FFF2-40B4-BE49-F238E27FC236}">
+                    <a16:creationId xmlns:a16="http://schemas.microsoft.com/office/drawing/2014/main" id="{5A22F8D0-35E6-F3D5-8B71-CC3B3EA91F29}"/>
+                  </a:ext>
+                </a:extLst>
+              </p:cNvPr>
+              <p:cNvPicPr/>
+              <p:nvPr/>
+            </p:nvPicPr>
+            <p:blipFill>
+              <a:blip r:embed="rId13"/>
+              <a:stretch>
+                <a:fillRect/>
+              </a:stretch>
+            </p:blipFill>
+            <p:spPr>
+              <a:xfrm>
+                <a:off x="513739" y="2057912"/>
+                <a:ext cx="4806720" cy="216000"/>
+              </a:xfrm>
+              <a:prstGeom prst="rect">
+                <a:avLst/>
+              </a:prstGeom>
+            </p:spPr>
+          </p:pic>
+        </mc:Fallback>
+      </mc:AlternateContent>
+    </p:spTree>
+    <p:extLst>
+      <p:ext uri="{BB962C8B-B14F-4D97-AF65-F5344CB8AC3E}">
+        <p14:creationId xmlns:p14="http://schemas.microsoft.com/office/powerpoint/2010/main" val="1629726145"/>
+      </p:ext>
+    </p:extLst>
+  </p:cSld>
+  <p:clrMapOvr>
+    <a:masterClrMapping/>
+  </p:clrMapOvr>
+</p:sld>
+</file>
+
+<file path=ppt/slides/slide13.xml><?xml version="1.0" encoding="utf-8"?>
+<p:sld xmlns:a="http://schemas.openxmlformats.org/drawingml/2006/main" xmlns:r="http://schemas.openxmlformats.org/officeDocument/2006/relationships" xmlns:p="http://schemas.openxmlformats.org/presentationml/2006/main">
+  <p:cSld>
+    <p:spTree>
+      <p:nvGrpSpPr>
+        <p:cNvPr id="1" name=""/>
+        <p:cNvGrpSpPr/>
+        <p:nvPr/>
+      </p:nvGrpSpPr>
+      <p:grpSpPr>
+        <a:xfrm>
+          <a:off x="0" y="0"/>
+          <a:ext cx="0" cy="0"/>
+          <a:chOff x="0" y="0"/>
+          <a:chExt cx="0" cy="0"/>
+        </a:xfrm>
+      </p:grpSpPr>
+      <p:pic>
+        <p:nvPicPr>
           <p:cNvPr id="3" name="그림 2">
             <a:extLst>
               <a:ext uri="{FF2B5EF4-FFF2-40B4-BE49-F238E27FC236}">
@@ -4095,6 +5740,57 @@
           </a:prstGeom>
         </p:spPr>
       </p:pic>
+      <mc:AlternateContent xmlns:mc="http://schemas.openxmlformats.org/markup-compatibility/2006">
+        <mc:Choice xmlns:p14="http://schemas.microsoft.com/office/powerpoint/2010/main" Requires="p14">
+          <p:contentPart p14:bwMode="auto" r:id="rId4">
+            <p14:nvContentPartPr>
+              <p14:cNvPr id="2" name="잉크 1">
+                <a:extLst>
+                  <a:ext uri="{FF2B5EF4-FFF2-40B4-BE49-F238E27FC236}">
+                    <a16:creationId xmlns:a16="http://schemas.microsoft.com/office/drawing/2014/main" id="{4C13486A-4306-2255-8B93-6B20724FD534}"/>
+                  </a:ext>
+                </a:extLst>
+              </p14:cNvPr>
+              <p14:cNvContentPartPr/>
+              <p14:nvPr/>
+            </p14:nvContentPartPr>
+            <p14:xfrm>
+              <a:off x="721459" y="1049192"/>
+              <a:ext cx="7475040" cy="360"/>
+            </p14:xfrm>
+          </p:contentPart>
+        </mc:Choice>
+        <mc:Fallback>
+          <p:pic>
+            <p:nvPicPr>
+              <p:cNvPr id="2" name="잉크 1">
+                <a:extLst>
+                  <a:ext uri="{FF2B5EF4-FFF2-40B4-BE49-F238E27FC236}">
+                    <a16:creationId xmlns:a16="http://schemas.microsoft.com/office/drawing/2014/main" id="{4C13486A-4306-2255-8B93-6B20724FD534}"/>
+                  </a:ext>
+                </a:extLst>
+              </p:cNvPr>
+              <p:cNvPicPr/>
+              <p:nvPr/>
+            </p:nvPicPr>
+            <p:blipFill>
+              <a:blip r:embed="rId5"/>
+              <a:stretch>
+                <a:fillRect/>
+              </a:stretch>
+            </p:blipFill>
+            <p:spPr>
+              <a:xfrm>
+                <a:off x="667819" y="941552"/>
+                <a:ext cx="7582680" cy="216000"/>
+              </a:xfrm>
+              <a:prstGeom prst="rect">
+                <a:avLst/>
+              </a:prstGeom>
+            </p:spPr>
+          </p:pic>
+        </mc:Fallback>
+      </mc:AlternateContent>
     </p:spTree>
     <p:extLst>
       <p:ext uri="{BB962C8B-B14F-4D97-AF65-F5344CB8AC3E}">
@@ -4108,7 +5804,7 @@
 </p:sld>
 </file>
 
-<file path=ppt/slides/slide11.xml><?xml version="1.0" encoding="utf-8"?>
+<file path=ppt/slides/slide14.xml><?xml version="1.0" encoding="utf-8"?>
 <p:sld xmlns:a="http://schemas.openxmlformats.org/drawingml/2006/main" xmlns:r="http://schemas.openxmlformats.org/officeDocument/2006/relationships" xmlns:p="http://schemas.openxmlformats.org/presentationml/2006/main">
   <p:cSld>
     <p:spTree>
@@ -4185,6 +5881,57 @@
           </a:prstGeom>
         </p:spPr>
       </p:pic>
+      <mc:AlternateContent xmlns:mc="http://schemas.openxmlformats.org/markup-compatibility/2006">
+        <mc:Choice xmlns:p14="http://schemas.microsoft.com/office/powerpoint/2010/main" Requires="p14">
+          <p:contentPart p14:bwMode="auto" r:id="rId4">
+            <p14:nvContentPartPr>
+              <p14:cNvPr id="2" name="잉크 1">
+                <a:extLst>
+                  <a:ext uri="{FF2B5EF4-FFF2-40B4-BE49-F238E27FC236}">
+                    <a16:creationId xmlns:a16="http://schemas.microsoft.com/office/drawing/2014/main" id="{D3C5650F-BF60-F8B3-B361-0492D1567571}"/>
+                  </a:ext>
+                </a:extLst>
+              </p14:cNvPr>
+              <p14:cNvContentPartPr/>
+              <p14:nvPr/>
+            </p14:nvContentPartPr>
+            <p14:xfrm>
+              <a:off x="5832379" y="1099952"/>
+              <a:ext cx="3769920" cy="360"/>
+            </p14:xfrm>
+          </p:contentPart>
+        </mc:Choice>
+        <mc:Fallback>
+          <p:pic>
+            <p:nvPicPr>
+              <p:cNvPr id="2" name="잉크 1">
+                <a:extLst>
+                  <a:ext uri="{FF2B5EF4-FFF2-40B4-BE49-F238E27FC236}">
+                    <a16:creationId xmlns:a16="http://schemas.microsoft.com/office/drawing/2014/main" id="{D3C5650F-BF60-F8B3-B361-0492D1567571}"/>
+                  </a:ext>
+                </a:extLst>
+              </p:cNvPr>
+              <p:cNvPicPr/>
+              <p:nvPr/>
+            </p:nvPicPr>
+            <p:blipFill>
+              <a:blip r:embed="rId5"/>
+              <a:stretch>
+                <a:fillRect/>
+              </a:stretch>
+            </p:blipFill>
+            <p:spPr>
+              <a:xfrm>
+                <a:off x="5760739" y="956312"/>
+                <a:ext cx="3913560" cy="288000"/>
+              </a:xfrm>
+              <a:prstGeom prst="rect">
+                <a:avLst/>
+              </a:prstGeom>
+            </p:spPr>
+          </p:pic>
+        </mc:Fallback>
+      </mc:AlternateContent>
     </p:spTree>
     <p:extLst>
       <p:ext uri="{BB962C8B-B14F-4D97-AF65-F5344CB8AC3E}">
@@ -4198,7 +5945,7 @@
 </p:sld>
 </file>
 
-<file path=ppt/slides/slide12.xml><?xml version="1.0" encoding="utf-8"?>
+<file path=ppt/slides/slide15.xml><?xml version="1.0" encoding="utf-8"?>
 <p:sld xmlns:a="http://schemas.openxmlformats.org/drawingml/2006/main" xmlns:r="http://schemas.openxmlformats.org/officeDocument/2006/relationships" xmlns:p="http://schemas.openxmlformats.org/presentationml/2006/main">
   <p:cSld>
     <p:spTree>
@@ -4275,6 +6022,108 @@
           </a:prstGeom>
         </p:spPr>
       </p:pic>
+      <mc:AlternateContent xmlns:mc="http://schemas.openxmlformats.org/markup-compatibility/2006">
+        <mc:Choice xmlns:p14="http://schemas.microsoft.com/office/powerpoint/2010/main" Requires="p14">
+          <p:contentPart p14:bwMode="auto" r:id="rId4">
+            <p14:nvContentPartPr>
+              <p14:cNvPr id="2" name="잉크 1">
+                <a:extLst>
+                  <a:ext uri="{FF2B5EF4-FFF2-40B4-BE49-F238E27FC236}">
+                    <a16:creationId xmlns:a16="http://schemas.microsoft.com/office/drawing/2014/main" id="{E50037E3-2285-38D5-9A93-A53D2BF3F905}"/>
+                  </a:ext>
+                </a:extLst>
+              </p14:cNvPr>
+              <p14:cNvContentPartPr/>
+              <p14:nvPr/>
+            </p14:nvContentPartPr>
+            <p14:xfrm>
+              <a:off x="779419" y="1273112"/>
+              <a:ext cx="1843200" cy="360"/>
+            </p14:xfrm>
+          </p:contentPart>
+        </mc:Choice>
+        <mc:Fallback>
+          <p:pic>
+            <p:nvPicPr>
+              <p:cNvPr id="2" name="잉크 1">
+                <a:extLst>
+                  <a:ext uri="{FF2B5EF4-FFF2-40B4-BE49-F238E27FC236}">
+                    <a16:creationId xmlns:a16="http://schemas.microsoft.com/office/drawing/2014/main" id="{E50037E3-2285-38D5-9A93-A53D2BF3F905}"/>
+                  </a:ext>
+                </a:extLst>
+              </p:cNvPr>
+              <p:cNvPicPr/>
+              <p:nvPr/>
+            </p:nvPicPr>
+            <p:blipFill>
+              <a:blip r:embed="rId5"/>
+              <a:stretch>
+                <a:fillRect/>
+              </a:stretch>
+            </p:blipFill>
+            <p:spPr>
+              <a:xfrm>
+                <a:off x="707419" y="1129472"/>
+                <a:ext cx="1986840" cy="288000"/>
+              </a:xfrm>
+              <a:prstGeom prst="rect">
+                <a:avLst/>
+              </a:prstGeom>
+            </p:spPr>
+          </p:pic>
+        </mc:Fallback>
+      </mc:AlternateContent>
+      <mc:AlternateContent xmlns:mc="http://schemas.openxmlformats.org/markup-compatibility/2006">
+        <mc:Choice xmlns:p14="http://schemas.microsoft.com/office/powerpoint/2010/main" Requires="p14">
+          <p:contentPart p14:bwMode="auto" r:id="rId6">
+            <p14:nvContentPartPr>
+              <p14:cNvPr id="4" name="잉크 3">
+                <a:extLst>
+                  <a:ext uri="{FF2B5EF4-FFF2-40B4-BE49-F238E27FC236}">
+                    <a16:creationId xmlns:a16="http://schemas.microsoft.com/office/drawing/2014/main" id="{2B7B2FF6-FFDE-5CB1-F355-D516FC01DFD4}"/>
+                  </a:ext>
+                </a:extLst>
+              </p14:cNvPr>
+              <p14:cNvContentPartPr/>
+              <p14:nvPr/>
+            </p14:nvContentPartPr>
+            <p14:xfrm>
+              <a:off x="4359619" y="1273112"/>
+              <a:ext cx="5411880" cy="360"/>
+            </p14:xfrm>
+          </p:contentPart>
+        </mc:Choice>
+        <mc:Fallback>
+          <p:pic>
+            <p:nvPicPr>
+              <p:cNvPr id="4" name="잉크 3">
+                <a:extLst>
+                  <a:ext uri="{FF2B5EF4-FFF2-40B4-BE49-F238E27FC236}">
+                    <a16:creationId xmlns:a16="http://schemas.microsoft.com/office/drawing/2014/main" id="{2B7B2FF6-FFDE-5CB1-F355-D516FC01DFD4}"/>
+                  </a:ext>
+                </a:extLst>
+              </p:cNvPr>
+              <p:cNvPicPr/>
+              <p:nvPr/>
+            </p:nvPicPr>
+            <p:blipFill>
+              <a:blip r:embed="rId7"/>
+              <a:stretch>
+                <a:fillRect/>
+              </a:stretch>
+            </p:blipFill>
+            <p:spPr>
+              <a:xfrm>
+                <a:off x="4287979" y="1129472"/>
+                <a:ext cx="5555520" cy="288000"/>
+              </a:xfrm>
+              <a:prstGeom prst="rect">
+                <a:avLst/>
+              </a:prstGeom>
+            </p:spPr>
+          </p:pic>
+        </mc:Fallback>
+      </mc:AlternateContent>
     </p:spTree>
     <p:extLst>
       <p:ext uri="{BB962C8B-B14F-4D97-AF65-F5344CB8AC3E}">
@@ -4288,7 +6137,7 @@
 </p:sld>
 </file>
 
-<file path=ppt/slides/slide13.xml><?xml version="1.0" encoding="utf-8"?>
+<file path=ppt/slides/slide16.xml><?xml version="1.0" encoding="utf-8"?>
 <p:sld xmlns:a="http://schemas.openxmlformats.org/drawingml/2006/main" xmlns:r="http://schemas.openxmlformats.org/officeDocument/2006/relationships" xmlns:p="http://schemas.openxmlformats.org/presentationml/2006/main">
   <p:cSld>
     <p:spTree>
@@ -4365,6 +6214,57 @@
           </a:prstGeom>
         </p:spPr>
       </p:pic>
+      <mc:AlternateContent xmlns:mc="http://schemas.openxmlformats.org/markup-compatibility/2006">
+        <mc:Choice xmlns:p14="http://schemas.microsoft.com/office/powerpoint/2010/main" Requires="p14">
+          <p:contentPart p14:bwMode="auto" r:id="rId4">
+            <p14:nvContentPartPr>
+              <p14:cNvPr id="2" name="잉크 1">
+                <a:extLst>
+                  <a:ext uri="{FF2B5EF4-FFF2-40B4-BE49-F238E27FC236}">
+                    <a16:creationId xmlns:a16="http://schemas.microsoft.com/office/drawing/2014/main" id="{5E58FD32-35BB-23E4-14ED-E23F1AD8346F}"/>
+                  </a:ext>
+                </a:extLst>
+              </p14:cNvPr>
+              <p14:cNvContentPartPr/>
+              <p14:nvPr/>
+            </p14:nvContentPartPr>
+            <p14:xfrm>
+              <a:off x="827299" y="1244312"/>
+              <a:ext cx="8529840" cy="360"/>
+            </p14:xfrm>
+          </p:contentPart>
+        </mc:Choice>
+        <mc:Fallback>
+          <p:pic>
+            <p:nvPicPr>
+              <p:cNvPr id="2" name="잉크 1">
+                <a:extLst>
+                  <a:ext uri="{FF2B5EF4-FFF2-40B4-BE49-F238E27FC236}">
+                    <a16:creationId xmlns:a16="http://schemas.microsoft.com/office/drawing/2014/main" id="{5E58FD32-35BB-23E4-14ED-E23F1AD8346F}"/>
+                  </a:ext>
+                </a:extLst>
+              </p:cNvPr>
+              <p:cNvPicPr/>
+              <p:nvPr/>
+            </p:nvPicPr>
+            <p:blipFill>
+              <a:blip r:embed="rId5"/>
+              <a:stretch>
+                <a:fillRect/>
+              </a:stretch>
+            </p:blipFill>
+            <p:spPr>
+              <a:xfrm>
+                <a:off x="755659" y="1100672"/>
+                <a:ext cx="8673480" cy="288000"/>
+              </a:xfrm>
+              <a:prstGeom prst="rect">
+                <a:avLst/>
+              </a:prstGeom>
+            </p:spPr>
+          </p:pic>
+        </mc:Fallback>
+      </mc:AlternateContent>
     </p:spTree>
     <p:extLst>
       <p:ext uri="{BB962C8B-B14F-4D97-AF65-F5344CB8AC3E}">
@@ -4378,7 +6278,7 @@
 </p:sld>
 </file>
 
-<file path=ppt/slides/slide14.xml><?xml version="1.0" encoding="utf-8"?>
+<file path=ppt/slides/slide17.xml><?xml version="1.0" encoding="utf-8"?>
 <p:sld xmlns:a="http://schemas.openxmlformats.org/drawingml/2006/main" xmlns:r="http://schemas.openxmlformats.org/officeDocument/2006/relationships" xmlns:p="http://schemas.openxmlformats.org/presentationml/2006/main">
   <p:cSld>
     <p:spTree>
@@ -4455,6 +6355,159 @@
           </a:prstGeom>
         </p:spPr>
       </p:pic>
+      <mc:AlternateContent xmlns:mc="http://schemas.openxmlformats.org/markup-compatibility/2006">
+        <mc:Choice xmlns:p14="http://schemas.microsoft.com/office/powerpoint/2010/main" Requires="p14">
+          <p:contentPart p14:bwMode="auto" r:id="rId4">
+            <p14:nvContentPartPr>
+              <p14:cNvPr id="2" name="잉크 1">
+                <a:extLst>
+                  <a:ext uri="{FF2B5EF4-FFF2-40B4-BE49-F238E27FC236}">
+                    <a16:creationId xmlns:a16="http://schemas.microsoft.com/office/drawing/2014/main" id="{9D06722F-9327-BAD4-B61E-530110DE4565}"/>
+                  </a:ext>
+                </a:extLst>
+              </p14:cNvPr>
+              <p14:cNvContentPartPr/>
+              <p14:nvPr/>
+            </p14:nvContentPartPr>
+            <p14:xfrm>
+              <a:off x="875539" y="1340792"/>
+              <a:ext cx="2679480" cy="360"/>
+            </p14:xfrm>
+          </p:contentPart>
+        </mc:Choice>
+        <mc:Fallback>
+          <p:pic>
+            <p:nvPicPr>
+              <p:cNvPr id="2" name="잉크 1">
+                <a:extLst>
+                  <a:ext uri="{FF2B5EF4-FFF2-40B4-BE49-F238E27FC236}">
+                    <a16:creationId xmlns:a16="http://schemas.microsoft.com/office/drawing/2014/main" id="{9D06722F-9327-BAD4-B61E-530110DE4565}"/>
+                  </a:ext>
+                </a:extLst>
+              </p:cNvPr>
+              <p:cNvPicPr/>
+              <p:nvPr/>
+            </p:nvPicPr>
+            <p:blipFill>
+              <a:blip r:embed="rId5"/>
+              <a:stretch>
+                <a:fillRect/>
+              </a:stretch>
+            </p:blipFill>
+            <p:spPr>
+              <a:xfrm>
+                <a:off x="803539" y="1196792"/>
+                <a:ext cx="2823120" cy="288000"/>
+              </a:xfrm>
+              <a:prstGeom prst="rect">
+                <a:avLst/>
+              </a:prstGeom>
+            </p:spPr>
+          </p:pic>
+        </mc:Fallback>
+      </mc:AlternateContent>
+      <mc:AlternateContent xmlns:mc="http://schemas.openxmlformats.org/markup-compatibility/2006">
+        <mc:Choice xmlns:p14="http://schemas.microsoft.com/office/powerpoint/2010/main" Requires="p14">
+          <p:contentPart p14:bwMode="auto" r:id="rId6">
+            <p14:nvContentPartPr>
+              <p14:cNvPr id="4" name="잉크 3">
+                <a:extLst>
+                  <a:ext uri="{FF2B5EF4-FFF2-40B4-BE49-F238E27FC236}">
+                    <a16:creationId xmlns:a16="http://schemas.microsoft.com/office/drawing/2014/main" id="{9EDC559D-B267-E995-51C4-19A15B9DE0F5}"/>
+                  </a:ext>
+                </a:extLst>
+              </p14:cNvPr>
+              <p14:cNvContentPartPr/>
+              <p14:nvPr/>
+            </p14:nvContentPartPr>
+            <p14:xfrm>
+              <a:off x="1135099" y="1658312"/>
+              <a:ext cx="1354680" cy="360"/>
+            </p14:xfrm>
+          </p:contentPart>
+        </mc:Choice>
+        <mc:Fallback>
+          <p:pic>
+            <p:nvPicPr>
+              <p:cNvPr id="4" name="잉크 3">
+                <a:extLst>
+                  <a:ext uri="{FF2B5EF4-FFF2-40B4-BE49-F238E27FC236}">
+                    <a16:creationId xmlns:a16="http://schemas.microsoft.com/office/drawing/2014/main" id="{9EDC559D-B267-E995-51C4-19A15B9DE0F5}"/>
+                  </a:ext>
+                </a:extLst>
+              </p:cNvPr>
+              <p:cNvPicPr/>
+              <p:nvPr/>
+            </p:nvPicPr>
+            <p:blipFill>
+              <a:blip r:embed="rId7"/>
+              <a:stretch>
+                <a:fillRect/>
+              </a:stretch>
+            </p:blipFill>
+            <p:spPr>
+              <a:xfrm>
+                <a:off x="1063459" y="1514312"/>
+                <a:ext cx="1498320" cy="288000"/>
+              </a:xfrm>
+              <a:prstGeom prst="rect">
+                <a:avLst/>
+              </a:prstGeom>
+            </p:spPr>
+          </p:pic>
+        </mc:Fallback>
+      </mc:AlternateContent>
+      <mc:AlternateContent xmlns:mc="http://schemas.openxmlformats.org/markup-compatibility/2006">
+        <mc:Choice xmlns:p14="http://schemas.microsoft.com/office/powerpoint/2010/main" Requires="p14">
+          <p:contentPart p14:bwMode="auto" r:id="rId8">
+            <p14:nvContentPartPr>
+              <p14:cNvPr id="7" name="잉크 6">
+                <a:extLst>
+                  <a:ext uri="{FF2B5EF4-FFF2-40B4-BE49-F238E27FC236}">
+                    <a16:creationId xmlns:a16="http://schemas.microsoft.com/office/drawing/2014/main" id="{9D6EE5A4-2A7C-13E0-A84A-169E7C9B3B63}"/>
+                  </a:ext>
+                </a:extLst>
+              </p14:cNvPr>
+              <p14:cNvContentPartPr/>
+              <p14:nvPr/>
+            </p14:nvContentPartPr>
+            <p14:xfrm>
+              <a:off x="1135099" y="1937312"/>
+              <a:ext cx="659880" cy="360"/>
+            </p14:xfrm>
+          </p:contentPart>
+        </mc:Choice>
+        <mc:Fallback>
+          <p:pic>
+            <p:nvPicPr>
+              <p:cNvPr id="7" name="잉크 6">
+                <a:extLst>
+                  <a:ext uri="{FF2B5EF4-FFF2-40B4-BE49-F238E27FC236}">
+                    <a16:creationId xmlns:a16="http://schemas.microsoft.com/office/drawing/2014/main" id="{9D6EE5A4-2A7C-13E0-A84A-169E7C9B3B63}"/>
+                  </a:ext>
+                </a:extLst>
+              </p:cNvPr>
+              <p:cNvPicPr/>
+              <p:nvPr/>
+            </p:nvPicPr>
+            <p:blipFill>
+              <a:blip r:embed="rId9"/>
+              <a:stretch>
+                <a:fillRect/>
+              </a:stretch>
+            </p:blipFill>
+            <p:spPr>
+              <a:xfrm>
+                <a:off x="1063459" y="1793672"/>
+                <a:ext cx="803520" cy="288000"/>
+              </a:xfrm>
+              <a:prstGeom prst="rect">
+                <a:avLst/>
+              </a:prstGeom>
+            </p:spPr>
+          </p:pic>
+        </mc:Fallback>
+      </mc:AlternateContent>
     </p:spTree>
     <p:extLst>
       <p:ext uri="{BB962C8B-B14F-4D97-AF65-F5344CB8AC3E}">
@@ -4468,7 +6521,7 @@
 </p:sld>
 </file>
 
-<file path=ppt/slides/slide15.xml><?xml version="1.0" encoding="utf-8"?>
+<file path=ppt/slides/slide18.xml><?xml version="1.0" encoding="utf-8"?>
 <p:sld xmlns:a="http://schemas.openxmlformats.org/drawingml/2006/main" xmlns:r="http://schemas.openxmlformats.org/officeDocument/2006/relationships" xmlns:p="http://schemas.openxmlformats.org/presentationml/2006/main">
   <p:cSld>
     <p:spTree>
@@ -4545,6 +6598,159 @@
           </a:prstGeom>
         </p:spPr>
       </p:pic>
+      <mc:AlternateContent xmlns:mc="http://schemas.openxmlformats.org/markup-compatibility/2006">
+        <mc:Choice xmlns:p14="http://schemas.microsoft.com/office/powerpoint/2010/main" Requires="p14">
+          <p:contentPart p14:bwMode="auto" r:id="rId4">
+            <p14:nvContentPartPr>
+              <p14:cNvPr id="2" name="잉크 1">
+                <a:extLst>
+                  <a:ext uri="{FF2B5EF4-FFF2-40B4-BE49-F238E27FC236}">
+                    <a16:creationId xmlns:a16="http://schemas.microsoft.com/office/drawing/2014/main" id="{E735D795-EB00-EA2E-2BBA-F608A13B4DAB}"/>
+                  </a:ext>
+                </a:extLst>
+              </p14:cNvPr>
+              <p14:cNvContentPartPr/>
+              <p14:nvPr/>
+            </p14:nvContentPartPr>
+            <p14:xfrm>
+              <a:off x="2964259" y="1049192"/>
+              <a:ext cx="1982160" cy="360"/>
+            </p14:xfrm>
+          </p:contentPart>
+        </mc:Choice>
+        <mc:Fallback>
+          <p:pic>
+            <p:nvPicPr>
+              <p:cNvPr id="2" name="잉크 1">
+                <a:extLst>
+                  <a:ext uri="{FF2B5EF4-FFF2-40B4-BE49-F238E27FC236}">
+                    <a16:creationId xmlns:a16="http://schemas.microsoft.com/office/drawing/2014/main" id="{E735D795-EB00-EA2E-2BBA-F608A13B4DAB}"/>
+                  </a:ext>
+                </a:extLst>
+              </p:cNvPr>
+              <p:cNvPicPr/>
+              <p:nvPr/>
+            </p:nvPicPr>
+            <p:blipFill>
+              <a:blip r:embed="rId5"/>
+              <a:stretch>
+                <a:fillRect/>
+              </a:stretch>
+            </p:blipFill>
+            <p:spPr>
+              <a:xfrm>
+                <a:off x="2910619" y="941552"/>
+                <a:ext cx="2089800" cy="216000"/>
+              </a:xfrm>
+              <a:prstGeom prst="rect">
+                <a:avLst/>
+              </a:prstGeom>
+            </p:spPr>
+          </p:pic>
+        </mc:Fallback>
+      </mc:AlternateContent>
+      <mc:AlternateContent xmlns:mc="http://schemas.openxmlformats.org/markup-compatibility/2006">
+        <mc:Choice xmlns:p14="http://schemas.microsoft.com/office/powerpoint/2010/main" Requires="p14">
+          <p:contentPart p14:bwMode="auto" r:id="rId6">
+            <p14:nvContentPartPr>
+              <p14:cNvPr id="4" name="잉크 3">
+                <a:extLst>
+                  <a:ext uri="{FF2B5EF4-FFF2-40B4-BE49-F238E27FC236}">
+                    <a16:creationId xmlns:a16="http://schemas.microsoft.com/office/drawing/2014/main" id="{5FCE7A77-D445-3AA2-46BE-D1545CA045FE}"/>
+                  </a:ext>
+                </a:extLst>
+              </p14:cNvPr>
+              <p14:cNvContentPartPr/>
+              <p14:nvPr/>
+            </p14:nvContentPartPr>
+            <p14:xfrm>
+              <a:off x="5178259" y="1049192"/>
+              <a:ext cx="1292760" cy="360"/>
+            </p14:xfrm>
+          </p:contentPart>
+        </mc:Choice>
+        <mc:Fallback>
+          <p:pic>
+            <p:nvPicPr>
+              <p:cNvPr id="4" name="잉크 3">
+                <a:extLst>
+                  <a:ext uri="{FF2B5EF4-FFF2-40B4-BE49-F238E27FC236}">
+                    <a16:creationId xmlns:a16="http://schemas.microsoft.com/office/drawing/2014/main" id="{5FCE7A77-D445-3AA2-46BE-D1545CA045FE}"/>
+                  </a:ext>
+                </a:extLst>
+              </p:cNvPr>
+              <p:cNvPicPr/>
+              <p:nvPr/>
+            </p:nvPicPr>
+            <p:blipFill>
+              <a:blip r:embed="rId7"/>
+              <a:stretch>
+                <a:fillRect/>
+              </a:stretch>
+            </p:blipFill>
+            <p:spPr>
+              <a:xfrm>
+                <a:off x="5124259" y="941552"/>
+                <a:ext cx="1400400" cy="216000"/>
+              </a:xfrm>
+              <a:prstGeom prst="rect">
+                <a:avLst/>
+              </a:prstGeom>
+            </p:spPr>
+          </p:pic>
+        </mc:Fallback>
+      </mc:AlternateContent>
+      <mc:AlternateContent xmlns:mc="http://schemas.openxmlformats.org/markup-compatibility/2006">
+        <mc:Choice xmlns:p14="http://schemas.microsoft.com/office/powerpoint/2010/main" Requires="p14">
+          <p:contentPart p14:bwMode="auto" r:id="rId8">
+            <p14:nvContentPartPr>
+              <p14:cNvPr id="6" name="잉크 5">
+                <a:extLst>
+                  <a:ext uri="{FF2B5EF4-FFF2-40B4-BE49-F238E27FC236}">
+                    <a16:creationId xmlns:a16="http://schemas.microsoft.com/office/drawing/2014/main" id="{8EE2AE75-29E8-CF20-B70A-5DF6CCE3EFED}"/>
+                  </a:ext>
+                </a:extLst>
+              </p14:cNvPr>
+              <p14:cNvContentPartPr/>
+              <p14:nvPr/>
+            </p14:nvContentPartPr>
+            <p14:xfrm>
+              <a:off x="6795019" y="1049192"/>
+              <a:ext cx="1795680" cy="360"/>
+            </p14:xfrm>
+          </p:contentPart>
+        </mc:Choice>
+        <mc:Fallback>
+          <p:pic>
+            <p:nvPicPr>
+              <p:cNvPr id="6" name="잉크 5">
+                <a:extLst>
+                  <a:ext uri="{FF2B5EF4-FFF2-40B4-BE49-F238E27FC236}">
+                    <a16:creationId xmlns:a16="http://schemas.microsoft.com/office/drawing/2014/main" id="{8EE2AE75-29E8-CF20-B70A-5DF6CCE3EFED}"/>
+                  </a:ext>
+                </a:extLst>
+              </p:cNvPr>
+              <p:cNvPicPr/>
+              <p:nvPr/>
+            </p:nvPicPr>
+            <p:blipFill>
+              <a:blip r:embed="rId9"/>
+              <a:stretch>
+                <a:fillRect/>
+              </a:stretch>
+            </p:blipFill>
+            <p:spPr>
+              <a:xfrm>
+                <a:off x="6741379" y="941552"/>
+                <a:ext cx="1903320" cy="216000"/>
+              </a:xfrm>
+              <a:prstGeom prst="rect">
+                <a:avLst/>
+              </a:prstGeom>
+            </p:spPr>
+          </p:pic>
+        </mc:Fallback>
+      </mc:AlternateContent>
     </p:spTree>
     <p:extLst>
       <p:ext uri="{BB962C8B-B14F-4D97-AF65-F5344CB8AC3E}">
@@ -4558,7 +6764,7 @@
 </p:sld>
 </file>
 
-<file path=ppt/slides/slide16.xml><?xml version="1.0" encoding="utf-8"?>
+<file path=ppt/slides/slide19.xml><?xml version="1.0" encoding="utf-8"?>
 <p:sld xmlns:a="http://schemas.openxmlformats.org/drawingml/2006/main" xmlns:r="http://schemas.openxmlformats.org/officeDocument/2006/relationships" xmlns:p="http://schemas.openxmlformats.org/presentationml/2006/main">
   <p:cSld>
     <p:spTree>
@@ -4648,7 +6854,129 @@
 </p:sld>
 </file>
 
-<file path=ppt/slides/slide17.xml><?xml version="1.0" encoding="utf-8"?>
+<file path=ppt/slides/slide2.xml><?xml version="1.0" encoding="utf-8"?>
+<p:sld xmlns:a="http://schemas.openxmlformats.org/drawingml/2006/main" xmlns:r="http://schemas.openxmlformats.org/officeDocument/2006/relationships" xmlns:p="http://schemas.openxmlformats.org/presentationml/2006/main">
+  <p:cSld>
+    <p:spTree>
+      <p:nvGrpSpPr>
+        <p:cNvPr id="1" name=""/>
+        <p:cNvGrpSpPr/>
+        <p:nvPr/>
+      </p:nvGrpSpPr>
+      <p:grpSpPr>
+        <a:xfrm>
+          <a:off x="0" y="0"/>
+          <a:ext cx="0" cy="0"/>
+          <a:chOff x="0" y="0"/>
+          <a:chExt cx="0" cy="0"/>
+        </a:xfrm>
+      </p:grpSpPr>
+      <p:sp>
+        <p:nvSpPr>
+          <p:cNvPr id="2" name="제목 1">
+            <a:extLst>
+              <a:ext uri="{FF2B5EF4-FFF2-40B4-BE49-F238E27FC236}">
+                <a16:creationId xmlns:a16="http://schemas.microsoft.com/office/drawing/2014/main" id="{0E0D856F-4106-A50C-D169-B97267D7C681}"/>
+              </a:ext>
+            </a:extLst>
+          </p:cNvPr>
+          <p:cNvSpPr>
+            <a:spLocks noGrp="1"/>
+          </p:cNvSpPr>
+          <p:nvPr>
+            <p:ph type="title"/>
+          </p:nvPr>
+        </p:nvSpPr>
+        <p:spPr/>
+        <p:txBody>
+          <a:bodyPr/>
+          <a:lstStyle/>
+          <a:p>
+            <a:r>
+              <a:rPr lang="en-US" altLang="ko-KR" b="1" dirty="0"/>
+              <a:t>&lt; </a:t>
+            </a:r>
+            <a:r>
+              <a:rPr lang="ko-KR" altLang="en-US" b="1" dirty="0"/>
+              <a:t>학습 내용 </a:t>
+            </a:r>
+            <a:r>
+              <a:rPr lang="en-US" altLang="ko-KR" b="1" dirty="0"/>
+              <a:t>&gt;</a:t>
+            </a:r>
+            <a:endParaRPr lang="ko-KR" altLang="en-US" b="1" dirty="0"/>
+          </a:p>
+        </p:txBody>
+      </p:sp>
+      <p:sp>
+        <p:nvSpPr>
+          <p:cNvPr id="3" name="세로 텍스트 개체 틀 2">
+            <a:extLst>
+              <a:ext uri="{FF2B5EF4-FFF2-40B4-BE49-F238E27FC236}">
+                <a16:creationId xmlns:a16="http://schemas.microsoft.com/office/drawing/2014/main" id="{29490A46-00F2-4D62-ABCC-029E4074B162}"/>
+              </a:ext>
+            </a:extLst>
+          </p:cNvPr>
+          <p:cNvSpPr>
+            <a:spLocks noGrp="1"/>
+          </p:cNvSpPr>
+          <p:nvPr>
+            <p:ph type="body" orient="vert" idx="1"/>
+          </p:nvPr>
+        </p:nvSpPr>
+        <p:spPr/>
+        <p:txBody>
+          <a:bodyPr vert="horz">
+            <a:normAutofit/>
+          </a:bodyPr>
+          <a:lstStyle/>
+          <a:p>
+            <a:r>
+              <a:rPr lang="ko-KR" altLang="en-US" sz="4000" dirty="0"/>
+              <a:t> 리스트</a:t>
+            </a:r>
+            <a:endParaRPr lang="en-US" altLang="ko-KR" sz="4000" dirty="0"/>
+          </a:p>
+          <a:p>
+            <a:endParaRPr lang="en-US" altLang="ko-KR" sz="4000" dirty="0"/>
+          </a:p>
+          <a:p>
+            <a:r>
+              <a:rPr lang="ko-KR" altLang="en-US" sz="4000" dirty="0"/>
+              <a:t> 리스트 관리</a:t>
+            </a:r>
+            <a:endParaRPr lang="en-US" altLang="ko-KR" sz="4000" dirty="0"/>
+          </a:p>
+          <a:p>
+            <a:endParaRPr lang="en-US" altLang="ko-KR" sz="4000" dirty="0"/>
+          </a:p>
+          <a:p>
+            <a:r>
+              <a:rPr lang="ko-KR" altLang="en-US" sz="4000" dirty="0"/>
+              <a:t> </a:t>
+            </a:r>
+            <a:r>
+              <a:rPr lang="ko-KR" altLang="en-US" sz="4000" dirty="0" err="1"/>
+              <a:t>튜플</a:t>
+            </a:r>
+            <a:endParaRPr lang="ko-KR" altLang="en-US" sz="4000" dirty="0"/>
+          </a:p>
+        </p:txBody>
+      </p:sp>
+    </p:spTree>
+    <p:extLst>
+      <p:ext uri="{BB962C8B-B14F-4D97-AF65-F5344CB8AC3E}">
+        <p14:creationId xmlns:p14="http://schemas.microsoft.com/office/powerpoint/2010/main" val="618819181"/>
+      </p:ext>
+    </p:extLst>
+  </p:cSld>
+  <p:clrMapOvr>
+    <a:masterClrMapping/>
+  </p:clrMapOvr>
+</p:sld>
+</file>
+
+<file path=ppt/slides/slide20.xml><?xml version="1.0" encoding="utf-8"?>
 <p:sld xmlns:a="http://schemas.openxmlformats.org/drawingml/2006/main" xmlns:r="http://schemas.openxmlformats.org/officeDocument/2006/relationships" xmlns:p="http://schemas.openxmlformats.org/presentationml/2006/main">
   <p:cSld>
     <p:spTree>
@@ -4725,6 +7053,57 @@
           </a:prstGeom>
         </p:spPr>
       </p:pic>
+      <mc:AlternateContent xmlns:mc="http://schemas.openxmlformats.org/markup-compatibility/2006">
+        <mc:Choice xmlns:p14="http://schemas.microsoft.com/office/powerpoint/2010/main" Requires="p14">
+          <p:contentPart p14:bwMode="auto" r:id="rId4">
+            <p14:nvContentPartPr>
+              <p14:cNvPr id="8" name="잉크 7">
+                <a:extLst>
+                  <a:ext uri="{FF2B5EF4-FFF2-40B4-BE49-F238E27FC236}">
+                    <a16:creationId xmlns:a16="http://schemas.microsoft.com/office/drawing/2014/main" id="{25D67EC3-A8A8-541A-0B7E-8378FB78DB48}"/>
+                  </a:ext>
+                </a:extLst>
+              </p14:cNvPr>
+              <p14:cNvContentPartPr/>
+              <p14:nvPr/>
+            </p14:nvContentPartPr>
+            <p14:xfrm>
+              <a:off x="779419" y="1020392"/>
+              <a:ext cx="887400" cy="360"/>
+            </p14:xfrm>
+          </p:contentPart>
+        </mc:Choice>
+        <mc:Fallback>
+          <p:pic>
+            <p:nvPicPr>
+              <p:cNvPr id="8" name="잉크 7">
+                <a:extLst>
+                  <a:ext uri="{FF2B5EF4-FFF2-40B4-BE49-F238E27FC236}">
+                    <a16:creationId xmlns:a16="http://schemas.microsoft.com/office/drawing/2014/main" id="{25D67EC3-A8A8-541A-0B7E-8378FB78DB48}"/>
+                  </a:ext>
+                </a:extLst>
+              </p:cNvPr>
+              <p:cNvPicPr/>
+              <p:nvPr/>
+            </p:nvPicPr>
+            <p:blipFill>
+              <a:blip r:embed="rId5"/>
+              <a:stretch>
+                <a:fillRect/>
+              </a:stretch>
+            </p:blipFill>
+            <p:spPr>
+              <a:xfrm>
+                <a:off x="725419" y="912752"/>
+                <a:ext cx="995040" cy="216000"/>
+              </a:xfrm>
+              <a:prstGeom prst="rect">
+                <a:avLst/>
+              </a:prstGeom>
+            </p:spPr>
+          </p:pic>
+        </mc:Fallback>
+      </mc:AlternateContent>
     </p:spTree>
     <p:extLst>
       <p:ext uri="{BB962C8B-B14F-4D97-AF65-F5344CB8AC3E}">
@@ -4738,7 +7117,7 @@
 </p:sld>
 </file>
 
-<file path=ppt/slides/slide18.xml><?xml version="1.0" encoding="utf-8"?>
+<file path=ppt/slides/slide21.xml><?xml version="1.0" encoding="utf-8"?>
 <p:sld xmlns:a="http://schemas.openxmlformats.org/drawingml/2006/main" xmlns:r="http://schemas.openxmlformats.org/officeDocument/2006/relationships" xmlns:p="http://schemas.openxmlformats.org/presentationml/2006/main">
   <p:cSld>
     <p:spTree>
@@ -4815,6 +7194,108 @@
           </a:prstGeom>
         </p:spPr>
       </p:pic>
+      <mc:AlternateContent xmlns:mc="http://schemas.openxmlformats.org/markup-compatibility/2006">
+        <mc:Choice xmlns:p14="http://schemas.microsoft.com/office/powerpoint/2010/main" Requires="p14">
+          <p:contentPart p14:bwMode="auto" r:id="rId4">
+            <p14:nvContentPartPr>
+              <p14:cNvPr id="6" name="잉크 5">
+                <a:extLst>
+                  <a:ext uri="{FF2B5EF4-FFF2-40B4-BE49-F238E27FC236}">
+                    <a16:creationId xmlns:a16="http://schemas.microsoft.com/office/drawing/2014/main" id="{4F8A0968-D589-0C0E-1A1E-64F8F97495D5}"/>
+                  </a:ext>
+                </a:extLst>
+              </p14:cNvPr>
+              <p14:cNvContentPartPr/>
+              <p14:nvPr/>
+            </p14:nvContentPartPr>
+            <p14:xfrm>
+              <a:off x="817579" y="1167272"/>
+              <a:ext cx="1527120" cy="360"/>
+            </p14:xfrm>
+          </p:contentPart>
+        </mc:Choice>
+        <mc:Fallback>
+          <p:pic>
+            <p:nvPicPr>
+              <p:cNvPr id="6" name="잉크 5">
+                <a:extLst>
+                  <a:ext uri="{FF2B5EF4-FFF2-40B4-BE49-F238E27FC236}">
+                    <a16:creationId xmlns:a16="http://schemas.microsoft.com/office/drawing/2014/main" id="{4F8A0968-D589-0C0E-1A1E-64F8F97495D5}"/>
+                  </a:ext>
+                </a:extLst>
+              </p:cNvPr>
+              <p:cNvPicPr/>
+              <p:nvPr/>
+            </p:nvPicPr>
+            <p:blipFill>
+              <a:blip r:embed="rId5"/>
+              <a:stretch>
+                <a:fillRect/>
+              </a:stretch>
+            </p:blipFill>
+            <p:spPr>
+              <a:xfrm>
+                <a:off x="745939" y="1023632"/>
+                <a:ext cx="1670760" cy="288000"/>
+              </a:xfrm>
+              <a:prstGeom prst="rect">
+                <a:avLst/>
+              </a:prstGeom>
+            </p:spPr>
+          </p:pic>
+        </mc:Fallback>
+      </mc:AlternateContent>
+      <mc:AlternateContent xmlns:mc="http://schemas.openxmlformats.org/markup-compatibility/2006">
+        <mc:Choice xmlns:p14="http://schemas.microsoft.com/office/powerpoint/2010/main" Requires="p14">
+          <p:contentPart p14:bwMode="auto" r:id="rId6">
+            <p14:nvContentPartPr>
+              <p14:cNvPr id="9" name="잉크 8">
+                <a:extLst>
+                  <a:ext uri="{FF2B5EF4-FFF2-40B4-BE49-F238E27FC236}">
+                    <a16:creationId xmlns:a16="http://schemas.microsoft.com/office/drawing/2014/main" id="{32FFA2D0-8E55-DDE1-C1CC-C5B7E432C517}"/>
+                  </a:ext>
+                </a:extLst>
+              </p14:cNvPr>
+              <p14:cNvContentPartPr/>
+              <p14:nvPr/>
+            </p14:nvContentPartPr>
+            <p14:xfrm>
+              <a:off x="827299" y="1436912"/>
+              <a:ext cx="1522800" cy="360"/>
+            </p14:xfrm>
+          </p:contentPart>
+        </mc:Choice>
+        <mc:Fallback>
+          <p:pic>
+            <p:nvPicPr>
+              <p:cNvPr id="9" name="잉크 8">
+                <a:extLst>
+                  <a:ext uri="{FF2B5EF4-FFF2-40B4-BE49-F238E27FC236}">
+                    <a16:creationId xmlns:a16="http://schemas.microsoft.com/office/drawing/2014/main" id="{32FFA2D0-8E55-DDE1-C1CC-C5B7E432C517}"/>
+                  </a:ext>
+                </a:extLst>
+              </p:cNvPr>
+              <p:cNvPicPr/>
+              <p:nvPr/>
+            </p:nvPicPr>
+            <p:blipFill>
+              <a:blip r:embed="rId7"/>
+              <a:stretch>
+                <a:fillRect/>
+              </a:stretch>
+            </p:blipFill>
+            <p:spPr>
+              <a:xfrm>
+                <a:off x="755659" y="1292912"/>
+                <a:ext cx="1666440" cy="288000"/>
+              </a:xfrm>
+              <a:prstGeom prst="rect">
+                <a:avLst/>
+              </a:prstGeom>
+            </p:spPr>
+          </p:pic>
+        </mc:Fallback>
+      </mc:AlternateContent>
     </p:spTree>
     <p:extLst>
       <p:ext uri="{BB962C8B-B14F-4D97-AF65-F5344CB8AC3E}">
@@ -4828,7 +7309,7 @@
 </p:sld>
 </file>
 
-<file path=ppt/slides/slide19.xml><?xml version="1.0" encoding="utf-8"?>
+<file path=ppt/slides/slide22.xml><?xml version="1.0" encoding="utf-8"?>
 <p:sld xmlns:a="http://schemas.openxmlformats.org/drawingml/2006/main" xmlns:r="http://schemas.openxmlformats.org/officeDocument/2006/relationships" xmlns:p="http://schemas.openxmlformats.org/presentationml/2006/main">
   <p:cSld>
     <p:spTree>
@@ -4905,6 +7386,159 @@
           </a:prstGeom>
         </p:spPr>
       </p:pic>
+      <mc:AlternateContent xmlns:mc="http://schemas.openxmlformats.org/markup-compatibility/2006">
+        <mc:Choice xmlns:p14="http://schemas.microsoft.com/office/powerpoint/2010/main" Requires="p14">
+          <p:contentPart p14:bwMode="auto" r:id="rId4">
+            <p14:nvContentPartPr>
+              <p14:cNvPr id="2" name="잉크 1">
+                <a:extLst>
+                  <a:ext uri="{FF2B5EF4-FFF2-40B4-BE49-F238E27FC236}">
+                    <a16:creationId xmlns:a16="http://schemas.microsoft.com/office/drawing/2014/main" id="{D021D396-3D04-2BB3-401F-4C293E6E24AD}"/>
+                  </a:ext>
+                </a:extLst>
+              </p14:cNvPr>
+              <p14:cNvContentPartPr/>
+              <p14:nvPr/>
+            </p14:nvContentPartPr>
+            <p14:xfrm>
+              <a:off x="943219" y="1359872"/>
+              <a:ext cx="1176120" cy="360"/>
+            </p14:xfrm>
+          </p:contentPart>
+        </mc:Choice>
+        <mc:Fallback>
+          <p:pic>
+            <p:nvPicPr>
+              <p:cNvPr id="2" name="잉크 1">
+                <a:extLst>
+                  <a:ext uri="{FF2B5EF4-FFF2-40B4-BE49-F238E27FC236}">
+                    <a16:creationId xmlns:a16="http://schemas.microsoft.com/office/drawing/2014/main" id="{D021D396-3D04-2BB3-401F-4C293E6E24AD}"/>
+                  </a:ext>
+                </a:extLst>
+              </p:cNvPr>
+              <p:cNvPicPr/>
+              <p:nvPr/>
+            </p:nvPicPr>
+            <p:blipFill>
+              <a:blip r:embed="rId5"/>
+              <a:stretch>
+                <a:fillRect/>
+              </a:stretch>
+            </p:blipFill>
+            <p:spPr>
+              <a:xfrm>
+                <a:off x="871219" y="1215872"/>
+                <a:ext cx="1319760" cy="288000"/>
+              </a:xfrm>
+              <a:prstGeom prst="rect">
+                <a:avLst/>
+              </a:prstGeom>
+            </p:spPr>
+          </p:pic>
+        </mc:Fallback>
+      </mc:AlternateContent>
+      <mc:AlternateContent xmlns:mc="http://schemas.openxmlformats.org/markup-compatibility/2006">
+        <mc:Choice xmlns:p14="http://schemas.microsoft.com/office/powerpoint/2010/main" Requires="p14">
+          <p:contentPart p14:bwMode="auto" r:id="rId6">
+            <p14:nvContentPartPr>
+              <p14:cNvPr id="4" name="잉크 3">
+                <a:extLst>
+                  <a:ext uri="{FF2B5EF4-FFF2-40B4-BE49-F238E27FC236}">
+                    <a16:creationId xmlns:a16="http://schemas.microsoft.com/office/drawing/2014/main" id="{2F23E5D4-6AC3-ECB9-5BB2-10D0C0AF8707}"/>
+                  </a:ext>
+                </a:extLst>
+              </p14:cNvPr>
+              <p14:cNvContentPartPr/>
+              <p14:nvPr/>
+            </p14:nvContentPartPr>
+            <p14:xfrm>
+              <a:off x="2425339" y="1359872"/>
+              <a:ext cx="1190160" cy="360"/>
+            </p14:xfrm>
+          </p:contentPart>
+        </mc:Choice>
+        <mc:Fallback>
+          <p:pic>
+            <p:nvPicPr>
+              <p:cNvPr id="4" name="잉크 3">
+                <a:extLst>
+                  <a:ext uri="{FF2B5EF4-FFF2-40B4-BE49-F238E27FC236}">
+                    <a16:creationId xmlns:a16="http://schemas.microsoft.com/office/drawing/2014/main" id="{2F23E5D4-6AC3-ECB9-5BB2-10D0C0AF8707}"/>
+                  </a:ext>
+                </a:extLst>
+              </p:cNvPr>
+              <p:cNvPicPr/>
+              <p:nvPr/>
+            </p:nvPicPr>
+            <p:blipFill>
+              <a:blip r:embed="rId7"/>
+              <a:stretch>
+                <a:fillRect/>
+              </a:stretch>
+            </p:blipFill>
+            <p:spPr>
+              <a:xfrm>
+                <a:off x="2353339" y="1215872"/>
+                <a:ext cx="1333800" cy="288000"/>
+              </a:xfrm>
+              <a:prstGeom prst="rect">
+                <a:avLst/>
+              </a:prstGeom>
+            </p:spPr>
+          </p:pic>
+        </mc:Fallback>
+      </mc:AlternateContent>
+      <mc:AlternateContent xmlns:mc="http://schemas.openxmlformats.org/markup-compatibility/2006">
+        <mc:Choice xmlns:p14="http://schemas.microsoft.com/office/powerpoint/2010/main" Requires="p14">
+          <p:contentPart p14:bwMode="auto" r:id="rId8">
+            <p14:nvContentPartPr>
+              <p14:cNvPr id="7" name="잉크 6">
+                <a:extLst>
+                  <a:ext uri="{FF2B5EF4-FFF2-40B4-BE49-F238E27FC236}">
+                    <a16:creationId xmlns:a16="http://schemas.microsoft.com/office/drawing/2014/main" id="{CFB2AB17-0094-DE88-B2DE-A632D07AFC41}"/>
+                  </a:ext>
+                </a:extLst>
+              </p14:cNvPr>
+              <p14:cNvContentPartPr/>
+              <p14:nvPr/>
+            </p14:nvContentPartPr>
+            <p14:xfrm>
+              <a:off x="962299" y="1677392"/>
+              <a:ext cx="1147320" cy="360"/>
+            </p14:xfrm>
+          </p:contentPart>
+        </mc:Choice>
+        <mc:Fallback>
+          <p:pic>
+            <p:nvPicPr>
+              <p:cNvPr id="7" name="잉크 6">
+                <a:extLst>
+                  <a:ext uri="{FF2B5EF4-FFF2-40B4-BE49-F238E27FC236}">
+                    <a16:creationId xmlns:a16="http://schemas.microsoft.com/office/drawing/2014/main" id="{CFB2AB17-0094-DE88-B2DE-A632D07AFC41}"/>
+                  </a:ext>
+                </a:extLst>
+              </p:cNvPr>
+              <p:cNvPicPr/>
+              <p:nvPr/>
+            </p:nvPicPr>
+            <p:blipFill>
+              <a:blip r:embed="rId9"/>
+              <a:stretch>
+                <a:fillRect/>
+              </a:stretch>
+            </p:blipFill>
+            <p:spPr>
+              <a:xfrm>
+                <a:off x="890299" y="1533752"/>
+                <a:ext cx="1290960" cy="288000"/>
+              </a:xfrm>
+              <a:prstGeom prst="rect">
+                <a:avLst/>
+              </a:prstGeom>
+            </p:spPr>
+          </p:pic>
+        </mc:Fallback>
+      </mc:AlternateContent>
     </p:spTree>
     <p:extLst>
       <p:ext uri="{BB962C8B-B14F-4D97-AF65-F5344CB8AC3E}">
@@ -4918,7 +7552,1339 @@
 </p:sld>
 </file>
 
-<file path=ppt/slides/slide2.xml><?xml version="1.0" encoding="utf-8"?>
+<file path=ppt/slides/slide23.xml><?xml version="1.0" encoding="utf-8"?>
+<p:sld xmlns:a="http://schemas.openxmlformats.org/drawingml/2006/main" xmlns:r="http://schemas.openxmlformats.org/officeDocument/2006/relationships" xmlns:p="http://schemas.openxmlformats.org/presentationml/2006/main">
+  <p:cSld>
+    <p:spTree>
+      <p:nvGrpSpPr>
+        <p:cNvPr id="1" name=""/>
+        <p:cNvGrpSpPr/>
+        <p:nvPr/>
+      </p:nvGrpSpPr>
+      <p:grpSpPr>
+        <a:xfrm>
+          <a:off x="0" y="0"/>
+          <a:ext cx="0" cy="0"/>
+          <a:chOff x="0" y="0"/>
+          <a:chExt cx="0" cy="0"/>
+        </a:xfrm>
+      </p:grpSpPr>
+      <p:pic>
+        <p:nvPicPr>
+          <p:cNvPr id="3" name="그림 2">
+            <a:extLst>
+              <a:ext uri="{FF2B5EF4-FFF2-40B4-BE49-F238E27FC236}">
+                <a16:creationId xmlns:a16="http://schemas.microsoft.com/office/drawing/2014/main" id="{89B1BED3-E8A6-739D-18E0-1331E5CC1F7C}"/>
+              </a:ext>
+            </a:extLst>
+          </p:cNvPr>
+          <p:cNvPicPr>
+            <a:picLocks noChangeAspect="1"/>
+          </p:cNvPicPr>
+          <p:nvPr/>
+        </p:nvPicPr>
+        <p:blipFill>
+          <a:blip r:embed="rId2"/>
+          <a:stretch>
+            <a:fillRect/>
+          </a:stretch>
+        </p:blipFill>
+        <p:spPr>
+          <a:xfrm>
+            <a:off x="486091" y="542076"/>
+            <a:ext cx="9262065" cy="4283916"/>
+          </a:xfrm>
+          <a:prstGeom prst="rect">
+            <a:avLst/>
+          </a:prstGeom>
+        </p:spPr>
+      </p:pic>
+      <p:pic>
+        <p:nvPicPr>
+          <p:cNvPr id="7" name="그림 6">
+            <a:extLst>
+              <a:ext uri="{FF2B5EF4-FFF2-40B4-BE49-F238E27FC236}">
+                <a16:creationId xmlns:a16="http://schemas.microsoft.com/office/drawing/2014/main" id="{A1E2F8BD-7030-51E8-0ABD-1514BF11F473}"/>
+              </a:ext>
+            </a:extLst>
+          </p:cNvPr>
+          <p:cNvPicPr>
+            <a:picLocks noChangeAspect="1"/>
+          </p:cNvPicPr>
+          <p:nvPr/>
+        </p:nvPicPr>
+        <p:blipFill>
+          <a:blip r:embed="rId3"/>
+          <a:stretch>
+            <a:fillRect/>
+          </a:stretch>
+        </p:blipFill>
+        <p:spPr>
+          <a:xfrm>
+            <a:off x="486091" y="5080879"/>
+            <a:ext cx="8363995" cy="1363020"/>
+          </a:xfrm>
+          <a:prstGeom prst="rect">
+            <a:avLst/>
+          </a:prstGeom>
+        </p:spPr>
+      </p:pic>
+      <mc:AlternateContent xmlns:mc="http://schemas.openxmlformats.org/markup-compatibility/2006">
+        <mc:Choice xmlns:p14="http://schemas.microsoft.com/office/powerpoint/2010/main" Requires="p14">
+          <p:contentPart p14:bwMode="auto" r:id="rId4">
+            <p14:nvContentPartPr>
+              <p14:cNvPr id="2" name="잉크 1">
+                <a:extLst>
+                  <a:ext uri="{FF2B5EF4-FFF2-40B4-BE49-F238E27FC236}">
+                    <a16:creationId xmlns:a16="http://schemas.microsoft.com/office/drawing/2014/main" id="{01DBB69A-EE32-C0CA-2761-DF1E8D508DAD}"/>
+                  </a:ext>
+                </a:extLst>
+              </p14:cNvPr>
+              <p14:cNvContentPartPr/>
+              <p14:nvPr/>
+            </p14:nvContentPartPr>
+            <p14:xfrm>
+              <a:off x="875539" y="1302272"/>
+              <a:ext cx="1389240" cy="360"/>
+            </p14:xfrm>
+          </p:contentPart>
+        </mc:Choice>
+        <mc:Fallback>
+          <p:pic>
+            <p:nvPicPr>
+              <p:cNvPr id="2" name="잉크 1">
+                <a:extLst>
+                  <a:ext uri="{FF2B5EF4-FFF2-40B4-BE49-F238E27FC236}">
+                    <a16:creationId xmlns:a16="http://schemas.microsoft.com/office/drawing/2014/main" id="{01DBB69A-EE32-C0CA-2761-DF1E8D508DAD}"/>
+                  </a:ext>
+                </a:extLst>
+              </p:cNvPr>
+              <p:cNvPicPr/>
+              <p:nvPr/>
+            </p:nvPicPr>
+            <p:blipFill>
+              <a:blip r:embed="rId5"/>
+              <a:stretch>
+                <a:fillRect/>
+              </a:stretch>
+            </p:blipFill>
+            <p:spPr>
+              <a:xfrm>
+                <a:off x="803539" y="1158272"/>
+                <a:ext cx="1532880" cy="288000"/>
+              </a:xfrm>
+              <a:prstGeom prst="rect">
+                <a:avLst/>
+              </a:prstGeom>
+            </p:spPr>
+          </p:pic>
+        </mc:Fallback>
+      </mc:AlternateContent>
+      <mc:AlternateContent xmlns:mc="http://schemas.openxmlformats.org/markup-compatibility/2006">
+        <mc:Choice xmlns:p14="http://schemas.microsoft.com/office/powerpoint/2010/main" Requires="p14">
+          <p:contentPart p14:bwMode="auto" r:id="rId6">
+            <p14:nvContentPartPr>
+              <p14:cNvPr id="4" name="잉크 3">
+                <a:extLst>
+                  <a:ext uri="{FF2B5EF4-FFF2-40B4-BE49-F238E27FC236}">
+                    <a16:creationId xmlns:a16="http://schemas.microsoft.com/office/drawing/2014/main" id="{90F4C748-9E5F-170E-A82F-508EFA5CA3DC}"/>
+                  </a:ext>
+                </a:extLst>
+              </p14:cNvPr>
+              <p14:cNvContentPartPr/>
+              <p14:nvPr/>
+            </p14:nvContentPartPr>
+            <p14:xfrm>
+              <a:off x="885259" y="1619792"/>
+              <a:ext cx="1753560" cy="360"/>
+            </p14:xfrm>
+          </p:contentPart>
+        </mc:Choice>
+        <mc:Fallback>
+          <p:pic>
+            <p:nvPicPr>
+              <p:cNvPr id="4" name="잉크 3">
+                <a:extLst>
+                  <a:ext uri="{FF2B5EF4-FFF2-40B4-BE49-F238E27FC236}">
+                    <a16:creationId xmlns:a16="http://schemas.microsoft.com/office/drawing/2014/main" id="{90F4C748-9E5F-170E-A82F-508EFA5CA3DC}"/>
+                  </a:ext>
+                </a:extLst>
+              </p:cNvPr>
+              <p:cNvPicPr/>
+              <p:nvPr/>
+            </p:nvPicPr>
+            <p:blipFill>
+              <a:blip r:embed="rId7"/>
+              <a:stretch>
+                <a:fillRect/>
+              </a:stretch>
+            </p:blipFill>
+            <p:spPr>
+              <a:xfrm>
+                <a:off x="813619" y="1475792"/>
+                <a:ext cx="1897200" cy="288000"/>
+              </a:xfrm>
+              <a:prstGeom prst="rect">
+                <a:avLst/>
+              </a:prstGeom>
+            </p:spPr>
+          </p:pic>
+        </mc:Fallback>
+      </mc:AlternateContent>
+    </p:spTree>
+    <p:extLst>
+      <p:ext uri="{BB962C8B-B14F-4D97-AF65-F5344CB8AC3E}">
+        <p14:creationId xmlns:p14="http://schemas.microsoft.com/office/powerpoint/2010/main" val="1282220757"/>
+      </p:ext>
+    </p:extLst>
+  </p:cSld>
+  <p:clrMapOvr>
+    <a:masterClrMapping/>
+  </p:clrMapOvr>
+</p:sld>
+</file>
+
+<file path=ppt/slides/slide24.xml><?xml version="1.0" encoding="utf-8"?>
+<p:sld xmlns:a="http://schemas.openxmlformats.org/drawingml/2006/main" xmlns:r="http://schemas.openxmlformats.org/officeDocument/2006/relationships" xmlns:p="http://schemas.openxmlformats.org/presentationml/2006/main">
+  <p:cSld>
+    <p:spTree>
+      <p:nvGrpSpPr>
+        <p:cNvPr id="1" name=""/>
+        <p:cNvGrpSpPr/>
+        <p:nvPr/>
+      </p:nvGrpSpPr>
+      <p:grpSpPr>
+        <a:xfrm>
+          <a:off x="0" y="0"/>
+          <a:ext cx="0" cy="0"/>
+          <a:chOff x="0" y="0"/>
+          <a:chExt cx="0" cy="0"/>
+        </a:xfrm>
+      </p:grpSpPr>
+      <p:pic>
+        <p:nvPicPr>
+          <p:cNvPr id="3" name="그림 2">
+            <a:extLst>
+              <a:ext uri="{FF2B5EF4-FFF2-40B4-BE49-F238E27FC236}">
+                <a16:creationId xmlns:a16="http://schemas.microsoft.com/office/drawing/2014/main" id="{246E92B7-2FC6-AD1C-44FA-3568CA499DC6}"/>
+              </a:ext>
+            </a:extLst>
+          </p:cNvPr>
+          <p:cNvPicPr>
+            <a:picLocks noChangeAspect="1"/>
+          </p:cNvPicPr>
+          <p:nvPr/>
+        </p:nvPicPr>
+        <p:blipFill>
+          <a:blip r:embed="rId2"/>
+          <a:stretch>
+            <a:fillRect/>
+          </a:stretch>
+        </p:blipFill>
+        <p:spPr>
+          <a:xfrm>
+            <a:off x="425978" y="416379"/>
+            <a:ext cx="5056767" cy="6025242"/>
+          </a:xfrm>
+          <a:prstGeom prst="rect">
+            <a:avLst/>
+          </a:prstGeom>
+        </p:spPr>
+      </p:pic>
+      <p:pic>
+        <p:nvPicPr>
+          <p:cNvPr id="5" name="그림 4">
+            <a:extLst>
+              <a:ext uri="{FF2B5EF4-FFF2-40B4-BE49-F238E27FC236}">
+                <a16:creationId xmlns:a16="http://schemas.microsoft.com/office/drawing/2014/main" id="{E00889B3-24EB-5828-8DFF-9F562F0C0705}"/>
+              </a:ext>
+            </a:extLst>
+          </p:cNvPr>
+          <p:cNvPicPr>
+            <a:picLocks noChangeAspect="1"/>
+          </p:cNvPicPr>
+          <p:nvPr/>
+        </p:nvPicPr>
+        <p:blipFill>
+          <a:blip r:embed="rId3"/>
+          <a:stretch>
+            <a:fillRect/>
+          </a:stretch>
+        </p:blipFill>
+        <p:spPr>
+          <a:xfrm>
+            <a:off x="5698251" y="416378"/>
+            <a:ext cx="6103701" cy="2375807"/>
+          </a:xfrm>
+          <a:prstGeom prst="rect">
+            <a:avLst/>
+          </a:prstGeom>
+        </p:spPr>
+      </p:pic>
+      <mc:AlternateContent xmlns:mc="http://schemas.openxmlformats.org/markup-compatibility/2006">
+        <mc:Choice xmlns:p14="http://schemas.microsoft.com/office/powerpoint/2010/main" Requires="p14">
+          <p:contentPart p14:bwMode="auto" r:id="rId4">
+            <p14:nvContentPartPr>
+              <p14:cNvPr id="4" name="잉크 3">
+                <a:extLst>
+                  <a:ext uri="{FF2B5EF4-FFF2-40B4-BE49-F238E27FC236}">
+                    <a16:creationId xmlns:a16="http://schemas.microsoft.com/office/drawing/2014/main" id="{B383BD5A-A77B-26CD-98E0-1ACD45C9C364}"/>
+                  </a:ext>
+                </a:extLst>
+              </p14:cNvPr>
+              <p14:cNvContentPartPr/>
+              <p14:nvPr/>
+            </p14:nvContentPartPr>
+            <p14:xfrm>
+              <a:off x="596539" y="777392"/>
+              <a:ext cx="1024200" cy="360"/>
+            </p14:xfrm>
+          </p:contentPart>
+        </mc:Choice>
+        <mc:Fallback>
+          <p:pic>
+            <p:nvPicPr>
+              <p:cNvPr id="4" name="잉크 3">
+                <a:extLst>
+                  <a:ext uri="{FF2B5EF4-FFF2-40B4-BE49-F238E27FC236}">
+                    <a16:creationId xmlns:a16="http://schemas.microsoft.com/office/drawing/2014/main" id="{B383BD5A-A77B-26CD-98E0-1ACD45C9C364}"/>
+                  </a:ext>
+                </a:extLst>
+              </p:cNvPr>
+              <p:cNvPicPr/>
+              <p:nvPr/>
+            </p:nvPicPr>
+            <p:blipFill>
+              <a:blip r:embed="rId5"/>
+              <a:stretch>
+                <a:fillRect/>
+              </a:stretch>
+            </p:blipFill>
+            <p:spPr>
+              <a:xfrm>
+                <a:off x="560899" y="705392"/>
+                <a:ext cx="1095840" cy="144000"/>
+              </a:xfrm>
+              <a:prstGeom prst="rect">
+                <a:avLst/>
+              </a:prstGeom>
+            </p:spPr>
+          </p:pic>
+        </mc:Fallback>
+      </mc:AlternateContent>
+    </p:spTree>
+    <p:extLst>
+      <p:ext uri="{BB962C8B-B14F-4D97-AF65-F5344CB8AC3E}">
+        <p14:creationId xmlns:p14="http://schemas.microsoft.com/office/powerpoint/2010/main" val="1207120776"/>
+      </p:ext>
+    </p:extLst>
+  </p:cSld>
+  <p:clrMapOvr>
+    <a:masterClrMapping/>
+  </p:clrMapOvr>
+</p:sld>
+</file>
+
+<file path=ppt/slides/slide25.xml><?xml version="1.0" encoding="utf-8"?>
+<p:sld xmlns:a="http://schemas.openxmlformats.org/drawingml/2006/main" xmlns:r="http://schemas.openxmlformats.org/officeDocument/2006/relationships" xmlns:p="http://schemas.openxmlformats.org/presentationml/2006/main">
+  <p:cSld>
+    <p:spTree>
+      <p:nvGrpSpPr>
+        <p:cNvPr id="1" name=""/>
+        <p:cNvGrpSpPr/>
+        <p:nvPr/>
+      </p:nvGrpSpPr>
+      <p:grpSpPr>
+        <a:xfrm>
+          <a:off x="0" y="0"/>
+          <a:ext cx="0" cy="0"/>
+          <a:chOff x="0" y="0"/>
+          <a:chExt cx="0" cy="0"/>
+        </a:xfrm>
+      </p:grpSpPr>
+      <p:pic>
+        <p:nvPicPr>
+          <p:cNvPr id="3" name="그림 2">
+            <a:extLst>
+              <a:ext uri="{FF2B5EF4-FFF2-40B4-BE49-F238E27FC236}">
+                <a16:creationId xmlns:a16="http://schemas.microsoft.com/office/drawing/2014/main" id="{367E601F-9D14-E809-FC9B-D63879619D9B}"/>
+              </a:ext>
+            </a:extLst>
+          </p:cNvPr>
+          <p:cNvPicPr>
+            <a:picLocks noChangeAspect="1"/>
+          </p:cNvPicPr>
+          <p:nvPr/>
+        </p:nvPicPr>
+        <p:blipFill>
+          <a:blip r:embed="rId2"/>
+          <a:stretch>
+            <a:fillRect/>
+          </a:stretch>
+        </p:blipFill>
+        <p:spPr>
+          <a:xfrm>
+            <a:off x="476133" y="342900"/>
+            <a:ext cx="3154149" cy="6123214"/>
+          </a:xfrm>
+          <a:prstGeom prst="rect">
+            <a:avLst/>
+          </a:prstGeom>
+        </p:spPr>
+      </p:pic>
+      <p:pic>
+        <p:nvPicPr>
+          <p:cNvPr id="5" name="그림 4">
+            <a:extLst>
+              <a:ext uri="{FF2B5EF4-FFF2-40B4-BE49-F238E27FC236}">
+                <a16:creationId xmlns:a16="http://schemas.microsoft.com/office/drawing/2014/main" id="{8EF4E9E8-E118-70D0-1535-ACBD136CC385}"/>
+              </a:ext>
+            </a:extLst>
+          </p:cNvPr>
+          <p:cNvPicPr>
+            <a:picLocks noChangeAspect="1"/>
+          </p:cNvPicPr>
+          <p:nvPr/>
+        </p:nvPicPr>
+        <p:blipFill>
+          <a:blip r:embed="rId3"/>
+          <a:stretch>
+            <a:fillRect/>
+          </a:stretch>
+        </p:blipFill>
+        <p:spPr>
+          <a:xfrm>
+            <a:off x="3962400" y="342900"/>
+            <a:ext cx="2993571" cy="6123214"/>
+          </a:xfrm>
+          <a:prstGeom prst="rect">
+            <a:avLst/>
+          </a:prstGeom>
+        </p:spPr>
+      </p:pic>
+      <p:pic>
+        <p:nvPicPr>
+          <p:cNvPr id="7" name="그림 6">
+            <a:extLst>
+              <a:ext uri="{FF2B5EF4-FFF2-40B4-BE49-F238E27FC236}">
+                <a16:creationId xmlns:a16="http://schemas.microsoft.com/office/drawing/2014/main" id="{CE02B804-0221-9F53-0666-CCB96D69D01F}"/>
+              </a:ext>
+            </a:extLst>
+          </p:cNvPr>
+          <p:cNvPicPr>
+            <a:picLocks noChangeAspect="1"/>
+          </p:cNvPicPr>
+          <p:nvPr/>
+        </p:nvPicPr>
+        <p:blipFill>
+          <a:blip r:embed="rId4"/>
+          <a:stretch>
+            <a:fillRect/>
+          </a:stretch>
+        </p:blipFill>
+        <p:spPr>
+          <a:xfrm>
+            <a:off x="7719059" y="342900"/>
+            <a:ext cx="3560293" cy="3412671"/>
+          </a:xfrm>
+          <a:prstGeom prst="rect">
+            <a:avLst/>
+          </a:prstGeom>
+        </p:spPr>
+      </p:pic>
+    </p:spTree>
+    <p:extLst>
+      <p:ext uri="{BB962C8B-B14F-4D97-AF65-F5344CB8AC3E}">
+        <p14:creationId xmlns:p14="http://schemas.microsoft.com/office/powerpoint/2010/main" val="1810973722"/>
+      </p:ext>
+    </p:extLst>
+  </p:cSld>
+  <p:clrMapOvr>
+    <a:masterClrMapping/>
+  </p:clrMapOvr>
+</p:sld>
+</file>
+
+<file path=ppt/slides/slide26.xml><?xml version="1.0" encoding="utf-8"?>
+<p:sld xmlns:a="http://schemas.openxmlformats.org/drawingml/2006/main" xmlns:r="http://schemas.openxmlformats.org/officeDocument/2006/relationships" xmlns:p="http://schemas.openxmlformats.org/presentationml/2006/main">
+  <p:cSld>
+    <p:spTree>
+      <p:nvGrpSpPr>
+        <p:cNvPr id="1" name=""/>
+        <p:cNvGrpSpPr/>
+        <p:nvPr/>
+      </p:nvGrpSpPr>
+      <p:grpSpPr>
+        <a:xfrm>
+          <a:off x="0" y="0"/>
+          <a:ext cx="0" cy="0"/>
+          <a:chOff x="0" y="0"/>
+          <a:chExt cx="0" cy="0"/>
+        </a:xfrm>
+      </p:grpSpPr>
+      <p:sp>
+        <p:nvSpPr>
+          <p:cNvPr id="2" name="TextBox 1">
+            <a:extLst>
+              <a:ext uri="{FF2B5EF4-FFF2-40B4-BE49-F238E27FC236}">
+                <a16:creationId xmlns:a16="http://schemas.microsoft.com/office/drawing/2014/main" id="{6D5E47BA-144B-6E25-E282-8F211ABD5221}"/>
+              </a:ext>
+            </a:extLst>
+          </p:cNvPr>
+          <p:cNvSpPr txBox="1"/>
+          <p:nvPr/>
+        </p:nvSpPr>
+        <p:spPr>
+          <a:xfrm>
+            <a:off x="1139371" y="2610838"/>
+            <a:ext cx="9913258" cy="830997"/>
+          </a:xfrm>
+          <a:prstGeom prst="rect">
+            <a:avLst/>
+          </a:prstGeom>
+          <a:noFill/>
+        </p:spPr>
+        <p:txBody>
+          <a:bodyPr wrap="square" rtlCol="0">
+            <a:spAutoFit/>
+          </a:bodyPr>
+          <a:lstStyle/>
+          <a:p>
+            <a:pPr algn="ctr"/>
+            <a:r>
+              <a:rPr lang="en-US" altLang="ko-KR" sz="4800" b="1" dirty="0">
+                <a:solidFill>
+                  <a:schemeClr val="accent1"/>
+                </a:solidFill>
+                <a:latin typeface="+mn-ea"/>
+              </a:rPr>
+              <a:t>&lt; </a:t>
+            </a:r>
+            <a:r>
+              <a:rPr lang="ko-KR" altLang="en-US" sz="4800" b="1" dirty="0" err="1">
+                <a:solidFill>
+                  <a:schemeClr val="accent1"/>
+                </a:solidFill>
+                <a:latin typeface="+mn-ea"/>
+              </a:rPr>
+              <a:t>튜플</a:t>
+            </a:r>
+            <a:r>
+              <a:rPr lang="ko-KR" altLang="en-US" sz="4800" b="1" dirty="0">
+                <a:solidFill>
+                  <a:schemeClr val="accent1"/>
+                </a:solidFill>
+                <a:latin typeface="+mn-ea"/>
+              </a:rPr>
+              <a:t> </a:t>
+            </a:r>
+            <a:r>
+              <a:rPr lang="en-US" altLang="ko-KR" sz="4800" b="1" dirty="0">
+                <a:solidFill>
+                  <a:schemeClr val="accent1"/>
+                </a:solidFill>
+                <a:latin typeface="+mn-ea"/>
+              </a:rPr>
+              <a:t>&gt;</a:t>
+            </a:r>
+            <a:endParaRPr lang="ko-KR" altLang="en-US" sz="4800" b="1" dirty="0">
+              <a:solidFill>
+                <a:schemeClr val="accent1"/>
+              </a:solidFill>
+              <a:latin typeface="+mn-ea"/>
+            </a:endParaRPr>
+          </a:p>
+        </p:txBody>
+      </p:sp>
+    </p:spTree>
+    <p:extLst>
+      <p:ext uri="{BB962C8B-B14F-4D97-AF65-F5344CB8AC3E}">
+        <p14:creationId xmlns:p14="http://schemas.microsoft.com/office/powerpoint/2010/main" val="2119272650"/>
+      </p:ext>
+    </p:extLst>
+  </p:cSld>
+  <p:clrMapOvr>
+    <a:masterClrMapping/>
+  </p:clrMapOvr>
+</p:sld>
+</file>
+
+<file path=ppt/slides/slide27.xml><?xml version="1.0" encoding="utf-8"?>
+<p:sld xmlns:a="http://schemas.openxmlformats.org/drawingml/2006/main" xmlns:r="http://schemas.openxmlformats.org/officeDocument/2006/relationships" xmlns:p="http://schemas.openxmlformats.org/presentationml/2006/main">
+  <p:cSld>
+    <p:spTree>
+      <p:nvGrpSpPr>
+        <p:cNvPr id="1" name=""/>
+        <p:cNvGrpSpPr/>
+        <p:nvPr/>
+      </p:nvGrpSpPr>
+      <p:grpSpPr>
+        <a:xfrm>
+          <a:off x="0" y="0"/>
+          <a:ext cx="0" cy="0"/>
+          <a:chOff x="0" y="0"/>
+          <a:chExt cx="0" cy="0"/>
+        </a:xfrm>
+      </p:grpSpPr>
+      <p:pic>
+        <p:nvPicPr>
+          <p:cNvPr id="9" name="그림 8">
+            <a:extLst>
+              <a:ext uri="{FF2B5EF4-FFF2-40B4-BE49-F238E27FC236}">
+                <a16:creationId xmlns:a16="http://schemas.microsoft.com/office/drawing/2014/main" id="{2F2CC48D-F0E7-1AE7-F0F8-D7E4CEB7B720}"/>
+              </a:ext>
+            </a:extLst>
+          </p:cNvPr>
+          <p:cNvPicPr>
+            <a:picLocks noChangeAspect="1"/>
+          </p:cNvPicPr>
+          <p:nvPr/>
+        </p:nvPicPr>
+        <p:blipFill>
+          <a:blip r:embed="rId2"/>
+          <a:stretch>
+            <a:fillRect/>
+          </a:stretch>
+        </p:blipFill>
+        <p:spPr>
+          <a:xfrm>
+            <a:off x="479290" y="5097173"/>
+            <a:ext cx="8027896" cy="1383083"/>
+          </a:xfrm>
+          <a:prstGeom prst="rect">
+            <a:avLst/>
+          </a:prstGeom>
+        </p:spPr>
+      </p:pic>
+      <p:pic>
+        <p:nvPicPr>
+          <p:cNvPr id="11" name="그림 10">
+            <a:extLst>
+              <a:ext uri="{FF2B5EF4-FFF2-40B4-BE49-F238E27FC236}">
+                <a16:creationId xmlns:a16="http://schemas.microsoft.com/office/drawing/2014/main" id="{83A55246-A82F-8991-4D85-F07E1A9292D6}"/>
+              </a:ext>
+            </a:extLst>
+          </p:cNvPr>
+          <p:cNvPicPr>
+            <a:picLocks noChangeAspect="1"/>
+          </p:cNvPicPr>
+          <p:nvPr/>
+        </p:nvPicPr>
+        <p:blipFill>
+          <a:blip r:embed="rId3"/>
+          <a:stretch>
+            <a:fillRect/>
+          </a:stretch>
+        </p:blipFill>
+        <p:spPr>
+          <a:xfrm>
+            <a:off x="479290" y="443058"/>
+            <a:ext cx="5210902" cy="4477375"/>
+          </a:xfrm>
+          <a:prstGeom prst="rect">
+            <a:avLst/>
+          </a:prstGeom>
+        </p:spPr>
+      </p:pic>
+      <mc:AlternateContent xmlns:mc="http://schemas.openxmlformats.org/markup-compatibility/2006">
+        <mc:Choice xmlns:p14="http://schemas.microsoft.com/office/powerpoint/2010/main" Requires="p14">
+          <p:contentPart p14:bwMode="auto" r:id="rId4">
+            <p14:nvContentPartPr>
+              <p14:cNvPr id="5" name="잉크 4">
+                <a:extLst>
+                  <a:ext uri="{FF2B5EF4-FFF2-40B4-BE49-F238E27FC236}">
+                    <a16:creationId xmlns:a16="http://schemas.microsoft.com/office/drawing/2014/main" id="{9085BBB8-531C-9064-3386-ED75EE796CD9}"/>
+                  </a:ext>
+                </a:extLst>
+              </p14:cNvPr>
+              <p14:cNvContentPartPr/>
+              <p14:nvPr/>
+            </p14:nvContentPartPr>
+            <p14:xfrm>
+              <a:off x="692659" y="546272"/>
+              <a:ext cx="271440" cy="360"/>
+            </p14:xfrm>
+          </p:contentPart>
+        </mc:Choice>
+        <mc:Fallback>
+          <p:pic>
+            <p:nvPicPr>
+              <p:cNvPr id="5" name="잉크 4">
+                <a:extLst>
+                  <a:ext uri="{FF2B5EF4-FFF2-40B4-BE49-F238E27FC236}">
+                    <a16:creationId xmlns:a16="http://schemas.microsoft.com/office/drawing/2014/main" id="{9085BBB8-531C-9064-3386-ED75EE796CD9}"/>
+                  </a:ext>
+                </a:extLst>
+              </p:cNvPr>
+              <p:cNvPicPr/>
+              <p:nvPr/>
+            </p:nvPicPr>
+            <p:blipFill>
+              <a:blip r:embed="rId5"/>
+              <a:stretch>
+                <a:fillRect/>
+              </a:stretch>
+            </p:blipFill>
+            <p:spPr>
+              <a:xfrm>
+                <a:off x="656659" y="474632"/>
+                <a:ext cx="343080" cy="144000"/>
+              </a:xfrm>
+              <a:prstGeom prst="rect">
+                <a:avLst/>
+              </a:prstGeom>
+            </p:spPr>
+          </p:pic>
+        </mc:Fallback>
+      </mc:AlternateContent>
+      <mc:AlternateContent xmlns:mc="http://schemas.openxmlformats.org/markup-compatibility/2006">
+        <mc:Choice xmlns:p14="http://schemas.microsoft.com/office/powerpoint/2010/main" Requires="p14">
+          <p:contentPart p14:bwMode="auto" r:id="rId6">
+            <p14:nvContentPartPr>
+              <p14:cNvPr id="6" name="잉크 5">
+                <a:extLst>
+                  <a:ext uri="{FF2B5EF4-FFF2-40B4-BE49-F238E27FC236}">
+                    <a16:creationId xmlns:a16="http://schemas.microsoft.com/office/drawing/2014/main" id="{D4C0A58C-F30D-81E0-523D-0AD060B79134}"/>
+                  </a:ext>
+                </a:extLst>
+              </p14:cNvPr>
+              <p14:cNvContentPartPr/>
+              <p14:nvPr/>
+            </p14:nvContentPartPr>
+            <p14:xfrm>
+              <a:off x="2839339" y="902312"/>
+              <a:ext cx="627120" cy="360"/>
+            </p14:xfrm>
+          </p:contentPart>
+        </mc:Choice>
+        <mc:Fallback>
+          <p:pic>
+            <p:nvPicPr>
+              <p:cNvPr id="6" name="잉크 5">
+                <a:extLst>
+                  <a:ext uri="{FF2B5EF4-FFF2-40B4-BE49-F238E27FC236}">
+                    <a16:creationId xmlns:a16="http://schemas.microsoft.com/office/drawing/2014/main" id="{D4C0A58C-F30D-81E0-523D-0AD060B79134}"/>
+                  </a:ext>
+                </a:extLst>
+              </p:cNvPr>
+              <p:cNvPicPr/>
+              <p:nvPr/>
+            </p:nvPicPr>
+            <p:blipFill>
+              <a:blip r:embed="rId7"/>
+              <a:stretch>
+                <a:fillRect/>
+              </a:stretch>
+            </p:blipFill>
+            <p:spPr>
+              <a:xfrm>
+                <a:off x="2803699" y="830672"/>
+                <a:ext cx="698760" cy="144000"/>
+              </a:xfrm>
+              <a:prstGeom prst="rect">
+                <a:avLst/>
+              </a:prstGeom>
+            </p:spPr>
+          </p:pic>
+        </mc:Fallback>
+      </mc:AlternateContent>
+      <mc:AlternateContent xmlns:mc="http://schemas.openxmlformats.org/markup-compatibility/2006">
+        <mc:Choice xmlns:p14="http://schemas.microsoft.com/office/powerpoint/2010/main" Requires="p14">
+          <p:contentPart p14:bwMode="auto" r:id="rId8">
+            <p14:nvContentPartPr>
+              <p14:cNvPr id="8" name="잉크 7">
+                <a:extLst>
+                  <a:ext uri="{FF2B5EF4-FFF2-40B4-BE49-F238E27FC236}">
+                    <a16:creationId xmlns:a16="http://schemas.microsoft.com/office/drawing/2014/main" id="{9D92FCBF-633F-3178-8847-5BED387A71DA}"/>
+                  </a:ext>
+                </a:extLst>
+              </p14:cNvPr>
+              <p14:cNvContentPartPr/>
+              <p14:nvPr/>
+            </p14:nvContentPartPr>
+            <p14:xfrm>
+              <a:off x="731539" y="1422152"/>
+              <a:ext cx="1120680" cy="360"/>
+            </p14:xfrm>
+          </p:contentPart>
+        </mc:Choice>
+        <mc:Fallback>
+          <p:pic>
+            <p:nvPicPr>
+              <p:cNvPr id="8" name="잉크 7">
+                <a:extLst>
+                  <a:ext uri="{FF2B5EF4-FFF2-40B4-BE49-F238E27FC236}">
+                    <a16:creationId xmlns:a16="http://schemas.microsoft.com/office/drawing/2014/main" id="{9D92FCBF-633F-3178-8847-5BED387A71DA}"/>
+                  </a:ext>
+                </a:extLst>
+              </p:cNvPr>
+              <p:cNvPicPr/>
+              <p:nvPr/>
+            </p:nvPicPr>
+            <p:blipFill>
+              <a:blip r:embed="rId9"/>
+              <a:stretch>
+                <a:fillRect/>
+              </a:stretch>
+            </p:blipFill>
+            <p:spPr>
+              <a:xfrm>
+                <a:off x="695539" y="1350512"/>
+                <a:ext cx="1192320" cy="144000"/>
+              </a:xfrm>
+              <a:prstGeom prst="rect">
+                <a:avLst/>
+              </a:prstGeom>
+            </p:spPr>
+          </p:pic>
+        </mc:Fallback>
+      </mc:AlternateContent>
+    </p:spTree>
+    <p:extLst>
+      <p:ext uri="{BB962C8B-B14F-4D97-AF65-F5344CB8AC3E}">
+        <p14:creationId xmlns:p14="http://schemas.microsoft.com/office/powerpoint/2010/main" val="2788769817"/>
+      </p:ext>
+    </p:extLst>
+  </p:cSld>
+  <p:clrMapOvr>
+    <a:masterClrMapping/>
+  </p:clrMapOvr>
+</p:sld>
+</file>
+
+<file path=ppt/slides/slide28.xml><?xml version="1.0" encoding="utf-8"?>
+<p:sld xmlns:a="http://schemas.openxmlformats.org/drawingml/2006/main" xmlns:r="http://schemas.openxmlformats.org/officeDocument/2006/relationships" xmlns:p="http://schemas.openxmlformats.org/presentationml/2006/main">
+  <p:cSld>
+    <p:spTree>
+      <p:nvGrpSpPr>
+        <p:cNvPr id="1" name=""/>
+        <p:cNvGrpSpPr/>
+        <p:nvPr/>
+      </p:nvGrpSpPr>
+      <p:grpSpPr>
+        <a:xfrm>
+          <a:off x="0" y="0"/>
+          <a:ext cx="0" cy="0"/>
+          <a:chOff x="0" y="0"/>
+          <a:chExt cx="0" cy="0"/>
+        </a:xfrm>
+      </p:grpSpPr>
+      <p:pic>
+        <p:nvPicPr>
+          <p:cNvPr id="7" name="그림 6">
+            <a:extLst>
+              <a:ext uri="{FF2B5EF4-FFF2-40B4-BE49-F238E27FC236}">
+                <a16:creationId xmlns:a16="http://schemas.microsoft.com/office/drawing/2014/main" id="{179D3F60-D2E7-B7BE-5D37-CAD1A5DBC5FB}"/>
+              </a:ext>
+            </a:extLst>
+          </p:cNvPr>
+          <p:cNvPicPr>
+            <a:picLocks noChangeAspect="1"/>
+          </p:cNvPicPr>
+          <p:nvPr/>
+        </p:nvPicPr>
+        <p:blipFill>
+          <a:blip r:embed="rId2"/>
+          <a:stretch>
+            <a:fillRect/>
+          </a:stretch>
+        </p:blipFill>
+        <p:spPr>
+          <a:xfrm>
+            <a:off x="433027" y="406492"/>
+            <a:ext cx="6065743" cy="6076956"/>
+          </a:xfrm>
+          <a:prstGeom prst="rect">
+            <a:avLst/>
+          </a:prstGeom>
+        </p:spPr>
+      </p:pic>
+      <p:pic>
+        <p:nvPicPr>
+          <p:cNvPr id="9" name="그림 8">
+            <a:extLst>
+              <a:ext uri="{FF2B5EF4-FFF2-40B4-BE49-F238E27FC236}">
+                <a16:creationId xmlns:a16="http://schemas.microsoft.com/office/drawing/2014/main" id="{960940D3-20A5-9722-D9D8-EE42F1DD7853}"/>
+              </a:ext>
+            </a:extLst>
+          </p:cNvPr>
+          <p:cNvPicPr>
+            <a:picLocks noChangeAspect="1"/>
+          </p:cNvPicPr>
+          <p:nvPr/>
+        </p:nvPicPr>
+        <p:blipFill>
+          <a:blip r:embed="rId3"/>
+          <a:stretch>
+            <a:fillRect/>
+          </a:stretch>
+        </p:blipFill>
+        <p:spPr>
+          <a:xfrm>
+            <a:off x="5966418" y="3112761"/>
+            <a:ext cx="5792555" cy="216545"/>
+          </a:xfrm>
+          <a:prstGeom prst="rect">
+            <a:avLst/>
+          </a:prstGeom>
+        </p:spPr>
+      </p:pic>
+      <mc:AlternateContent xmlns:mc="http://schemas.openxmlformats.org/markup-compatibility/2006">
+        <mc:Choice xmlns:p14="http://schemas.microsoft.com/office/powerpoint/2010/main" Requires="p14">
+          <p:contentPart p14:bwMode="auto" r:id="rId4">
+            <p14:nvContentPartPr>
+              <p14:cNvPr id="2" name="잉크 1">
+                <a:extLst>
+                  <a:ext uri="{FF2B5EF4-FFF2-40B4-BE49-F238E27FC236}">
+                    <a16:creationId xmlns:a16="http://schemas.microsoft.com/office/drawing/2014/main" id="{CD7D5B8E-C5DB-4699-AFD4-D42CE8F64E22}"/>
+                  </a:ext>
+                </a:extLst>
+              </p14:cNvPr>
+              <p14:cNvContentPartPr/>
+              <p14:nvPr/>
+            </p14:nvContentPartPr>
+            <p14:xfrm>
+              <a:off x="692659" y="1521152"/>
+              <a:ext cx="4596840" cy="360"/>
+            </p14:xfrm>
+          </p:contentPart>
+        </mc:Choice>
+        <mc:Fallback>
+          <p:pic>
+            <p:nvPicPr>
+              <p:cNvPr id="2" name="잉크 1">
+                <a:extLst>
+                  <a:ext uri="{FF2B5EF4-FFF2-40B4-BE49-F238E27FC236}">
+                    <a16:creationId xmlns:a16="http://schemas.microsoft.com/office/drawing/2014/main" id="{CD7D5B8E-C5DB-4699-AFD4-D42CE8F64E22}"/>
+                  </a:ext>
+                </a:extLst>
+              </p:cNvPr>
+              <p:cNvPicPr/>
+              <p:nvPr/>
+            </p:nvPicPr>
+            <p:blipFill>
+              <a:blip r:embed="rId5"/>
+              <a:stretch>
+                <a:fillRect/>
+              </a:stretch>
+            </p:blipFill>
+            <p:spPr>
+              <a:xfrm>
+                <a:off x="638659" y="1413152"/>
+                <a:ext cx="4704480" cy="216000"/>
+              </a:xfrm>
+              <a:prstGeom prst="rect">
+                <a:avLst/>
+              </a:prstGeom>
+            </p:spPr>
+          </p:pic>
+        </mc:Fallback>
+      </mc:AlternateContent>
+    </p:spTree>
+    <p:extLst>
+      <p:ext uri="{BB962C8B-B14F-4D97-AF65-F5344CB8AC3E}">
+        <p14:creationId xmlns:p14="http://schemas.microsoft.com/office/powerpoint/2010/main" val="2373704674"/>
+      </p:ext>
+    </p:extLst>
+  </p:cSld>
+  <p:clrMapOvr>
+    <a:masterClrMapping/>
+  </p:clrMapOvr>
+</p:sld>
+</file>
+
+<file path=ppt/slides/slide29.xml><?xml version="1.0" encoding="utf-8"?>
+<p:sld xmlns:a="http://schemas.openxmlformats.org/drawingml/2006/main" xmlns:r="http://schemas.openxmlformats.org/officeDocument/2006/relationships" xmlns:p="http://schemas.openxmlformats.org/presentationml/2006/main">
+  <p:cSld>
+    <p:spTree>
+      <p:nvGrpSpPr>
+        <p:cNvPr id="1" name=""/>
+        <p:cNvGrpSpPr/>
+        <p:nvPr/>
+      </p:nvGrpSpPr>
+      <p:grpSpPr>
+        <a:xfrm>
+          <a:off x="0" y="0"/>
+          <a:ext cx="0" cy="0"/>
+          <a:chOff x="0" y="0"/>
+          <a:chExt cx="0" cy="0"/>
+        </a:xfrm>
+      </p:grpSpPr>
+      <p:pic>
+        <p:nvPicPr>
+          <p:cNvPr id="3" name="그림 2">
+            <a:extLst>
+              <a:ext uri="{FF2B5EF4-FFF2-40B4-BE49-F238E27FC236}">
+                <a16:creationId xmlns:a16="http://schemas.microsoft.com/office/drawing/2014/main" id="{A09C7C7B-AAC0-C970-6220-8BC4E2F2E68F}"/>
+              </a:ext>
+            </a:extLst>
+          </p:cNvPr>
+          <p:cNvPicPr>
+            <a:picLocks noChangeAspect="1"/>
+          </p:cNvPicPr>
+          <p:nvPr/>
+        </p:nvPicPr>
+        <p:blipFill>
+          <a:blip r:embed="rId2"/>
+          <a:stretch>
+            <a:fillRect/>
+          </a:stretch>
+        </p:blipFill>
+        <p:spPr>
+          <a:xfrm>
+            <a:off x="477855" y="451623"/>
+            <a:ext cx="11301714" cy="3450905"/>
+          </a:xfrm>
+          <a:prstGeom prst="rect">
+            <a:avLst/>
+          </a:prstGeom>
+        </p:spPr>
+      </p:pic>
+      <p:pic>
+        <p:nvPicPr>
+          <p:cNvPr id="5" name="그림 4">
+            <a:extLst>
+              <a:ext uri="{FF2B5EF4-FFF2-40B4-BE49-F238E27FC236}">
+                <a16:creationId xmlns:a16="http://schemas.microsoft.com/office/drawing/2014/main" id="{5A94EF42-91F4-B526-3139-43DED575CCFA}"/>
+              </a:ext>
+            </a:extLst>
+          </p:cNvPr>
+          <p:cNvPicPr>
+            <a:picLocks noChangeAspect="1"/>
+          </p:cNvPicPr>
+          <p:nvPr/>
+        </p:nvPicPr>
+        <p:blipFill>
+          <a:blip r:embed="rId3"/>
+          <a:stretch>
+            <a:fillRect/>
+          </a:stretch>
+        </p:blipFill>
+        <p:spPr>
+          <a:xfrm>
+            <a:off x="477855" y="4601917"/>
+            <a:ext cx="6249516" cy="837255"/>
+          </a:xfrm>
+          <a:prstGeom prst="rect">
+            <a:avLst/>
+          </a:prstGeom>
+        </p:spPr>
+      </p:pic>
+      <mc:AlternateContent xmlns:mc="http://schemas.openxmlformats.org/markup-compatibility/2006">
+        <mc:Choice xmlns:p14="http://schemas.microsoft.com/office/powerpoint/2010/main" Requires="p14">
+          <p:contentPart p14:bwMode="auto" r:id="rId4">
+            <p14:nvContentPartPr>
+              <p14:cNvPr id="2" name="잉크 1">
+                <a:extLst>
+                  <a:ext uri="{FF2B5EF4-FFF2-40B4-BE49-F238E27FC236}">
+                    <a16:creationId xmlns:a16="http://schemas.microsoft.com/office/drawing/2014/main" id="{187F82F1-7DA5-C40E-353B-0F8FC7777468}"/>
+                  </a:ext>
+                </a:extLst>
+              </p14:cNvPr>
+              <p14:cNvContentPartPr/>
+              <p14:nvPr/>
+            </p14:nvContentPartPr>
+            <p14:xfrm>
+              <a:off x="846379" y="1254032"/>
+              <a:ext cx="6814080" cy="360"/>
+            </p14:xfrm>
+          </p:contentPart>
+        </mc:Choice>
+        <mc:Fallback>
+          <p:pic>
+            <p:nvPicPr>
+              <p:cNvPr id="2" name="잉크 1">
+                <a:extLst>
+                  <a:ext uri="{FF2B5EF4-FFF2-40B4-BE49-F238E27FC236}">
+                    <a16:creationId xmlns:a16="http://schemas.microsoft.com/office/drawing/2014/main" id="{187F82F1-7DA5-C40E-353B-0F8FC7777468}"/>
+                  </a:ext>
+                </a:extLst>
+              </p:cNvPr>
+              <p:cNvPicPr/>
+              <p:nvPr/>
+            </p:nvPicPr>
+            <p:blipFill>
+              <a:blip r:embed="rId5"/>
+              <a:stretch>
+                <a:fillRect/>
+              </a:stretch>
+            </p:blipFill>
+            <p:spPr>
+              <a:xfrm>
+                <a:off x="774739" y="1110032"/>
+                <a:ext cx="6957720" cy="288000"/>
+              </a:xfrm>
+              <a:prstGeom prst="rect">
+                <a:avLst/>
+              </a:prstGeom>
+            </p:spPr>
+          </p:pic>
+        </mc:Fallback>
+      </mc:AlternateContent>
+    </p:spTree>
+    <p:extLst>
+      <p:ext uri="{BB962C8B-B14F-4D97-AF65-F5344CB8AC3E}">
+        <p14:creationId xmlns:p14="http://schemas.microsoft.com/office/powerpoint/2010/main" val="3705108811"/>
+      </p:ext>
+    </p:extLst>
+  </p:cSld>
+  <p:clrMapOvr>
+    <a:masterClrMapping/>
+  </p:clrMapOvr>
+</p:sld>
+</file>
+
+<file path=ppt/slides/slide3.xml><?xml version="1.0" encoding="utf-8"?>
+<p:sld xmlns:a="http://schemas.openxmlformats.org/drawingml/2006/main" xmlns:r="http://schemas.openxmlformats.org/officeDocument/2006/relationships" xmlns:p="http://schemas.openxmlformats.org/presentationml/2006/main">
+  <p:cSld>
+    <p:spTree>
+      <p:nvGrpSpPr>
+        <p:cNvPr id="1" name=""/>
+        <p:cNvGrpSpPr/>
+        <p:nvPr/>
+      </p:nvGrpSpPr>
+      <p:grpSpPr>
+        <a:xfrm>
+          <a:off x="0" y="0"/>
+          <a:ext cx="0" cy="0"/>
+          <a:chOff x="0" y="0"/>
+          <a:chExt cx="0" cy="0"/>
+        </a:xfrm>
+      </p:grpSpPr>
+      <p:sp>
+        <p:nvSpPr>
+          <p:cNvPr id="2" name="TextBox 1">
+            <a:extLst>
+              <a:ext uri="{FF2B5EF4-FFF2-40B4-BE49-F238E27FC236}">
+                <a16:creationId xmlns:a16="http://schemas.microsoft.com/office/drawing/2014/main" id="{6D5E47BA-144B-6E25-E282-8F211ABD5221}"/>
+              </a:ext>
+            </a:extLst>
+          </p:cNvPr>
+          <p:cNvSpPr txBox="1"/>
+          <p:nvPr/>
+        </p:nvSpPr>
+        <p:spPr>
+          <a:xfrm>
+            <a:off x="1139371" y="2610838"/>
+            <a:ext cx="9913258" cy="830997"/>
+          </a:xfrm>
+          <a:prstGeom prst="rect">
+            <a:avLst/>
+          </a:prstGeom>
+          <a:noFill/>
+        </p:spPr>
+        <p:txBody>
+          <a:bodyPr wrap="square" rtlCol="0">
+            <a:spAutoFit/>
+          </a:bodyPr>
+          <a:lstStyle/>
+          <a:p>
+            <a:pPr algn="ctr"/>
+            <a:r>
+              <a:rPr lang="en-US" altLang="ko-KR" sz="4800" b="1" dirty="0">
+                <a:solidFill>
+                  <a:schemeClr val="accent1"/>
+                </a:solidFill>
+                <a:latin typeface="+mn-ea"/>
+              </a:rPr>
+              <a:t>&lt; </a:t>
+            </a:r>
+            <a:r>
+              <a:rPr lang="ko-KR" altLang="en-US" sz="4800" b="1" dirty="0">
+                <a:solidFill>
+                  <a:schemeClr val="accent1"/>
+                </a:solidFill>
+                <a:latin typeface="+mn-ea"/>
+              </a:rPr>
+              <a:t>리스트 </a:t>
+            </a:r>
+            <a:r>
+              <a:rPr lang="en-US" altLang="ko-KR" sz="4800" b="1" dirty="0">
+                <a:solidFill>
+                  <a:schemeClr val="accent1"/>
+                </a:solidFill>
+                <a:latin typeface="+mn-ea"/>
+              </a:rPr>
+              <a:t>&gt;</a:t>
+            </a:r>
+            <a:endParaRPr lang="ko-KR" altLang="en-US" sz="4800" b="1" dirty="0">
+              <a:solidFill>
+                <a:schemeClr val="accent1"/>
+              </a:solidFill>
+              <a:latin typeface="+mn-ea"/>
+            </a:endParaRPr>
+          </a:p>
+        </p:txBody>
+      </p:sp>
+    </p:spTree>
+    <p:extLst>
+      <p:ext uri="{BB962C8B-B14F-4D97-AF65-F5344CB8AC3E}">
+        <p14:creationId xmlns:p14="http://schemas.microsoft.com/office/powerpoint/2010/main" val="2450836371"/>
+      </p:ext>
+    </p:extLst>
+  </p:cSld>
+  <p:clrMapOvr>
+    <a:masterClrMapping/>
+  </p:clrMapOvr>
+</p:sld>
+</file>
+
+<file path=ppt/slides/slide30.xml><?xml version="1.0" encoding="utf-8"?>
+<p:sld xmlns:a="http://schemas.openxmlformats.org/drawingml/2006/main" xmlns:r="http://schemas.openxmlformats.org/officeDocument/2006/relationships" xmlns:p="http://schemas.openxmlformats.org/presentationml/2006/main">
+  <p:cSld>
+    <p:spTree>
+      <p:nvGrpSpPr>
+        <p:cNvPr id="1" name=""/>
+        <p:cNvGrpSpPr/>
+        <p:nvPr/>
+      </p:nvGrpSpPr>
+      <p:grpSpPr>
+        <a:xfrm>
+          <a:off x="0" y="0"/>
+          <a:ext cx="0" cy="0"/>
+          <a:chOff x="0" y="0"/>
+          <a:chExt cx="0" cy="0"/>
+        </a:xfrm>
+      </p:grpSpPr>
+      <p:sp>
+        <p:nvSpPr>
+          <p:cNvPr id="2" name="TextBox 1">
+            <a:extLst>
+              <a:ext uri="{FF2B5EF4-FFF2-40B4-BE49-F238E27FC236}">
+                <a16:creationId xmlns:a16="http://schemas.microsoft.com/office/drawing/2014/main" id="{6D5E47BA-144B-6E25-E282-8F211ABD5221}"/>
+              </a:ext>
+            </a:extLst>
+          </p:cNvPr>
+          <p:cNvSpPr txBox="1"/>
+          <p:nvPr/>
+        </p:nvSpPr>
+        <p:spPr>
+          <a:xfrm>
+            <a:off x="1139371" y="2610838"/>
+            <a:ext cx="9913258" cy="830997"/>
+          </a:xfrm>
+          <a:prstGeom prst="rect">
+            <a:avLst/>
+          </a:prstGeom>
+          <a:noFill/>
+        </p:spPr>
+        <p:txBody>
+          <a:bodyPr wrap="square" rtlCol="0">
+            <a:spAutoFit/>
+          </a:bodyPr>
+          <a:lstStyle/>
+          <a:p>
+            <a:pPr algn="ctr"/>
+            <a:r>
+              <a:rPr lang="en-US" altLang="ko-KR" sz="4800" b="1" dirty="0">
+                <a:solidFill>
+                  <a:schemeClr val="accent1"/>
+                </a:solidFill>
+                <a:latin typeface="+mn-ea"/>
+              </a:rPr>
+              <a:t>&lt; </a:t>
+            </a:r>
+            <a:r>
+              <a:rPr lang="ko-KR" altLang="en-US" sz="4800" b="1" dirty="0">
+                <a:solidFill>
+                  <a:schemeClr val="accent1"/>
+                </a:solidFill>
+                <a:latin typeface="+mn-ea"/>
+              </a:rPr>
+              <a:t>정리하기 </a:t>
+            </a:r>
+            <a:r>
+              <a:rPr lang="en-US" altLang="ko-KR" sz="4800" b="1" dirty="0">
+                <a:solidFill>
+                  <a:schemeClr val="accent1"/>
+                </a:solidFill>
+                <a:latin typeface="+mn-ea"/>
+              </a:rPr>
+              <a:t>&gt;</a:t>
+            </a:r>
+            <a:endParaRPr lang="ko-KR" altLang="en-US" sz="4800" b="1" dirty="0">
+              <a:solidFill>
+                <a:schemeClr val="accent1"/>
+              </a:solidFill>
+              <a:latin typeface="+mn-ea"/>
+            </a:endParaRPr>
+          </a:p>
+        </p:txBody>
+      </p:sp>
+    </p:spTree>
+    <p:extLst>
+      <p:ext uri="{BB962C8B-B14F-4D97-AF65-F5344CB8AC3E}">
+        <p14:creationId xmlns:p14="http://schemas.microsoft.com/office/powerpoint/2010/main" val="3896227482"/>
+      </p:ext>
+    </p:extLst>
+  </p:cSld>
+  <p:clrMapOvr>
+    <a:masterClrMapping/>
+  </p:clrMapOvr>
+</p:sld>
+</file>
+
+<file path=ppt/slides/slide31.xml><?xml version="1.0" encoding="utf-8"?>
+<p:sld xmlns:a="http://schemas.openxmlformats.org/drawingml/2006/main" xmlns:r="http://schemas.openxmlformats.org/officeDocument/2006/relationships" xmlns:p="http://schemas.openxmlformats.org/presentationml/2006/main">
+  <p:cSld>
+    <p:spTree>
+      <p:nvGrpSpPr>
+        <p:cNvPr id="1" name=""/>
+        <p:cNvGrpSpPr/>
+        <p:nvPr/>
+      </p:nvGrpSpPr>
+      <p:grpSpPr>
+        <a:xfrm>
+          <a:off x="0" y="0"/>
+          <a:ext cx="0" cy="0"/>
+          <a:chOff x="0" y="0"/>
+          <a:chExt cx="0" cy="0"/>
+        </a:xfrm>
+      </p:grpSpPr>
+      <p:pic>
+        <p:nvPicPr>
+          <p:cNvPr id="3" name="그림 2">
+            <a:extLst>
+              <a:ext uri="{FF2B5EF4-FFF2-40B4-BE49-F238E27FC236}">
+                <a16:creationId xmlns:a16="http://schemas.microsoft.com/office/drawing/2014/main" id="{D6BAC33F-1607-C6AD-CA03-D4FE08C6BD0F}"/>
+              </a:ext>
+            </a:extLst>
+          </p:cNvPr>
+          <p:cNvPicPr>
+            <a:picLocks noChangeAspect="1"/>
+          </p:cNvPicPr>
+          <p:nvPr/>
+        </p:nvPicPr>
+        <p:blipFill>
+          <a:blip r:embed="rId2"/>
+          <a:stretch>
+            <a:fillRect/>
+          </a:stretch>
+        </p:blipFill>
+        <p:spPr>
+          <a:xfrm>
+            <a:off x="389730" y="414060"/>
+            <a:ext cx="8725696" cy="6074483"/>
+          </a:xfrm>
+          <a:prstGeom prst="rect">
+            <a:avLst/>
+          </a:prstGeom>
+        </p:spPr>
+      </p:pic>
+    </p:spTree>
+    <p:extLst>
+      <p:ext uri="{BB962C8B-B14F-4D97-AF65-F5344CB8AC3E}">
+        <p14:creationId xmlns:p14="http://schemas.microsoft.com/office/powerpoint/2010/main" val="3096549776"/>
+      </p:ext>
+    </p:extLst>
+  </p:cSld>
+  <p:clrMapOvr>
+    <a:masterClrMapping/>
+  </p:clrMapOvr>
+</p:sld>
+</file>
+
+<file path=ppt/slides/slide4.xml><?xml version="1.0" encoding="utf-8"?>
 <p:sld xmlns:a="http://schemas.openxmlformats.org/drawingml/2006/main" xmlns:r="http://schemas.openxmlformats.org/officeDocument/2006/relationships" xmlns:p="http://schemas.openxmlformats.org/presentationml/2006/main">
   <p:cSld>
     <p:spTree>
@@ -5883,6 +9849,57 @@
           </a:prstGeom>
         </p:spPr>
       </p:pic>
+      <mc:AlternateContent xmlns:mc="http://schemas.openxmlformats.org/markup-compatibility/2006">
+        <mc:Choice xmlns:p14="http://schemas.microsoft.com/office/powerpoint/2010/main" Requires="p14">
+          <p:contentPart p14:bwMode="auto" r:id="rId33">
+            <p14:nvContentPartPr>
+              <p14:cNvPr id="2" name="잉크 1">
+                <a:extLst>
+                  <a:ext uri="{FF2B5EF4-FFF2-40B4-BE49-F238E27FC236}">
+                    <a16:creationId xmlns:a16="http://schemas.microsoft.com/office/drawing/2014/main" id="{981FEA53-523C-2186-3635-B46B0D5A27CC}"/>
+                  </a:ext>
+                </a:extLst>
+              </p14:cNvPr>
+              <p14:cNvContentPartPr/>
+              <p14:nvPr/>
+            </p14:nvContentPartPr>
+            <p14:xfrm>
+              <a:off x="827299" y="1119392"/>
+              <a:ext cx="534600" cy="360"/>
+            </p14:xfrm>
+          </p:contentPart>
+        </mc:Choice>
+        <mc:Fallback>
+          <p:pic>
+            <p:nvPicPr>
+              <p:cNvPr id="2" name="잉크 1">
+                <a:extLst>
+                  <a:ext uri="{FF2B5EF4-FFF2-40B4-BE49-F238E27FC236}">
+                    <a16:creationId xmlns:a16="http://schemas.microsoft.com/office/drawing/2014/main" id="{981FEA53-523C-2186-3635-B46B0D5A27CC}"/>
+                  </a:ext>
+                </a:extLst>
+              </p:cNvPr>
+              <p:cNvPicPr/>
+              <p:nvPr/>
+            </p:nvPicPr>
+            <p:blipFill>
+              <a:blip r:embed="rId34"/>
+              <a:stretch>
+                <a:fillRect/>
+              </a:stretch>
+            </p:blipFill>
+            <p:spPr>
+              <a:xfrm>
+                <a:off x="755659" y="975392"/>
+                <a:ext cx="678240" cy="288000"/>
+              </a:xfrm>
+              <a:prstGeom prst="rect">
+                <a:avLst/>
+              </a:prstGeom>
+            </p:spPr>
+          </p:pic>
+        </mc:Fallback>
+      </mc:AlternateContent>
     </p:spTree>
     <p:extLst>
       <p:ext uri="{BB962C8B-B14F-4D97-AF65-F5344CB8AC3E}">
@@ -5896,577 +9913,7 @@
 </p:sld>
 </file>
 
-<file path=ppt/slides/slide20.xml><?xml version="1.0" encoding="utf-8"?>
-<p:sld xmlns:a="http://schemas.openxmlformats.org/drawingml/2006/main" xmlns:r="http://schemas.openxmlformats.org/officeDocument/2006/relationships" xmlns:p="http://schemas.openxmlformats.org/presentationml/2006/main">
-  <p:cSld>
-    <p:spTree>
-      <p:nvGrpSpPr>
-        <p:cNvPr id="1" name=""/>
-        <p:cNvGrpSpPr/>
-        <p:nvPr/>
-      </p:nvGrpSpPr>
-      <p:grpSpPr>
-        <a:xfrm>
-          <a:off x="0" y="0"/>
-          <a:ext cx="0" cy="0"/>
-          <a:chOff x="0" y="0"/>
-          <a:chExt cx="0" cy="0"/>
-        </a:xfrm>
-      </p:grpSpPr>
-      <p:pic>
-        <p:nvPicPr>
-          <p:cNvPr id="3" name="그림 2">
-            <a:extLst>
-              <a:ext uri="{FF2B5EF4-FFF2-40B4-BE49-F238E27FC236}">
-                <a16:creationId xmlns:a16="http://schemas.microsoft.com/office/drawing/2014/main" id="{89B1BED3-E8A6-739D-18E0-1331E5CC1F7C}"/>
-              </a:ext>
-            </a:extLst>
-          </p:cNvPr>
-          <p:cNvPicPr>
-            <a:picLocks noChangeAspect="1"/>
-          </p:cNvPicPr>
-          <p:nvPr/>
-        </p:nvPicPr>
-        <p:blipFill>
-          <a:blip r:embed="rId2"/>
-          <a:stretch>
-            <a:fillRect/>
-          </a:stretch>
-        </p:blipFill>
-        <p:spPr>
-          <a:xfrm>
-            <a:off x="486091" y="542076"/>
-            <a:ext cx="9262065" cy="4283916"/>
-          </a:xfrm>
-          <a:prstGeom prst="rect">
-            <a:avLst/>
-          </a:prstGeom>
-        </p:spPr>
-      </p:pic>
-      <p:pic>
-        <p:nvPicPr>
-          <p:cNvPr id="7" name="그림 6">
-            <a:extLst>
-              <a:ext uri="{FF2B5EF4-FFF2-40B4-BE49-F238E27FC236}">
-                <a16:creationId xmlns:a16="http://schemas.microsoft.com/office/drawing/2014/main" id="{A1E2F8BD-7030-51E8-0ABD-1514BF11F473}"/>
-              </a:ext>
-            </a:extLst>
-          </p:cNvPr>
-          <p:cNvPicPr>
-            <a:picLocks noChangeAspect="1"/>
-          </p:cNvPicPr>
-          <p:nvPr/>
-        </p:nvPicPr>
-        <p:blipFill>
-          <a:blip r:embed="rId3"/>
-          <a:stretch>
-            <a:fillRect/>
-          </a:stretch>
-        </p:blipFill>
-        <p:spPr>
-          <a:xfrm>
-            <a:off x="486091" y="5080879"/>
-            <a:ext cx="8363995" cy="1363020"/>
-          </a:xfrm>
-          <a:prstGeom prst="rect">
-            <a:avLst/>
-          </a:prstGeom>
-        </p:spPr>
-      </p:pic>
-    </p:spTree>
-    <p:extLst>
-      <p:ext uri="{BB962C8B-B14F-4D97-AF65-F5344CB8AC3E}">
-        <p14:creationId xmlns:p14="http://schemas.microsoft.com/office/powerpoint/2010/main" val="1282220757"/>
-      </p:ext>
-    </p:extLst>
-  </p:cSld>
-  <p:clrMapOvr>
-    <a:masterClrMapping/>
-  </p:clrMapOvr>
-</p:sld>
-</file>
-
-<file path=ppt/slides/slide21.xml><?xml version="1.0" encoding="utf-8"?>
-<p:sld xmlns:a="http://schemas.openxmlformats.org/drawingml/2006/main" xmlns:r="http://schemas.openxmlformats.org/officeDocument/2006/relationships" xmlns:p="http://schemas.openxmlformats.org/presentationml/2006/main">
-  <p:cSld>
-    <p:spTree>
-      <p:nvGrpSpPr>
-        <p:cNvPr id="1" name=""/>
-        <p:cNvGrpSpPr/>
-        <p:nvPr/>
-      </p:nvGrpSpPr>
-      <p:grpSpPr>
-        <a:xfrm>
-          <a:off x="0" y="0"/>
-          <a:ext cx="0" cy="0"/>
-          <a:chOff x="0" y="0"/>
-          <a:chExt cx="0" cy="0"/>
-        </a:xfrm>
-      </p:grpSpPr>
-      <p:pic>
-        <p:nvPicPr>
-          <p:cNvPr id="3" name="그림 2">
-            <a:extLst>
-              <a:ext uri="{FF2B5EF4-FFF2-40B4-BE49-F238E27FC236}">
-                <a16:creationId xmlns:a16="http://schemas.microsoft.com/office/drawing/2014/main" id="{246E92B7-2FC6-AD1C-44FA-3568CA499DC6}"/>
-              </a:ext>
-            </a:extLst>
-          </p:cNvPr>
-          <p:cNvPicPr>
-            <a:picLocks noChangeAspect="1"/>
-          </p:cNvPicPr>
-          <p:nvPr/>
-        </p:nvPicPr>
-        <p:blipFill>
-          <a:blip r:embed="rId2"/>
-          <a:stretch>
-            <a:fillRect/>
-          </a:stretch>
-        </p:blipFill>
-        <p:spPr>
-          <a:xfrm>
-            <a:off x="425978" y="416379"/>
-            <a:ext cx="5056767" cy="6025242"/>
-          </a:xfrm>
-          <a:prstGeom prst="rect">
-            <a:avLst/>
-          </a:prstGeom>
-        </p:spPr>
-      </p:pic>
-      <p:pic>
-        <p:nvPicPr>
-          <p:cNvPr id="5" name="그림 4">
-            <a:extLst>
-              <a:ext uri="{FF2B5EF4-FFF2-40B4-BE49-F238E27FC236}">
-                <a16:creationId xmlns:a16="http://schemas.microsoft.com/office/drawing/2014/main" id="{E00889B3-24EB-5828-8DFF-9F562F0C0705}"/>
-              </a:ext>
-            </a:extLst>
-          </p:cNvPr>
-          <p:cNvPicPr>
-            <a:picLocks noChangeAspect="1"/>
-          </p:cNvPicPr>
-          <p:nvPr/>
-        </p:nvPicPr>
-        <p:blipFill>
-          <a:blip r:embed="rId3"/>
-          <a:stretch>
-            <a:fillRect/>
-          </a:stretch>
-        </p:blipFill>
-        <p:spPr>
-          <a:xfrm>
-            <a:off x="5698251" y="416378"/>
-            <a:ext cx="6103701" cy="2375807"/>
-          </a:xfrm>
-          <a:prstGeom prst="rect">
-            <a:avLst/>
-          </a:prstGeom>
-        </p:spPr>
-      </p:pic>
-    </p:spTree>
-    <p:extLst>
-      <p:ext uri="{BB962C8B-B14F-4D97-AF65-F5344CB8AC3E}">
-        <p14:creationId xmlns:p14="http://schemas.microsoft.com/office/powerpoint/2010/main" val="1207120776"/>
-      </p:ext>
-    </p:extLst>
-  </p:cSld>
-  <p:clrMapOvr>
-    <a:masterClrMapping/>
-  </p:clrMapOvr>
-</p:sld>
-</file>
-
-<file path=ppt/slides/slide22.xml><?xml version="1.0" encoding="utf-8"?>
-<p:sld xmlns:a="http://schemas.openxmlformats.org/drawingml/2006/main" xmlns:r="http://schemas.openxmlformats.org/officeDocument/2006/relationships" xmlns:p="http://schemas.openxmlformats.org/presentationml/2006/main">
-  <p:cSld>
-    <p:spTree>
-      <p:nvGrpSpPr>
-        <p:cNvPr id="1" name=""/>
-        <p:cNvGrpSpPr/>
-        <p:nvPr/>
-      </p:nvGrpSpPr>
-      <p:grpSpPr>
-        <a:xfrm>
-          <a:off x="0" y="0"/>
-          <a:ext cx="0" cy="0"/>
-          <a:chOff x="0" y="0"/>
-          <a:chExt cx="0" cy="0"/>
-        </a:xfrm>
-      </p:grpSpPr>
-      <p:pic>
-        <p:nvPicPr>
-          <p:cNvPr id="3" name="그림 2">
-            <a:extLst>
-              <a:ext uri="{FF2B5EF4-FFF2-40B4-BE49-F238E27FC236}">
-                <a16:creationId xmlns:a16="http://schemas.microsoft.com/office/drawing/2014/main" id="{367E601F-9D14-E809-FC9B-D63879619D9B}"/>
-              </a:ext>
-            </a:extLst>
-          </p:cNvPr>
-          <p:cNvPicPr>
-            <a:picLocks noChangeAspect="1"/>
-          </p:cNvPicPr>
-          <p:nvPr/>
-        </p:nvPicPr>
-        <p:blipFill>
-          <a:blip r:embed="rId2"/>
-          <a:stretch>
-            <a:fillRect/>
-          </a:stretch>
-        </p:blipFill>
-        <p:spPr>
-          <a:xfrm>
-            <a:off x="476133" y="342900"/>
-            <a:ext cx="3154149" cy="6123214"/>
-          </a:xfrm>
-          <a:prstGeom prst="rect">
-            <a:avLst/>
-          </a:prstGeom>
-        </p:spPr>
-      </p:pic>
-      <p:pic>
-        <p:nvPicPr>
-          <p:cNvPr id="5" name="그림 4">
-            <a:extLst>
-              <a:ext uri="{FF2B5EF4-FFF2-40B4-BE49-F238E27FC236}">
-                <a16:creationId xmlns:a16="http://schemas.microsoft.com/office/drawing/2014/main" id="{8EF4E9E8-E118-70D0-1535-ACBD136CC385}"/>
-              </a:ext>
-            </a:extLst>
-          </p:cNvPr>
-          <p:cNvPicPr>
-            <a:picLocks noChangeAspect="1"/>
-          </p:cNvPicPr>
-          <p:nvPr/>
-        </p:nvPicPr>
-        <p:blipFill>
-          <a:blip r:embed="rId3"/>
-          <a:stretch>
-            <a:fillRect/>
-          </a:stretch>
-        </p:blipFill>
-        <p:spPr>
-          <a:xfrm>
-            <a:off x="3962400" y="342900"/>
-            <a:ext cx="2993571" cy="6123214"/>
-          </a:xfrm>
-          <a:prstGeom prst="rect">
-            <a:avLst/>
-          </a:prstGeom>
-        </p:spPr>
-      </p:pic>
-      <p:pic>
-        <p:nvPicPr>
-          <p:cNvPr id="7" name="그림 6">
-            <a:extLst>
-              <a:ext uri="{FF2B5EF4-FFF2-40B4-BE49-F238E27FC236}">
-                <a16:creationId xmlns:a16="http://schemas.microsoft.com/office/drawing/2014/main" id="{CE02B804-0221-9F53-0666-CCB96D69D01F}"/>
-              </a:ext>
-            </a:extLst>
-          </p:cNvPr>
-          <p:cNvPicPr>
-            <a:picLocks noChangeAspect="1"/>
-          </p:cNvPicPr>
-          <p:nvPr/>
-        </p:nvPicPr>
-        <p:blipFill>
-          <a:blip r:embed="rId4"/>
-          <a:stretch>
-            <a:fillRect/>
-          </a:stretch>
-        </p:blipFill>
-        <p:spPr>
-          <a:xfrm>
-            <a:off x="7719059" y="342900"/>
-            <a:ext cx="3560293" cy="3412671"/>
-          </a:xfrm>
-          <a:prstGeom prst="rect">
-            <a:avLst/>
-          </a:prstGeom>
-        </p:spPr>
-      </p:pic>
-    </p:spTree>
-    <p:extLst>
-      <p:ext uri="{BB962C8B-B14F-4D97-AF65-F5344CB8AC3E}">
-        <p14:creationId xmlns:p14="http://schemas.microsoft.com/office/powerpoint/2010/main" val="1810973722"/>
-      </p:ext>
-    </p:extLst>
-  </p:cSld>
-  <p:clrMapOvr>
-    <a:masterClrMapping/>
-  </p:clrMapOvr>
-</p:sld>
-</file>
-
-<file path=ppt/slides/slide23.xml><?xml version="1.0" encoding="utf-8"?>
-<p:sld xmlns:a="http://schemas.openxmlformats.org/drawingml/2006/main" xmlns:r="http://schemas.openxmlformats.org/officeDocument/2006/relationships" xmlns:p="http://schemas.openxmlformats.org/presentationml/2006/main">
-  <p:cSld>
-    <p:spTree>
-      <p:nvGrpSpPr>
-        <p:cNvPr id="1" name=""/>
-        <p:cNvGrpSpPr/>
-        <p:nvPr/>
-      </p:nvGrpSpPr>
-      <p:grpSpPr>
-        <a:xfrm>
-          <a:off x="0" y="0"/>
-          <a:ext cx="0" cy="0"/>
-          <a:chOff x="0" y="0"/>
-          <a:chExt cx="0" cy="0"/>
-        </a:xfrm>
-      </p:grpSpPr>
-      <p:pic>
-        <p:nvPicPr>
-          <p:cNvPr id="9" name="그림 8">
-            <a:extLst>
-              <a:ext uri="{FF2B5EF4-FFF2-40B4-BE49-F238E27FC236}">
-                <a16:creationId xmlns:a16="http://schemas.microsoft.com/office/drawing/2014/main" id="{2F2CC48D-F0E7-1AE7-F0F8-D7E4CEB7B720}"/>
-              </a:ext>
-            </a:extLst>
-          </p:cNvPr>
-          <p:cNvPicPr>
-            <a:picLocks noChangeAspect="1"/>
-          </p:cNvPicPr>
-          <p:nvPr/>
-        </p:nvPicPr>
-        <p:blipFill>
-          <a:blip r:embed="rId2"/>
-          <a:stretch>
-            <a:fillRect/>
-          </a:stretch>
-        </p:blipFill>
-        <p:spPr>
-          <a:xfrm>
-            <a:off x="479290" y="5097173"/>
-            <a:ext cx="8027896" cy="1383083"/>
-          </a:xfrm>
-          <a:prstGeom prst="rect">
-            <a:avLst/>
-          </a:prstGeom>
-        </p:spPr>
-      </p:pic>
-      <p:pic>
-        <p:nvPicPr>
-          <p:cNvPr id="11" name="그림 10">
-            <a:extLst>
-              <a:ext uri="{FF2B5EF4-FFF2-40B4-BE49-F238E27FC236}">
-                <a16:creationId xmlns:a16="http://schemas.microsoft.com/office/drawing/2014/main" id="{83A55246-A82F-8991-4D85-F07E1A9292D6}"/>
-              </a:ext>
-            </a:extLst>
-          </p:cNvPr>
-          <p:cNvPicPr>
-            <a:picLocks noChangeAspect="1"/>
-          </p:cNvPicPr>
-          <p:nvPr/>
-        </p:nvPicPr>
-        <p:blipFill>
-          <a:blip r:embed="rId3"/>
-          <a:stretch>
-            <a:fillRect/>
-          </a:stretch>
-        </p:blipFill>
-        <p:spPr>
-          <a:xfrm>
-            <a:off x="479290" y="443058"/>
-            <a:ext cx="5210902" cy="4477375"/>
-          </a:xfrm>
-          <a:prstGeom prst="rect">
-            <a:avLst/>
-          </a:prstGeom>
-        </p:spPr>
-      </p:pic>
-    </p:spTree>
-    <p:extLst>
-      <p:ext uri="{BB962C8B-B14F-4D97-AF65-F5344CB8AC3E}">
-        <p14:creationId xmlns:p14="http://schemas.microsoft.com/office/powerpoint/2010/main" val="2788769817"/>
-      </p:ext>
-    </p:extLst>
-  </p:cSld>
-  <p:clrMapOvr>
-    <a:masterClrMapping/>
-  </p:clrMapOvr>
-</p:sld>
-</file>
-
-<file path=ppt/slides/slide24.xml><?xml version="1.0" encoding="utf-8"?>
-<p:sld xmlns:a="http://schemas.openxmlformats.org/drawingml/2006/main" xmlns:r="http://schemas.openxmlformats.org/officeDocument/2006/relationships" xmlns:p="http://schemas.openxmlformats.org/presentationml/2006/main">
-  <p:cSld>
-    <p:spTree>
-      <p:nvGrpSpPr>
-        <p:cNvPr id="1" name=""/>
-        <p:cNvGrpSpPr/>
-        <p:nvPr/>
-      </p:nvGrpSpPr>
-      <p:grpSpPr>
-        <a:xfrm>
-          <a:off x="0" y="0"/>
-          <a:ext cx="0" cy="0"/>
-          <a:chOff x="0" y="0"/>
-          <a:chExt cx="0" cy="0"/>
-        </a:xfrm>
-      </p:grpSpPr>
-      <p:pic>
-        <p:nvPicPr>
-          <p:cNvPr id="7" name="그림 6">
-            <a:extLst>
-              <a:ext uri="{FF2B5EF4-FFF2-40B4-BE49-F238E27FC236}">
-                <a16:creationId xmlns:a16="http://schemas.microsoft.com/office/drawing/2014/main" id="{179D3F60-D2E7-B7BE-5D37-CAD1A5DBC5FB}"/>
-              </a:ext>
-            </a:extLst>
-          </p:cNvPr>
-          <p:cNvPicPr>
-            <a:picLocks noChangeAspect="1"/>
-          </p:cNvPicPr>
-          <p:nvPr/>
-        </p:nvPicPr>
-        <p:blipFill>
-          <a:blip r:embed="rId2"/>
-          <a:stretch>
-            <a:fillRect/>
-          </a:stretch>
-        </p:blipFill>
-        <p:spPr>
-          <a:xfrm>
-            <a:off x="433027" y="406492"/>
-            <a:ext cx="6065743" cy="6076956"/>
-          </a:xfrm>
-          <a:prstGeom prst="rect">
-            <a:avLst/>
-          </a:prstGeom>
-        </p:spPr>
-      </p:pic>
-      <p:pic>
-        <p:nvPicPr>
-          <p:cNvPr id="9" name="그림 8">
-            <a:extLst>
-              <a:ext uri="{FF2B5EF4-FFF2-40B4-BE49-F238E27FC236}">
-                <a16:creationId xmlns:a16="http://schemas.microsoft.com/office/drawing/2014/main" id="{960940D3-20A5-9722-D9D8-EE42F1DD7853}"/>
-              </a:ext>
-            </a:extLst>
-          </p:cNvPr>
-          <p:cNvPicPr>
-            <a:picLocks noChangeAspect="1"/>
-          </p:cNvPicPr>
-          <p:nvPr/>
-        </p:nvPicPr>
-        <p:blipFill>
-          <a:blip r:embed="rId3"/>
-          <a:stretch>
-            <a:fillRect/>
-          </a:stretch>
-        </p:blipFill>
-        <p:spPr>
-          <a:xfrm>
-            <a:off x="5966418" y="3112761"/>
-            <a:ext cx="5792555" cy="216545"/>
-          </a:xfrm>
-          <a:prstGeom prst="rect">
-            <a:avLst/>
-          </a:prstGeom>
-        </p:spPr>
-      </p:pic>
-    </p:spTree>
-    <p:extLst>
-      <p:ext uri="{BB962C8B-B14F-4D97-AF65-F5344CB8AC3E}">
-        <p14:creationId xmlns:p14="http://schemas.microsoft.com/office/powerpoint/2010/main" val="2373704674"/>
-      </p:ext>
-    </p:extLst>
-  </p:cSld>
-  <p:clrMapOvr>
-    <a:masterClrMapping/>
-  </p:clrMapOvr>
-</p:sld>
-</file>
-
-<file path=ppt/slides/slide25.xml><?xml version="1.0" encoding="utf-8"?>
-<p:sld xmlns:a="http://schemas.openxmlformats.org/drawingml/2006/main" xmlns:r="http://schemas.openxmlformats.org/officeDocument/2006/relationships" xmlns:p="http://schemas.openxmlformats.org/presentationml/2006/main">
-  <p:cSld>
-    <p:spTree>
-      <p:nvGrpSpPr>
-        <p:cNvPr id="1" name=""/>
-        <p:cNvGrpSpPr/>
-        <p:nvPr/>
-      </p:nvGrpSpPr>
-      <p:grpSpPr>
-        <a:xfrm>
-          <a:off x="0" y="0"/>
-          <a:ext cx="0" cy="0"/>
-          <a:chOff x="0" y="0"/>
-          <a:chExt cx="0" cy="0"/>
-        </a:xfrm>
-      </p:grpSpPr>
-      <p:pic>
-        <p:nvPicPr>
-          <p:cNvPr id="3" name="그림 2">
-            <a:extLst>
-              <a:ext uri="{FF2B5EF4-FFF2-40B4-BE49-F238E27FC236}">
-                <a16:creationId xmlns:a16="http://schemas.microsoft.com/office/drawing/2014/main" id="{A09C7C7B-AAC0-C970-6220-8BC4E2F2E68F}"/>
-              </a:ext>
-            </a:extLst>
-          </p:cNvPr>
-          <p:cNvPicPr>
-            <a:picLocks noChangeAspect="1"/>
-          </p:cNvPicPr>
-          <p:nvPr/>
-        </p:nvPicPr>
-        <p:blipFill>
-          <a:blip r:embed="rId2"/>
-          <a:stretch>
-            <a:fillRect/>
-          </a:stretch>
-        </p:blipFill>
-        <p:spPr>
-          <a:xfrm>
-            <a:off x="477855" y="451623"/>
-            <a:ext cx="11301714" cy="3450905"/>
-          </a:xfrm>
-          <a:prstGeom prst="rect">
-            <a:avLst/>
-          </a:prstGeom>
-        </p:spPr>
-      </p:pic>
-      <p:pic>
-        <p:nvPicPr>
-          <p:cNvPr id="5" name="그림 4">
-            <a:extLst>
-              <a:ext uri="{FF2B5EF4-FFF2-40B4-BE49-F238E27FC236}">
-                <a16:creationId xmlns:a16="http://schemas.microsoft.com/office/drawing/2014/main" id="{5A94EF42-91F4-B526-3139-43DED575CCFA}"/>
-              </a:ext>
-            </a:extLst>
-          </p:cNvPr>
-          <p:cNvPicPr>
-            <a:picLocks noChangeAspect="1"/>
-          </p:cNvPicPr>
-          <p:nvPr/>
-        </p:nvPicPr>
-        <p:blipFill>
-          <a:blip r:embed="rId3"/>
-          <a:stretch>
-            <a:fillRect/>
-          </a:stretch>
-        </p:blipFill>
-        <p:spPr>
-          <a:xfrm>
-            <a:off x="477855" y="4601917"/>
-            <a:ext cx="6249516" cy="837255"/>
-          </a:xfrm>
-          <a:prstGeom prst="rect">
-            <a:avLst/>
-          </a:prstGeom>
-        </p:spPr>
-      </p:pic>
-    </p:spTree>
-    <p:extLst>
-      <p:ext uri="{BB962C8B-B14F-4D97-AF65-F5344CB8AC3E}">
-        <p14:creationId xmlns:p14="http://schemas.microsoft.com/office/powerpoint/2010/main" val="3705108811"/>
-      </p:ext>
-    </p:extLst>
-  </p:cSld>
-  <p:clrMapOvr>
-    <a:masterClrMapping/>
-  </p:clrMapOvr>
-</p:sld>
-</file>
-
-<file path=ppt/slides/slide3.xml><?xml version="1.0" encoding="utf-8"?>
+<file path=ppt/slides/slide5.xml><?xml version="1.0" encoding="utf-8"?>
 <p:sld xmlns:a="http://schemas.openxmlformats.org/drawingml/2006/main" xmlns:r="http://schemas.openxmlformats.org/officeDocument/2006/relationships" xmlns:p="http://schemas.openxmlformats.org/presentationml/2006/main">
   <p:cSld>
     <p:spTree>
@@ -6556,7 +10003,7 @@
 </p:sld>
 </file>
 
-<file path=ppt/slides/slide4.xml><?xml version="1.0" encoding="utf-8"?>
+<file path=ppt/slides/slide6.xml><?xml version="1.0" encoding="utf-8"?>
 <p:sld xmlns:a="http://schemas.openxmlformats.org/drawingml/2006/main" xmlns:r="http://schemas.openxmlformats.org/officeDocument/2006/relationships" xmlns:p="http://schemas.openxmlformats.org/presentationml/2006/main">
   <p:cSld>
     <p:spTree>
@@ -6663,6 +10110,57 @@
           </a:prstGeom>
         </p:spPr>
       </p:pic>
+      <mc:AlternateContent xmlns:mc="http://schemas.openxmlformats.org/markup-compatibility/2006">
+        <mc:Choice xmlns:p14="http://schemas.microsoft.com/office/powerpoint/2010/main" Requires="p14">
+          <p:contentPart p14:bwMode="auto" r:id="rId5">
+            <p14:nvContentPartPr>
+              <p14:cNvPr id="2" name="잉크 1">
+                <a:extLst>
+                  <a:ext uri="{FF2B5EF4-FFF2-40B4-BE49-F238E27FC236}">
+                    <a16:creationId xmlns:a16="http://schemas.microsoft.com/office/drawing/2014/main" id="{62DB1994-25E9-407E-2B39-7994CF4BA7BF}"/>
+                  </a:ext>
+                </a:extLst>
+              </p14:cNvPr>
+              <p14:cNvContentPartPr/>
+              <p14:nvPr/>
+            </p14:nvContentPartPr>
+            <p14:xfrm>
+              <a:off x="731539" y="3862592"/>
+              <a:ext cx="4000320" cy="360"/>
+            </p14:xfrm>
+          </p:contentPart>
+        </mc:Choice>
+        <mc:Fallback>
+          <p:pic>
+            <p:nvPicPr>
+              <p:cNvPr id="2" name="잉크 1">
+                <a:extLst>
+                  <a:ext uri="{FF2B5EF4-FFF2-40B4-BE49-F238E27FC236}">
+                    <a16:creationId xmlns:a16="http://schemas.microsoft.com/office/drawing/2014/main" id="{62DB1994-25E9-407E-2B39-7994CF4BA7BF}"/>
+                  </a:ext>
+                </a:extLst>
+              </p:cNvPr>
+              <p:cNvPicPr/>
+              <p:nvPr/>
+            </p:nvPicPr>
+            <p:blipFill>
+              <a:blip r:embed="rId6"/>
+              <a:stretch>
+                <a:fillRect/>
+              </a:stretch>
+            </p:blipFill>
+            <p:spPr>
+              <a:xfrm>
+                <a:off x="659539" y="3718592"/>
+                <a:ext cx="4143960" cy="288000"/>
+              </a:xfrm>
+              <a:prstGeom prst="rect">
+                <a:avLst/>
+              </a:prstGeom>
+            </p:spPr>
+          </p:pic>
+        </mc:Fallback>
+      </mc:AlternateContent>
     </p:spTree>
     <p:extLst>
       <p:ext uri="{BB962C8B-B14F-4D97-AF65-F5344CB8AC3E}">
@@ -6676,7 +10174,7 @@
 </p:sld>
 </file>
 
-<file path=ppt/slides/slide5.xml><?xml version="1.0" encoding="utf-8"?>
+<file path=ppt/slides/slide7.xml><?xml version="1.0" encoding="utf-8"?>
 <p:sld xmlns:a="http://schemas.openxmlformats.org/drawingml/2006/main" xmlns:r="http://schemas.openxmlformats.org/officeDocument/2006/relationships" xmlns:p="http://schemas.openxmlformats.org/presentationml/2006/main">
   <p:cSld>
     <p:spTree>
@@ -6766,7 +10264,7 @@
 </p:sld>
 </file>
 
-<file path=ppt/slides/slide6.xml><?xml version="1.0" encoding="utf-8"?>
+<file path=ppt/slides/slide8.xml><?xml version="1.0" encoding="utf-8"?>
 <p:sld xmlns:a="http://schemas.openxmlformats.org/drawingml/2006/main" xmlns:r="http://schemas.openxmlformats.org/officeDocument/2006/relationships" xmlns:p="http://schemas.openxmlformats.org/presentationml/2006/main">
   <p:cSld>
     <p:spTree>
@@ -6843,6 +10341,108 @@
           </a:prstGeom>
         </p:spPr>
       </p:pic>
+      <mc:AlternateContent xmlns:mc="http://schemas.openxmlformats.org/markup-compatibility/2006">
+        <mc:Choice xmlns:p14="http://schemas.microsoft.com/office/powerpoint/2010/main" Requires="p14">
+          <p:contentPart p14:bwMode="auto" r:id="rId4">
+            <p14:nvContentPartPr>
+              <p14:cNvPr id="2" name="잉크 1">
+                <a:extLst>
+                  <a:ext uri="{FF2B5EF4-FFF2-40B4-BE49-F238E27FC236}">
+                    <a16:creationId xmlns:a16="http://schemas.microsoft.com/office/drawing/2014/main" id="{437B4E78-F92B-3DE6-2771-B0B4715776AF}"/>
+                  </a:ext>
+                </a:extLst>
+              </p14:cNvPr>
+              <p14:cNvContentPartPr/>
+              <p14:nvPr/>
+            </p14:nvContentPartPr>
+            <p14:xfrm>
+              <a:off x="972019" y="657152"/>
+              <a:ext cx="5377320" cy="360"/>
+            </p14:xfrm>
+          </p:contentPart>
+        </mc:Choice>
+        <mc:Fallback>
+          <p:pic>
+            <p:nvPicPr>
+              <p:cNvPr id="2" name="잉크 1">
+                <a:extLst>
+                  <a:ext uri="{FF2B5EF4-FFF2-40B4-BE49-F238E27FC236}">
+                    <a16:creationId xmlns:a16="http://schemas.microsoft.com/office/drawing/2014/main" id="{437B4E78-F92B-3DE6-2771-B0B4715776AF}"/>
+                  </a:ext>
+                </a:extLst>
+              </p:cNvPr>
+              <p:cNvPicPr/>
+              <p:nvPr/>
+            </p:nvPicPr>
+            <p:blipFill>
+              <a:blip r:embed="rId5"/>
+              <a:stretch>
+                <a:fillRect/>
+              </a:stretch>
+            </p:blipFill>
+            <p:spPr>
+              <a:xfrm>
+                <a:off x="900379" y="513512"/>
+                <a:ext cx="5520960" cy="288000"/>
+              </a:xfrm>
+              <a:prstGeom prst="rect">
+                <a:avLst/>
+              </a:prstGeom>
+            </p:spPr>
+          </p:pic>
+        </mc:Fallback>
+      </mc:AlternateContent>
+      <mc:AlternateContent xmlns:mc="http://schemas.openxmlformats.org/markup-compatibility/2006">
+        <mc:Choice xmlns:p14="http://schemas.microsoft.com/office/powerpoint/2010/main" Requires="p14">
+          <p:contentPart p14:bwMode="auto" r:id="rId6">
+            <p14:nvContentPartPr>
+              <p14:cNvPr id="4" name="잉크 3">
+                <a:extLst>
+                  <a:ext uri="{FF2B5EF4-FFF2-40B4-BE49-F238E27FC236}">
+                    <a16:creationId xmlns:a16="http://schemas.microsoft.com/office/drawing/2014/main" id="{99A45594-992A-9194-B3C6-820486D9EB05}"/>
+                  </a:ext>
+                </a:extLst>
+              </p14:cNvPr>
+              <p14:cNvContentPartPr/>
+              <p14:nvPr/>
+            </p14:nvContentPartPr>
+            <p14:xfrm>
+              <a:off x="1356859" y="1677392"/>
+              <a:ext cx="6480000" cy="360"/>
+            </p14:xfrm>
+          </p:contentPart>
+        </mc:Choice>
+        <mc:Fallback>
+          <p:pic>
+            <p:nvPicPr>
+              <p:cNvPr id="4" name="잉크 3">
+                <a:extLst>
+                  <a:ext uri="{FF2B5EF4-FFF2-40B4-BE49-F238E27FC236}">
+                    <a16:creationId xmlns:a16="http://schemas.microsoft.com/office/drawing/2014/main" id="{99A45594-992A-9194-B3C6-820486D9EB05}"/>
+                  </a:ext>
+                </a:extLst>
+              </p:cNvPr>
+              <p:cNvPicPr/>
+              <p:nvPr/>
+            </p:nvPicPr>
+            <p:blipFill>
+              <a:blip r:embed="rId7"/>
+              <a:stretch>
+                <a:fillRect/>
+              </a:stretch>
+            </p:blipFill>
+            <p:spPr>
+              <a:xfrm>
+                <a:off x="1284859" y="1533752"/>
+                <a:ext cx="6623640" cy="288000"/>
+              </a:xfrm>
+              <a:prstGeom prst="rect">
+                <a:avLst/>
+              </a:prstGeom>
+            </p:spPr>
+          </p:pic>
+        </mc:Fallback>
+      </mc:AlternateContent>
     </p:spTree>
     <p:extLst>
       <p:ext uri="{BB962C8B-B14F-4D97-AF65-F5344CB8AC3E}">
@@ -6856,7 +10456,7 @@
 </p:sld>
 </file>
 
-<file path=ppt/slides/slide7.xml><?xml version="1.0" encoding="utf-8"?>
+<file path=ppt/slides/slide9.xml><?xml version="1.0" encoding="utf-8"?>
 <p:sld xmlns:a="http://schemas.openxmlformats.org/drawingml/2006/main" xmlns:r="http://schemas.openxmlformats.org/officeDocument/2006/relationships" xmlns:p="http://schemas.openxmlformats.org/presentationml/2006/main">
   <p:cSld>
     <p:spTree>
@@ -6937,309 +10537,6 @@
     <p:extLst>
       <p:ext uri="{BB962C8B-B14F-4D97-AF65-F5344CB8AC3E}">
         <p14:creationId xmlns:p14="http://schemas.microsoft.com/office/powerpoint/2010/main" val="997873060"/>
-      </p:ext>
-    </p:extLst>
-  </p:cSld>
-  <p:clrMapOvr>
-    <a:masterClrMapping/>
-  </p:clrMapOvr>
-</p:sld>
-</file>
-
-<file path=ppt/slides/slide8.xml><?xml version="1.0" encoding="utf-8"?>
-<p:sld xmlns:a="http://schemas.openxmlformats.org/drawingml/2006/main" xmlns:r="http://schemas.openxmlformats.org/officeDocument/2006/relationships" xmlns:p="http://schemas.openxmlformats.org/presentationml/2006/main">
-  <p:cSld>
-    <p:spTree>
-      <p:nvGrpSpPr>
-        <p:cNvPr id="1" name=""/>
-        <p:cNvGrpSpPr/>
-        <p:nvPr/>
-      </p:nvGrpSpPr>
-      <p:grpSpPr>
-        <a:xfrm>
-          <a:off x="0" y="0"/>
-          <a:ext cx="0" cy="0"/>
-          <a:chOff x="0" y="0"/>
-          <a:chExt cx="0" cy="0"/>
-        </a:xfrm>
-      </p:grpSpPr>
-      <p:pic>
-        <p:nvPicPr>
-          <p:cNvPr id="5" name="그림 4">
-            <a:extLst>
-              <a:ext uri="{FF2B5EF4-FFF2-40B4-BE49-F238E27FC236}">
-                <a16:creationId xmlns:a16="http://schemas.microsoft.com/office/drawing/2014/main" id="{FD24944E-F582-991C-2FF9-FA7DEF33DA8C}"/>
-              </a:ext>
-            </a:extLst>
-          </p:cNvPr>
-          <p:cNvPicPr>
-            <a:picLocks noChangeAspect="1"/>
-          </p:cNvPicPr>
-          <p:nvPr/>
-        </p:nvPicPr>
-        <p:blipFill>
-          <a:blip r:embed="rId2"/>
-          <a:stretch>
-            <a:fillRect/>
-          </a:stretch>
-        </p:blipFill>
-        <p:spPr>
-          <a:xfrm>
-            <a:off x="444530" y="366922"/>
-            <a:ext cx="5515399" cy="6120537"/>
-          </a:xfrm>
-          <a:prstGeom prst="rect">
-            <a:avLst/>
-          </a:prstGeom>
-        </p:spPr>
-      </p:pic>
-      <p:sp>
-        <p:nvSpPr>
-          <p:cNvPr id="8" name="화살표: 오른쪽 7">
-            <a:extLst>
-              <a:ext uri="{FF2B5EF4-FFF2-40B4-BE49-F238E27FC236}">
-                <a16:creationId xmlns:a16="http://schemas.microsoft.com/office/drawing/2014/main" id="{22315901-2B6F-2D15-F8FC-F7E8317D08B0}"/>
-              </a:ext>
-            </a:extLst>
-          </p:cNvPr>
-          <p:cNvSpPr/>
-          <p:nvPr/>
-        </p:nvSpPr>
-        <p:spPr>
-          <a:xfrm>
-            <a:off x="5225143" y="1600200"/>
-            <a:ext cx="734786" cy="457200"/>
-          </a:xfrm>
-          <a:prstGeom prst="rightArrow">
-            <a:avLst/>
-          </a:prstGeom>
-        </p:spPr>
-        <p:style>
-          <a:lnRef idx="2">
-            <a:schemeClr val="accent1">
-              <a:shade val="50000"/>
-            </a:schemeClr>
-          </a:lnRef>
-          <a:fillRef idx="1">
-            <a:schemeClr val="accent1"/>
-          </a:fillRef>
-          <a:effectRef idx="0">
-            <a:schemeClr val="accent1"/>
-          </a:effectRef>
-          <a:fontRef idx="minor">
-            <a:schemeClr val="lt1"/>
-          </a:fontRef>
-        </p:style>
-        <p:txBody>
-          <a:bodyPr rtlCol="0" anchor="ctr"/>
-          <a:lstStyle/>
-          <a:p>
-            <a:pPr algn="ctr"/>
-            <a:endParaRPr lang="ko-KR" altLang="en-US"/>
-          </a:p>
-        </p:txBody>
-      </p:sp>
-      <p:sp>
-        <p:nvSpPr>
-          <p:cNvPr id="13" name="사각형: 둥근 모서리 12">
-            <a:extLst>
-              <a:ext uri="{FF2B5EF4-FFF2-40B4-BE49-F238E27FC236}">
-                <a16:creationId xmlns:a16="http://schemas.microsoft.com/office/drawing/2014/main" id="{474F4D49-A0A0-B7F4-35F7-0E83EB3C4F0F}"/>
-              </a:ext>
-            </a:extLst>
-          </p:cNvPr>
-          <p:cNvSpPr/>
-          <p:nvPr/>
-        </p:nvSpPr>
-        <p:spPr>
-          <a:xfrm>
-            <a:off x="244929" y="1061357"/>
-            <a:ext cx="4708070" cy="1583872"/>
-          </a:xfrm>
-          <a:prstGeom prst="roundRect">
-            <a:avLst/>
-          </a:prstGeom>
-          <a:noFill/>
-        </p:spPr>
-        <p:style>
-          <a:lnRef idx="2">
-            <a:schemeClr val="accent1">
-              <a:shade val="50000"/>
-            </a:schemeClr>
-          </a:lnRef>
-          <a:fillRef idx="1">
-            <a:schemeClr val="accent1"/>
-          </a:fillRef>
-          <a:effectRef idx="0">
-            <a:schemeClr val="accent1"/>
-          </a:effectRef>
-          <a:fontRef idx="minor">
-            <a:schemeClr val="lt1"/>
-          </a:fontRef>
-        </p:style>
-        <p:txBody>
-          <a:bodyPr rtlCol="0" anchor="ctr"/>
-          <a:lstStyle/>
-          <a:p>
-            <a:pPr algn="ctr"/>
-            <a:endParaRPr lang="ko-KR" altLang="en-US"/>
-          </a:p>
-        </p:txBody>
-      </p:sp>
-      <p:pic>
-        <p:nvPicPr>
-          <p:cNvPr id="17" name="그림 16">
-            <a:extLst>
-              <a:ext uri="{FF2B5EF4-FFF2-40B4-BE49-F238E27FC236}">
-                <a16:creationId xmlns:a16="http://schemas.microsoft.com/office/drawing/2014/main" id="{F2D07696-F08F-98A5-4232-6D1AC8CA48A2}"/>
-              </a:ext>
-            </a:extLst>
-          </p:cNvPr>
-          <p:cNvPicPr>
-            <a:picLocks noChangeAspect="1"/>
-          </p:cNvPicPr>
-          <p:nvPr/>
-        </p:nvPicPr>
-        <p:blipFill>
-          <a:blip r:embed="rId3"/>
-          <a:stretch>
-            <a:fillRect/>
-          </a:stretch>
-        </p:blipFill>
-        <p:spPr>
-          <a:xfrm>
-            <a:off x="6159529" y="366922"/>
-            <a:ext cx="5389307" cy="3882195"/>
-          </a:xfrm>
-          <a:prstGeom prst="rect">
-            <a:avLst/>
-          </a:prstGeom>
-        </p:spPr>
-      </p:pic>
-      <p:pic>
-        <p:nvPicPr>
-          <p:cNvPr id="19" name="그림 18">
-            <a:extLst>
-              <a:ext uri="{FF2B5EF4-FFF2-40B4-BE49-F238E27FC236}">
-                <a16:creationId xmlns:a16="http://schemas.microsoft.com/office/drawing/2014/main" id="{D6FADE67-6797-C4A7-E76D-9CC989CB765F}"/>
-              </a:ext>
-            </a:extLst>
-          </p:cNvPr>
-          <p:cNvPicPr>
-            <a:picLocks noChangeAspect="1"/>
-          </p:cNvPicPr>
-          <p:nvPr/>
-        </p:nvPicPr>
-        <p:blipFill>
-          <a:blip r:embed="rId4"/>
-          <a:stretch>
-            <a:fillRect/>
-          </a:stretch>
-        </p:blipFill>
-        <p:spPr>
-          <a:xfrm>
-            <a:off x="8314805" y="4357540"/>
-            <a:ext cx="3234031" cy="2129919"/>
-          </a:xfrm>
-          <a:prstGeom prst="rect">
-            <a:avLst/>
-          </a:prstGeom>
-        </p:spPr>
-      </p:pic>
-    </p:spTree>
-    <p:extLst>
-      <p:ext uri="{BB962C8B-B14F-4D97-AF65-F5344CB8AC3E}">
-        <p14:creationId xmlns:p14="http://schemas.microsoft.com/office/powerpoint/2010/main" val="1941100395"/>
-      </p:ext>
-    </p:extLst>
-  </p:cSld>
-  <p:clrMapOvr>
-    <a:masterClrMapping/>
-  </p:clrMapOvr>
-</p:sld>
-</file>
-
-<file path=ppt/slides/slide9.xml><?xml version="1.0" encoding="utf-8"?>
-<p:sld xmlns:a="http://schemas.openxmlformats.org/drawingml/2006/main" xmlns:r="http://schemas.openxmlformats.org/officeDocument/2006/relationships" xmlns:p="http://schemas.openxmlformats.org/presentationml/2006/main">
-  <p:cSld>
-    <p:spTree>
-      <p:nvGrpSpPr>
-        <p:cNvPr id="1" name=""/>
-        <p:cNvGrpSpPr/>
-        <p:nvPr/>
-      </p:nvGrpSpPr>
-      <p:grpSpPr>
-        <a:xfrm>
-          <a:off x="0" y="0"/>
-          <a:ext cx="0" cy="0"/>
-          <a:chOff x="0" y="0"/>
-          <a:chExt cx="0" cy="0"/>
-        </a:xfrm>
-      </p:grpSpPr>
-      <p:pic>
-        <p:nvPicPr>
-          <p:cNvPr id="3" name="그림 2">
-            <a:extLst>
-              <a:ext uri="{FF2B5EF4-FFF2-40B4-BE49-F238E27FC236}">
-                <a16:creationId xmlns:a16="http://schemas.microsoft.com/office/drawing/2014/main" id="{6867A092-2181-C767-138D-C8DD25102473}"/>
-              </a:ext>
-            </a:extLst>
-          </p:cNvPr>
-          <p:cNvPicPr>
-            <a:picLocks noChangeAspect="1"/>
-          </p:cNvPicPr>
-          <p:nvPr/>
-        </p:nvPicPr>
-        <p:blipFill>
-          <a:blip r:embed="rId2"/>
-          <a:stretch>
-            <a:fillRect/>
-          </a:stretch>
-        </p:blipFill>
-        <p:spPr>
-          <a:xfrm>
-            <a:off x="358421" y="440472"/>
-            <a:ext cx="6189336" cy="6107898"/>
-          </a:xfrm>
-          <a:prstGeom prst="rect">
-            <a:avLst/>
-          </a:prstGeom>
-        </p:spPr>
-      </p:pic>
-      <p:pic>
-        <p:nvPicPr>
-          <p:cNvPr id="5" name="그림 4">
-            <a:extLst>
-              <a:ext uri="{FF2B5EF4-FFF2-40B4-BE49-F238E27FC236}">
-                <a16:creationId xmlns:a16="http://schemas.microsoft.com/office/drawing/2014/main" id="{A3DA5E39-380F-6CBE-FC06-1DDAC7869253}"/>
-              </a:ext>
-            </a:extLst>
-          </p:cNvPr>
-          <p:cNvPicPr>
-            <a:picLocks noChangeAspect="1"/>
-          </p:cNvPicPr>
-          <p:nvPr/>
-        </p:nvPicPr>
-        <p:blipFill>
-          <a:blip r:embed="rId3"/>
-          <a:stretch>
-            <a:fillRect/>
-          </a:stretch>
-        </p:blipFill>
-        <p:spPr>
-          <a:xfrm>
-            <a:off x="7411716" y="2728862"/>
-            <a:ext cx="4421863" cy="2335492"/>
-          </a:xfrm>
-          <a:prstGeom prst="rect">
-            <a:avLst/>
-          </a:prstGeom>
-        </p:spPr>
-      </p:pic>
-    </p:spTree>
-    <p:extLst>
-      <p:ext uri="{BB962C8B-B14F-4D97-AF65-F5344CB8AC3E}">
-        <p14:creationId xmlns:p14="http://schemas.microsoft.com/office/powerpoint/2010/main" val="1629726145"/>
       </p:ext>
     </p:extLst>
   </p:cSld>

--- a/Python과제/Python_8강.pptx
+++ b/Python과제/Python_8강.pptx
@@ -5395,8 +5395,8 @@
           </a:prstGeom>
         </p:spPr>
       </p:pic>
-      <mc:AlternateContent xmlns:mc="http://schemas.openxmlformats.org/markup-compatibility/2006">
-        <mc:Choice xmlns:p14="http://schemas.microsoft.com/office/powerpoint/2010/main" Requires="p14">
+      <mc:AlternateContent xmlns:mc="http://schemas.openxmlformats.org/markup-compatibility/2006" xmlns:p14="http://schemas.microsoft.com/office/powerpoint/2010/main">
+        <mc:Choice Requires="p14">
           <p:contentPart p14:bwMode="auto" r:id="rId4">
             <p14:nvContentPartPr>
               <p14:cNvPr id="2" name="잉크 1">
@@ -5415,7 +5415,7 @@
             </p14:xfrm>
           </p:contentPart>
         </mc:Choice>
-        <mc:Fallback>
+        <mc:Fallback xmlns="">
           <p:pic>
             <p:nvPicPr>
               <p:cNvPr id="2" name="잉크 1">
@@ -5446,8 +5446,8 @@
           </p:pic>
         </mc:Fallback>
       </mc:AlternateContent>
-      <mc:AlternateContent xmlns:mc="http://schemas.openxmlformats.org/markup-compatibility/2006">
-        <mc:Choice xmlns:p14="http://schemas.microsoft.com/office/powerpoint/2010/main" Requires="p14">
+      <mc:AlternateContent xmlns:mc="http://schemas.openxmlformats.org/markup-compatibility/2006" xmlns:p14="http://schemas.microsoft.com/office/powerpoint/2010/main">
+        <mc:Choice Requires="p14">
           <p:contentPart p14:bwMode="auto" r:id="rId6">
             <p14:nvContentPartPr>
               <p14:cNvPr id="11" name="잉크 10">
@@ -5466,7 +5466,7 @@
             </p14:xfrm>
           </p:contentPart>
         </mc:Choice>
-        <mc:Fallback>
+        <mc:Fallback xmlns="">
           <p:pic>
             <p:nvPicPr>
               <p:cNvPr id="11" name="잉크 10">
@@ -5497,8 +5497,8 @@
           </p:pic>
         </mc:Fallback>
       </mc:AlternateContent>
-      <mc:AlternateContent xmlns:mc="http://schemas.openxmlformats.org/markup-compatibility/2006">
-        <mc:Choice xmlns:p14="http://schemas.microsoft.com/office/powerpoint/2010/main" Requires="p14">
+      <mc:AlternateContent xmlns:mc="http://schemas.openxmlformats.org/markup-compatibility/2006" xmlns:p14="http://schemas.microsoft.com/office/powerpoint/2010/main">
+        <mc:Choice Requires="p14">
           <p:contentPart p14:bwMode="auto" r:id="rId8">
             <p14:nvContentPartPr>
               <p14:cNvPr id="12" name="잉크 11">
@@ -5517,7 +5517,7 @@
             </p14:xfrm>
           </p:contentPart>
         </mc:Choice>
-        <mc:Fallback>
+        <mc:Fallback xmlns="">
           <p:pic>
             <p:nvPicPr>
               <p:cNvPr id="12" name="잉크 11">
@@ -5548,8 +5548,8 @@
           </p:pic>
         </mc:Fallback>
       </mc:AlternateContent>
-      <mc:AlternateContent xmlns:mc="http://schemas.openxmlformats.org/markup-compatibility/2006">
-        <mc:Choice xmlns:p14="http://schemas.microsoft.com/office/powerpoint/2010/main" Requires="p14">
+      <mc:AlternateContent xmlns:mc="http://schemas.openxmlformats.org/markup-compatibility/2006" xmlns:p14="http://schemas.microsoft.com/office/powerpoint/2010/main">
+        <mc:Choice Requires="p14">
           <p:contentPart p14:bwMode="auto" r:id="rId10">
             <p14:nvContentPartPr>
               <p14:cNvPr id="13" name="잉크 12">
@@ -5568,7 +5568,7 @@
             </p14:xfrm>
           </p:contentPart>
         </mc:Choice>
-        <mc:Fallback>
+        <mc:Fallback xmlns="">
           <p:pic>
             <p:nvPicPr>
               <p:cNvPr id="13" name="잉크 12">
@@ -5599,8 +5599,8 @@
           </p:pic>
         </mc:Fallback>
       </mc:AlternateContent>
-      <mc:AlternateContent xmlns:mc="http://schemas.openxmlformats.org/markup-compatibility/2006">
-        <mc:Choice xmlns:p14="http://schemas.microsoft.com/office/powerpoint/2010/main" Requires="p14">
+      <mc:AlternateContent xmlns:mc="http://schemas.openxmlformats.org/markup-compatibility/2006" xmlns:p14="http://schemas.microsoft.com/office/powerpoint/2010/main">
+        <mc:Choice Requires="p14">
           <p:contentPart p14:bwMode="auto" r:id="rId12">
             <p14:nvContentPartPr>
               <p14:cNvPr id="14" name="잉크 13">
@@ -5619,7 +5619,7 @@
             </p14:xfrm>
           </p:contentPart>
         </mc:Choice>
-        <mc:Fallback>
+        <mc:Fallback xmlns="">
           <p:pic>
             <p:nvPicPr>
               <p:cNvPr id="14" name="잉크 13">
@@ -5740,8 +5740,8 @@
           </a:prstGeom>
         </p:spPr>
       </p:pic>
-      <mc:AlternateContent xmlns:mc="http://schemas.openxmlformats.org/markup-compatibility/2006">
-        <mc:Choice xmlns:p14="http://schemas.microsoft.com/office/powerpoint/2010/main" Requires="p14">
+      <mc:AlternateContent xmlns:mc="http://schemas.openxmlformats.org/markup-compatibility/2006" xmlns:p14="http://schemas.microsoft.com/office/powerpoint/2010/main">
+        <mc:Choice Requires="p14">
           <p:contentPart p14:bwMode="auto" r:id="rId4">
             <p14:nvContentPartPr>
               <p14:cNvPr id="2" name="잉크 1">
@@ -5760,7 +5760,7 @@
             </p14:xfrm>
           </p:contentPart>
         </mc:Choice>
-        <mc:Fallback>
+        <mc:Fallback xmlns="">
           <p:pic>
             <p:nvPicPr>
               <p:cNvPr id="2" name="잉크 1">
@@ -5881,8 +5881,8 @@
           </a:prstGeom>
         </p:spPr>
       </p:pic>
-      <mc:AlternateContent xmlns:mc="http://schemas.openxmlformats.org/markup-compatibility/2006">
-        <mc:Choice xmlns:p14="http://schemas.microsoft.com/office/powerpoint/2010/main" Requires="p14">
+      <mc:AlternateContent xmlns:mc="http://schemas.openxmlformats.org/markup-compatibility/2006" xmlns:p14="http://schemas.microsoft.com/office/powerpoint/2010/main">
+        <mc:Choice Requires="p14">
           <p:contentPart p14:bwMode="auto" r:id="rId4">
             <p14:nvContentPartPr>
               <p14:cNvPr id="2" name="잉크 1">
@@ -5901,7 +5901,7 @@
             </p14:xfrm>
           </p:contentPart>
         </mc:Choice>
-        <mc:Fallback>
+        <mc:Fallback xmlns="">
           <p:pic>
             <p:nvPicPr>
               <p:cNvPr id="2" name="잉크 1">
@@ -6022,8 +6022,8 @@
           </a:prstGeom>
         </p:spPr>
       </p:pic>
-      <mc:AlternateContent xmlns:mc="http://schemas.openxmlformats.org/markup-compatibility/2006">
-        <mc:Choice xmlns:p14="http://schemas.microsoft.com/office/powerpoint/2010/main" Requires="p14">
+      <mc:AlternateContent xmlns:mc="http://schemas.openxmlformats.org/markup-compatibility/2006" xmlns:p14="http://schemas.microsoft.com/office/powerpoint/2010/main">
+        <mc:Choice Requires="p14">
           <p:contentPart p14:bwMode="auto" r:id="rId4">
             <p14:nvContentPartPr>
               <p14:cNvPr id="2" name="잉크 1">
@@ -6042,7 +6042,7 @@
             </p14:xfrm>
           </p:contentPart>
         </mc:Choice>
-        <mc:Fallback>
+        <mc:Fallback xmlns="">
           <p:pic>
             <p:nvPicPr>
               <p:cNvPr id="2" name="잉크 1">
@@ -6073,8 +6073,8 @@
           </p:pic>
         </mc:Fallback>
       </mc:AlternateContent>
-      <mc:AlternateContent xmlns:mc="http://schemas.openxmlformats.org/markup-compatibility/2006">
-        <mc:Choice xmlns:p14="http://schemas.microsoft.com/office/powerpoint/2010/main" Requires="p14">
+      <mc:AlternateContent xmlns:mc="http://schemas.openxmlformats.org/markup-compatibility/2006" xmlns:p14="http://schemas.microsoft.com/office/powerpoint/2010/main">
+        <mc:Choice Requires="p14">
           <p:contentPart p14:bwMode="auto" r:id="rId6">
             <p14:nvContentPartPr>
               <p14:cNvPr id="4" name="잉크 3">
@@ -6093,7 +6093,7 @@
             </p14:xfrm>
           </p:contentPart>
         </mc:Choice>
-        <mc:Fallback>
+        <mc:Fallback xmlns="">
           <p:pic>
             <p:nvPicPr>
               <p:cNvPr id="4" name="잉크 3">
@@ -6214,8 +6214,8 @@
           </a:prstGeom>
         </p:spPr>
       </p:pic>
-      <mc:AlternateContent xmlns:mc="http://schemas.openxmlformats.org/markup-compatibility/2006">
-        <mc:Choice xmlns:p14="http://schemas.microsoft.com/office/powerpoint/2010/main" Requires="p14">
+      <mc:AlternateContent xmlns:mc="http://schemas.openxmlformats.org/markup-compatibility/2006" xmlns:p14="http://schemas.microsoft.com/office/powerpoint/2010/main">
+        <mc:Choice Requires="p14">
           <p:contentPart p14:bwMode="auto" r:id="rId4">
             <p14:nvContentPartPr>
               <p14:cNvPr id="2" name="잉크 1">
@@ -6234,7 +6234,7 @@
             </p14:xfrm>
           </p:contentPart>
         </mc:Choice>
-        <mc:Fallback>
+        <mc:Fallback xmlns="">
           <p:pic>
             <p:nvPicPr>
               <p:cNvPr id="2" name="잉크 1">
@@ -6355,8 +6355,8 @@
           </a:prstGeom>
         </p:spPr>
       </p:pic>
-      <mc:AlternateContent xmlns:mc="http://schemas.openxmlformats.org/markup-compatibility/2006">
-        <mc:Choice xmlns:p14="http://schemas.microsoft.com/office/powerpoint/2010/main" Requires="p14">
+      <mc:AlternateContent xmlns:mc="http://schemas.openxmlformats.org/markup-compatibility/2006" xmlns:p14="http://schemas.microsoft.com/office/powerpoint/2010/main">
+        <mc:Choice Requires="p14">
           <p:contentPart p14:bwMode="auto" r:id="rId4">
             <p14:nvContentPartPr>
               <p14:cNvPr id="2" name="잉크 1">
@@ -6375,7 +6375,7 @@
             </p14:xfrm>
           </p:contentPart>
         </mc:Choice>
-        <mc:Fallback>
+        <mc:Fallback xmlns="">
           <p:pic>
             <p:nvPicPr>
               <p:cNvPr id="2" name="잉크 1">
@@ -6406,8 +6406,8 @@
           </p:pic>
         </mc:Fallback>
       </mc:AlternateContent>
-      <mc:AlternateContent xmlns:mc="http://schemas.openxmlformats.org/markup-compatibility/2006">
-        <mc:Choice xmlns:p14="http://schemas.microsoft.com/office/powerpoint/2010/main" Requires="p14">
+      <mc:AlternateContent xmlns:mc="http://schemas.openxmlformats.org/markup-compatibility/2006" xmlns:p14="http://schemas.microsoft.com/office/powerpoint/2010/main">
+        <mc:Choice Requires="p14">
           <p:contentPart p14:bwMode="auto" r:id="rId6">
             <p14:nvContentPartPr>
               <p14:cNvPr id="4" name="잉크 3">
@@ -6426,7 +6426,7 @@
             </p14:xfrm>
           </p:contentPart>
         </mc:Choice>
-        <mc:Fallback>
+        <mc:Fallback xmlns="">
           <p:pic>
             <p:nvPicPr>
               <p:cNvPr id="4" name="잉크 3">
@@ -6457,8 +6457,8 @@
           </p:pic>
         </mc:Fallback>
       </mc:AlternateContent>
-      <mc:AlternateContent xmlns:mc="http://schemas.openxmlformats.org/markup-compatibility/2006">
-        <mc:Choice xmlns:p14="http://schemas.microsoft.com/office/powerpoint/2010/main" Requires="p14">
+      <mc:AlternateContent xmlns:mc="http://schemas.openxmlformats.org/markup-compatibility/2006" xmlns:p14="http://schemas.microsoft.com/office/powerpoint/2010/main">
+        <mc:Choice Requires="p14">
           <p:contentPart p14:bwMode="auto" r:id="rId8">
             <p14:nvContentPartPr>
               <p14:cNvPr id="7" name="잉크 6">
@@ -6477,7 +6477,7 @@
             </p14:xfrm>
           </p:contentPart>
         </mc:Choice>
-        <mc:Fallback>
+        <mc:Fallback xmlns="">
           <p:pic>
             <p:nvPicPr>
               <p:cNvPr id="7" name="잉크 6">
@@ -6598,8 +6598,8 @@
           </a:prstGeom>
         </p:spPr>
       </p:pic>
-      <mc:AlternateContent xmlns:mc="http://schemas.openxmlformats.org/markup-compatibility/2006">
-        <mc:Choice xmlns:p14="http://schemas.microsoft.com/office/powerpoint/2010/main" Requires="p14">
+      <mc:AlternateContent xmlns:mc="http://schemas.openxmlformats.org/markup-compatibility/2006" xmlns:p14="http://schemas.microsoft.com/office/powerpoint/2010/main">
+        <mc:Choice Requires="p14">
           <p:contentPart p14:bwMode="auto" r:id="rId4">
             <p14:nvContentPartPr>
               <p14:cNvPr id="2" name="잉크 1">
@@ -6618,7 +6618,7 @@
             </p14:xfrm>
           </p:contentPart>
         </mc:Choice>
-        <mc:Fallback>
+        <mc:Fallback xmlns="">
           <p:pic>
             <p:nvPicPr>
               <p:cNvPr id="2" name="잉크 1">
@@ -6649,8 +6649,8 @@
           </p:pic>
         </mc:Fallback>
       </mc:AlternateContent>
-      <mc:AlternateContent xmlns:mc="http://schemas.openxmlformats.org/markup-compatibility/2006">
-        <mc:Choice xmlns:p14="http://schemas.microsoft.com/office/powerpoint/2010/main" Requires="p14">
+      <mc:AlternateContent xmlns:mc="http://schemas.openxmlformats.org/markup-compatibility/2006" xmlns:p14="http://schemas.microsoft.com/office/powerpoint/2010/main">
+        <mc:Choice Requires="p14">
           <p:contentPart p14:bwMode="auto" r:id="rId6">
             <p14:nvContentPartPr>
               <p14:cNvPr id="4" name="잉크 3">
@@ -6669,7 +6669,7 @@
             </p14:xfrm>
           </p:contentPart>
         </mc:Choice>
-        <mc:Fallback>
+        <mc:Fallback xmlns="">
           <p:pic>
             <p:nvPicPr>
               <p:cNvPr id="4" name="잉크 3">
@@ -6700,8 +6700,8 @@
           </p:pic>
         </mc:Fallback>
       </mc:AlternateContent>
-      <mc:AlternateContent xmlns:mc="http://schemas.openxmlformats.org/markup-compatibility/2006">
-        <mc:Choice xmlns:p14="http://schemas.microsoft.com/office/powerpoint/2010/main" Requires="p14">
+      <mc:AlternateContent xmlns:mc="http://schemas.openxmlformats.org/markup-compatibility/2006" xmlns:p14="http://schemas.microsoft.com/office/powerpoint/2010/main">
+        <mc:Choice Requires="p14">
           <p:contentPart p14:bwMode="auto" r:id="rId8">
             <p14:nvContentPartPr>
               <p14:cNvPr id="6" name="잉크 5">
@@ -6720,7 +6720,7 @@
             </p14:xfrm>
           </p:contentPart>
         </mc:Choice>
-        <mc:Fallback>
+        <mc:Fallback xmlns="">
           <p:pic>
             <p:nvPicPr>
               <p:cNvPr id="6" name="잉크 5">
@@ -7053,8 +7053,8 @@
           </a:prstGeom>
         </p:spPr>
       </p:pic>
-      <mc:AlternateContent xmlns:mc="http://schemas.openxmlformats.org/markup-compatibility/2006">
-        <mc:Choice xmlns:p14="http://schemas.microsoft.com/office/powerpoint/2010/main" Requires="p14">
+      <mc:AlternateContent xmlns:mc="http://schemas.openxmlformats.org/markup-compatibility/2006" xmlns:p14="http://schemas.microsoft.com/office/powerpoint/2010/main">
+        <mc:Choice Requires="p14">
           <p:contentPart p14:bwMode="auto" r:id="rId4">
             <p14:nvContentPartPr>
               <p14:cNvPr id="8" name="잉크 7">
@@ -7073,7 +7073,7 @@
             </p14:xfrm>
           </p:contentPart>
         </mc:Choice>
-        <mc:Fallback>
+        <mc:Fallback xmlns="">
           <p:pic>
             <p:nvPicPr>
               <p:cNvPr id="8" name="잉크 7">
@@ -7194,8 +7194,8 @@
           </a:prstGeom>
         </p:spPr>
       </p:pic>
-      <mc:AlternateContent xmlns:mc="http://schemas.openxmlformats.org/markup-compatibility/2006">
-        <mc:Choice xmlns:p14="http://schemas.microsoft.com/office/powerpoint/2010/main" Requires="p14">
+      <mc:AlternateContent xmlns:mc="http://schemas.openxmlformats.org/markup-compatibility/2006" xmlns:p14="http://schemas.microsoft.com/office/powerpoint/2010/main">
+        <mc:Choice Requires="p14">
           <p:contentPart p14:bwMode="auto" r:id="rId4">
             <p14:nvContentPartPr>
               <p14:cNvPr id="6" name="잉크 5">
@@ -7214,7 +7214,7 @@
             </p14:xfrm>
           </p:contentPart>
         </mc:Choice>
-        <mc:Fallback>
+        <mc:Fallback xmlns="">
           <p:pic>
             <p:nvPicPr>
               <p:cNvPr id="6" name="잉크 5">
@@ -7245,8 +7245,8 @@
           </p:pic>
         </mc:Fallback>
       </mc:AlternateContent>
-      <mc:AlternateContent xmlns:mc="http://schemas.openxmlformats.org/markup-compatibility/2006">
-        <mc:Choice xmlns:p14="http://schemas.microsoft.com/office/powerpoint/2010/main" Requires="p14">
+      <mc:AlternateContent xmlns:mc="http://schemas.openxmlformats.org/markup-compatibility/2006" xmlns:p14="http://schemas.microsoft.com/office/powerpoint/2010/main">
+        <mc:Choice Requires="p14">
           <p:contentPart p14:bwMode="auto" r:id="rId6">
             <p14:nvContentPartPr>
               <p14:cNvPr id="9" name="잉크 8">
@@ -7265,7 +7265,7 @@
             </p14:xfrm>
           </p:contentPart>
         </mc:Choice>
-        <mc:Fallback>
+        <mc:Fallback xmlns="">
           <p:pic>
             <p:nvPicPr>
               <p:cNvPr id="9" name="잉크 8">
@@ -7386,8 +7386,8 @@
           </a:prstGeom>
         </p:spPr>
       </p:pic>
-      <mc:AlternateContent xmlns:mc="http://schemas.openxmlformats.org/markup-compatibility/2006">
-        <mc:Choice xmlns:p14="http://schemas.microsoft.com/office/powerpoint/2010/main" Requires="p14">
+      <mc:AlternateContent xmlns:mc="http://schemas.openxmlformats.org/markup-compatibility/2006" xmlns:p14="http://schemas.microsoft.com/office/powerpoint/2010/main">
+        <mc:Choice Requires="p14">
           <p:contentPart p14:bwMode="auto" r:id="rId4">
             <p14:nvContentPartPr>
               <p14:cNvPr id="2" name="잉크 1">
@@ -7406,7 +7406,7 @@
             </p14:xfrm>
           </p:contentPart>
         </mc:Choice>
-        <mc:Fallback>
+        <mc:Fallback xmlns="">
           <p:pic>
             <p:nvPicPr>
               <p:cNvPr id="2" name="잉크 1">
@@ -7437,8 +7437,8 @@
           </p:pic>
         </mc:Fallback>
       </mc:AlternateContent>
-      <mc:AlternateContent xmlns:mc="http://schemas.openxmlformats.org/markup-compatibility/2006">
-        <mc:Choice xmlns:p14="http://schemas.microsoft.com/office/powerpoint/2010/main" Requires="p14">
+      <mc:AlternateContent xmlns:mc="http://schemas.openxmlformats.org/markup-compatibility/2006" xmlns:p14="http://schemas.microsoft.com/office/powerpoint/2010/main">
+        <mc:Choice Requires="p14">
           <p:contentPart p14:bwMode="auto" r:id="rId6">
             <p14:nvContentPartPr>
               <p14:cNvPr id="4" name="잉크 3">
@@ -7457,7 +7457,7 @@
             </p14:xfrm>
           </p:contentPart>
         </mc:Choice>
-        <mc:Fallback>
+        <mc:Fallback xmlns="">
           <p:pic>
             <p:nvPicPr>
               <p:cNvPr id="4" name="잉크 3">
@@ -7488,8 +7488,8 @@
           </p:pic>
         </mc:Fallback>
       </mc:AlternateContent>
-      <mc:AlternateContent xmlns:mc="http://schemas.openxmlformats.org/markup-compatibility/2006">
-        <mc:Choice xmlns:p14="http://schemas.microsoft.com/office/powerpoint/2010/main" Requires="p14">
+      <mc:AlternateContent xmlns:mc="http://schemas.openxmlformats.org/markup-compatibility/2006" xmlns:p14="http://schemas.microsoft.com/office/powerpoint/2010/main">
+        <mc:Choice Requires="p14">
           <p:contentPart p14:bwMode="auto" r:id="rId8">
             <p14:nvContentPartPr>
               <p14:cNvPr id="7" name="잉크 6">
@@ -7508,7 +7508,7 @@
             </p14:xfrm>
           </p:contentPart>
         </mc:Choice>
-        <mc:Fallback>
+        <mc:Fallback xmlns="">
           <p:pic>
             <p:nvPicPr>
               <p:cNvPr id="7" name="잉크 6">
@@ -7629,8 +7629,8 @@
           </a:prstGeom>
         </p:spPr>
       </p:pic>
-      <mc:AlternateContent xmlns:mc="http://schemas.openxmlformats.org/markup-compatibility/2006">
-        <mc:Choice xmlns:p14="http://schemas.microsoft.com/office/powerpoint/2010/main" Requires="p14">
+      <mc:AlternateContent xmlns:mc="http://schemas.openxmlformats.org/markup-compatibility/2006" xmlns:p14="http://schemas.microsoft.com/office/powerpoint/2010/main">
+        <mc:Choice Requires="p14">
           <p:contentPart p14:bwMode="auto" r:id="rId4">
             <p14:nvContentPartPr>
               <p14:cNvPr id="2" name="잉크 1">
@@ -7649,7 +7649,7 @@
             </p14:xfrm>
           </p:contentPart>
         </mc:Choice>
-        <mc:Fallback>
+        <mc:Fallback xmlns="">
           <p:pic>
             <p:nvPicPr>
               <p:cNvPr id="2" name="잉크 1">
@@ -7680,8 +7680,8 @@
           </p:pic>
         </mc:Fallback>
       </mc:AlternateContent>
-      <mc:AlternateContent xmlns:mc="http://schemas.openxmlformats.org/markup-compatibility/2006">
-        <mc:Choice xmlns:p14="http://schemas.microsoft.com/office/powerpoint/2010/main" Requires="p14">
+      <mc:AlternateContent xmlns:mc="http://schemas.openxmlformats.org/markup-compatibility/2006" xmlns:p14="http://schemas.microsoft.com/office/powerpoint/2010/main">
+        <mc:Choice Requires="p14">
           <p:contentPart p14:bwMode="auto" r:id="rId6">
             <p14:nvContentPartPr>
               <p14:cNvPr id="4" name="잉크 3">
@@ -7700,7 +7700,7 @@
             </p14:xfrm>
           </p:contentPart>
         </mc:Choice>
-        <mc:Fallback>
+        <mc:Fallback xmlns="">
           <p:pic>
             <p:nvPicPr>
               <p:cNvPr id="4" name="잉크 3">
@@ -7821,8 +7821,8 @@
           </a:prstGeom>
         </p:spPr>
       </p:pic>
-      <mc:AlternateContent xmlns:mc="http://schemas.openxmlformats.org/markup-compatibility/2006">
-        <mc:Choice xmlns:p14="http://schemas.microsoft.com/office/powerpoint/2010/main" Requires="p14">
+      <mc:AlternateContent xmlns:mc="http://schemas.openxmlformats.org/markup-compatibility/2006" xmlns:p14="http://schemas.microsoft.com/office/powerpoint/2010/main">
+        <mc:Choice Requires="p14">
           <p:contentPart p14:bwMode="auto" r:id="rId4">
             <p14:nvContentPartPr>
               <p14:cNvPr id="4" name="잉크 3">
@@ -7841,7 +7841,7 @@
             </p14:xfrm>
           </p:contentPart>
         </mc:Choice>
-        <mc:Fallback>
+        <mc:Fallback xmlns="">
           <p:pic>
             <p:nvPicPr>
               <p:cNvPr id="4" name="잉크 3">
@@ -8186,8 +8186,8 @@
           </a:prstGeom>
         </p:spPr>
       </p:pic>
-      <mc:AlternateContent xmlns:mc="http://schemas.openxmlformats.org/markup-compatibility/2006">
-        <mc:Choice xmlns:p14="http://schemas.microsoft.com/office/powerpoint/2010/main" Requires="p14">
+      <mc:AlternateContent xmlns:mc="http://schemas.openxmlformats.org/markup-compatibility/2006" xmlns:p14="http://schemas.microsoft.com/office/powerpoint/2010/main">
+        <mc:Choice Requires="p14">
           <p:contentPart p14:bwMode="auto" r:id="rId4">
             <p14:nvContentPartPr>
               <p14:cNvPr id="5" name="잉크 4">
@@ -8206,7 +8206,7 @@
             </p14:xfrm>
           </p:contentPart>
         </mc:Choice>
-        <mc:Fallback>
+        <mc:Fallback xmlns="">
           <p:pic>
             <p:nvPicPr>
               <p:cNvPr id="5" name="잉크 4">
@@ -8237,8 +8237,8 @@
           </p:pic>
         </mc:Fallback>
       </mc:AlternateContent>
-      <mc:AlternateContent xmlns:mc="http://schemas.openxmlformats.org/markup-compatibility/2006">
-        <mc:Choice xmlns:p14="http://schemas.microsoft.com/office/powerpoint/2010/main" Requires="p14">
+      <mc:AlternateContent xmlns:mc="http://schemas.openxmlformats.org/markup-compatibility/2006" xmlns:p14="http://schemas.microsoft.com/office/powerpoint/2010/main">
+        <mc:Choice Requires="p14">
           <p:contentPart p14:bwMode="auto" r:id="rId6">
             <p14:nvContentPartPr>
               <p14:cNvPr id="6" name="잉크 5">
@@ -8257,7 +8257,7 @@
             </p14:xfrm>
           </p:contentPart>
         </mc:Choice>
-        <mc:Fallback>
+        <mc:Fallback xmlns="">
           <p:pic>
             <p:nvPicPr>
               <p:cNvPr id="6" name="잉크 5">
@@ -8288,8 +8288,8 @@
           </p:pic>
         </mc:Fallback>
       </mc:AlternateContent>
-      <mc:AlternateContent xmlns:mc="http://schemas.openxmlformats.org/markup-compatibility/2006">
-        <mc:Choice xmlns:p14="http://schemas.microsoft.com/office/powerpoint/2010/main" Requires="p14">
+      <mc:AlternateContent xmlns:mc="http://schemas.openxmlformats.org/markup-compatibility/2006" xmlns:p14="http://schemas.microsoft.com/office/powerpoint/2010/main">
+        <mc:Choice Requires="p14">
           <p:contentPart p14:bwMode="auto" r:id="rId8">
             <p14:nvContentPartPr>
               <p14:cNvPr id="8" name="잉크 7">
@@ -8308,7 +8308,7 @@
             </p14:xfrm>
           </p:contentPart>
         </mc:Choice>
-        <mc:Fallback>
+        <mc:Fallback xmlns="">
           <p:pic>
             <p:nvPicPr>
               <p:cNvPr id="8" name="잉크 7">
@@ -8429,8 +8429,8 @@
           </a:prstGeom>
         </p:spPr>
       </p:pic>
-      <mc:AlternateContent xmlns:mc="http://schemas.openxmlformats.org/markup-compatibility/2006">
-        <mc:Choice xmlns:p14="http://schemas.microsoft.com/office/powerpoint/2010/main" Requires="p14">
+      <mc:AlternateContent xmlns:mc="http://schemas.openxmlformats.org/markup-compatibility/2006" xmlns:p14="http://schemas.microsoft.com/office/powerpoint/2010/main">
+        <mc:Choice Requires="p14">
           <p:contentPart p14:bwMode="auto" r:id="rId4">
             <p14:nvContentPartPr>
               <p14:cNvPr id="2" name="잉크 1">
@@ -8449,7 +8449,7 @@
             </p14:xfrm>
           </p:contentPart>
         </mc:Choice>
-        <mc:Fallback>
+        <mc:Fallback xmlns="">
           <p:pic>
             <p:nvPicPr>
               <p:cNvPr id="2" name="잉크 1">
@@ -8570,8 +8570,8 @@
           </a:prstGeom>
         </p:spPr>
       </p:pic>
-      <mc:AlternateContent xmlns:mc="http://schemas.openxmlformats.org/markup-compatibility/2006">
-        <mc:Choice xmlns:p14="http://schemas.microsoft.com/office/powerpoint/2010/main" Requires="p14">
+      <mc:AlternateContent xmlns:mc="http://schemas.openxmlformats.org/markup-compatibility/2006" xmlns:p14="http://schemas.microsoft.com/office/powerpoint/2010/main">
+        <mc:Choice Requires="p14">
           <p:contentPart p14:bwMode="auto" r:id="rId4">
             <p14:nvContentPartPr>
               <p14:cNvPr id="2" name="잉크 1">
@@ -8590,7 +8590,7 @@
             </p14:xfrm>
           </p:contentPart>
         </mc:Choice>
-        <mc:Fallback>
+        <mc:Fallback xmlns="">
           <p:pic>
             <p:nvPicPr>
               <p:cNvPr id="2" name="잉크 1">
@@ -8843,10 +8843,10 @@
       </p:grpSpPr>
       <p:pic>
         <p:nvPicPr>
-          <p:cNvPr id="3" name="그림 2">
+          <p:cNvPr id="4" name="그림 3">
             <a:extLst>
               <a:ext uri="{FF2B5EF4-FFF2-40B4-BE49-F238E27FC236}">
-                <a16:creationId xmlns:a16="http://schemas.microsoft.com/office/drawing/2014/main" id="{D6BAC33F-1607-C6AD-CA03-D4FE08C6BD0F}"/>
+                <a16:creationId xmlns:a16="http://schemas.microsoft.com/office/drawing/2014/main" id="{0BF8AF78-F15D-591E-2C38-B0460CFAE466}"/>
               </a:ext>
             </a:extLst>
           </p:cNvPr>
@@ -8863,8 +8863,8 @@
         </p:blipFill>
         <p:spPr>
           <a:xfrm>
-            <a:off x="389730" y="414060"/>
-            <a:ext cx="8725696" cy="6074483"/>
+            <a:off x="368570" y="349421"/>
+            <a:ext cx="8648117" cy="6163345"/>
           </a:xfrm>
           <a:prstGeom prst="rect">
             <a:avLst/>
@@ -9849,8 +9849,8 @@
           </a:prstGeom>
         </p:spPr>
       </p:pic>
-      <mc:AlternateContent xmlns:mc="http://schemas.openxmlformats.org/markup-compatibility/2006">
-        <mc:Choice xmlns:p14="http://schemas.microsoft.com/office/powerpoint/2010/main" Requires="p14">
+      <mc:AlternateContent xmlns:mc="http://schemas.openxmlformats.org/markup-compatibility/2006" xmlns:p14="http://schemas.microsoft.com/office/powerpoint/2010/main">
+        <mc:Choice Requires="p14">
           <p:contentPart p14:bwMode="auto" r:id="rId33">
             <p14:nvContentPartPr>
               <p14:cNvPr id="2" name="잉크 1">
@@ -9869,7 +9869,7 @@
             </p14:xfrm>
           </p:contentPart>
         </mc:Choice>
-        <mc:Fallback>
+        <mc:Fallback xmlns="">
           <p:pic>
             <p:nvPicPr>
               <p:cNvPr id="2" name="잉크 1">
@@ -10110,8 +10110,8 @@
           </a:prstGeom>
         </p:spPr>
       </p:pic>
-      <mc:AlternateContent xmlns:mc="http://schemas.openxmlformats.org/markup-compatibility/2006">
-        <mc:Choice xmlns:p14="http://schemas.microsoft.com/office/powerpoint/2010/main" Requires="p14">
+      <mc:AlternateContent xmlns:mc="http://schemas.openxmlformats.org/markup-compatibility/2006" xmlns:p14="http://schemas.microsoft.com/office/powerpoint/2010/main">
+        <mc:Choice Requires="p14">
           <p:contentPart p14:bwMode="auto" r:id="rId5">
             <p14:nvContentPartPr>
               <p14:cNvPr id="2" name="잉크 1">
@@ -10130,7 +10130,7 @@
             </p14:xfrm>
           </p:contentPart>
         </mc:Choice>
-        <mc:Fallback>
+        <mc:Fallback xmlns="">
           <p:pic>
             <p:nvPicPr>
               <p:cNvPr id="2" name="잉크 1">
@@ -10341,8 +10341,8 @@
           </a:prstGeom>
         </p:spPr>
       </p:pic>
-      <mc:AlternateContent xmlns:mc="http://schemas.openxmlformats.org/markup-compatibility/2006">
-        <mc:Choice xmlns:p14="http://schemas.microsoft.com/office/powerpoint/2010/main" Requires="p14">
+      <mc:AlternateContent xmlns:mc="http://schemas.openxmlformats.org/markup-compatibility/2006" xmlns:p14="http://schemas.microsoft.com/office/powerpoint/2010/main">
+        <mc:Choice Requires="p14">
           <p:contentPart p14:bwMode="auto" r:id="rId4">
             <p14:nvContentPartPr>
               <p14:cNvPr id="2" name="잉크 1">
@@ -10361,7 +10361,7 @@
             </p14:xfrm>
           </p:contentPart>
         </mc:Choice>
-        <mc:Fallback>
+        <mc:Fallback xmlns="">
           <p:pic>
             <p:nvPicPr>
               <p:cNvPr id="2" name="잉크 1">
@@ -10392,8 +10392,8 @@
           </p:pic>
         </mc:Fallback>
       </mc:AlternateContent>
-      <mc:AlternateContent xmlns:mc="http://schemas.openxmlformats.org/markup-compatibility/2006">
-        <mc:Choice xmlns:p14="http://schemas.microsoft.com/office/powerpoint/2010/main" Requires="p14">
+      <mc:AlternateContent xmlns:mc="http://schemas.openxmlformats.org/markup-compatibility/2006" xmlns:p14="http://schemas.microsoft.com/office/powerpoint/2010/main">
+        <mc:Choice Requires="p14">
           <p:contentPart p14:bwMode="auto" r:id="rId6">
             <p14:nvContentPartPr>
               <p14:cNvPr id="4" name="잉크 3">
@@ -10412,7 +10412,7 @@
             </p14:xfrm>
           </p:contentPart>
         </mc:Choice>
-        <mc:Fallback>
+        <mc:Fallback xmlns="">
           <p:pic>
             <p:nvPicPr>
               <p:cNvPr id="4" name="잉크 3">

--- a/Python과제/Python_8강.pptx
+++ b/Python과제/Python_8강.pptx
@@ -1808,7 +1808,7 @@
           <a:p>
             <a:fld id="{96DFF08F-DC6B-4601-B491-B0F83F6DD2DA}" type="datetimeFigureOut">
               <a:rPr lang="en-US" smtClean="0"/>
-              <a:t>5/6/2023</a:t>
+              <a:t>5/7/2023</a:t>
             </a:fld>
             <a:endParaRPr lang="en-US" dirty="0"/>
           </a:p>
@@ -2029,7 +2029,7 @@
           <a:p>
             <a:fld id="{96DFF08F-DC6B-4601-B491-B0F83F6DD2DA}" type="datetimeFigureOut">
               <a:rPr lang="en-US" smtClean="0"/>
-              <a:t>5/6/2023</a:t>
+              <a:t>5/7/2023</a:t>
             </a:fld>
             <a:endParaRPr lang="en-US" dirty="0"/>
           </a:p>
@@ -2209,7 +2209,7 @@
           <a:p>
             <a:fld id="{96DFF08F-DC6B-4601-B491-B0F83F6DD2DA}" type="datetimeFigureOut">
               <a:rPr lang="en-US" smtClean="0"/>
-              <a:t>5/6/2023</a:t>
+              <a:t>5/7/2023</a:t>
             </a:fld>
             <a:endParaRPr lang="en-US" dirty="0"/>
           </a:p>
@@ -2379,7 +2379,7 @@
           <a:p>
             <a:fld id="{96DFF08F-DC6B-4601-B491-B0F83F6DD2DA}" type="datetimeFigureOut">
               <a:rPr lang="en-US" smtClean="0"/>
-              <a:t>5/6/2023</a:t>
+              <a:t>5/7/2023</a:t>
             </a:fld>
             <a:endParaRPr lang="en-US" dirty="0"/>
           </a:p>
@@ -2630,7 +2630,7 @@
           <a:p>
             <a:fld id="{96DFF08F-DC6B-4601-B491-B0F83F6DD2DA}" type="datetimeFigureOut">
               <a:rPr lang="en-US" smtClean="0"/>
-              <a:t>5/6/2023</a:t>
+              <a:t>5/7/2023</a:t>
             </a:fld>
             <a:endParaRPr lang="en-US" dirty="0"/>
           </a:p>
@@ -2953,7 +2953,7 @@
           <a:p>
             <a:fld id="{96DFF08F-DC6B-4601-B491-B0F83F6DD2DA}" type="datetimeFigureOut">
               <a:rPr lang="en-US" smtClean="0"/>
-              <a:t>5/6/2023</a:t>
+              <a:t>5/7/2023</a:t>
             </a:fld>
             <a:endParaRPr lang="en-US" dirty="0"/>
           </a:p>
@@ -3377,7 +3377,7 @@
           <a:p>
             <a:fld id="{96DFF08F-DC6B-4601-B491-B0F83F6DD2DA}" type="datetimeFigureOut">
               <a:rPr lang="en-US" smtClean="0"/>
-              <a:t>5/6/2023</a:t>
+              <a:t>5/7/2023</a:t>
             </a:fld>
             <a:endParaRPr lang="en-US" dirty="0"/>
           </a:p>
@@ -3495,7 +3495,7 @@
           <a:p>
             <a:fld id="{96DFF08F-DC6B-4601-B491-B0F83F6DD2DA}" type="datetimeFigureOut">
               <a:rPr lang="en-US" smtClean="0"/>
-              <a:t>5/6/2023</a:t>
+              <a:t>5/7/2023</a:t>
             </a:fld>
             <a:endParaRPr lang="en-US" dirty="0"/>
           </a:p>
@@ -3590,7 +3590,7 @@
           <a:p>
             <a:fld id="{96DFF08F-DC6B-4601-B491-B0F83F6DD2DA}" type="datetimeFigureOut">
               <a:rPr lang="en-US" smtClean="0"/>
-              <a:t>5/6/2023</a:t>
+              <a:t>5/7/2023</a:t>
             </a:fld>
             <a:endParaRPr lang="en-US" dirty="0"/>
           </a:p>
@@ -3880,7 +3880,7 @@
           <a:p>
             <a:fld id="{96DFF08F-DC6B-4601-B491-B0F83F6DD2DA}" type="datetimeFigureOut">
               <a:rPr lang="en-US" smtClean="0"/>
-              <a:t>5/6/2023</a:t>
+              <a:t>5/7/2023</a:t>
             </a:fld>
             <a:endParaRPr lang="en-US" dirty="0"/>
           </a:p>
@@ -4152,7 +4152,7 @@
           <a:p>
             <a:fld id="{96DFF08F-DC6B-4601-B491-B0F83F6DD2DA}" type="datetimeFigureOut">
               <a:rPr lang="en-US" smtClean="0"/>
-              <a:t>5/6/2023</a:t>
+              <a:t>5/7/2023</a:t>
             </a:fld>
             <a:endParaRPr lang="en-US" dirty="0"/>
           </a:p>
@@ -4407,7 +4407,7 @@
             <a:fld id="{96DFF08F-DC6B-4601-B491-B0F83F6DD2DA}" type="datetimeFigureOut">
               <a:rPr lang="en-US" smtClean="0"/>
               <a:pPr/>
-              <a:t>5/6/2023</a:t>
+              <a:t>5/7/2023</a:t>
             </a:fld>
             <a:endParaRPr lang="en-US" dirty="0"/>
           </a:p>
@@ -5172,8 +5172,8 @@
         </p:blipFill>
         <p:spPr>
           <a:xfrm>
-            <a:off x="6159529" y="366922"/>
-            <a:ext cx="5389307" cy="3882195"/>
+            <a:off x="6232073" y="513316"/>
+            <a:ext cx="5336595" cy="3844224"/>
           </a:xfrm>
           <a:prstGeom prst="rect">
             <a:avLst/>
@@ -5202,7 +5202,7 @@
         </p:blipFill>
         <p:spPr>
           <a:xfrm>
-            <a:off x="8314805" y="4357540"/>
+            <a:off x="8334637" y="4452134"/>
             <a:ext cx="3234031" cy="2129919"/>
           </a:xfrm>
           <a:prstGeom prst="rect">
@@ -5210,6 +5210,98 @@
           </a:prstGeom>
         </p:spPr>
       </p:pic>
+      <p:sp>
+        <p:nvSpPr>
+          <p:cNvPr id="2" name="사각형: 둥근 모서리 1">
+            <a:extLst>
+              <a:ext uri="{FF2B5EF4-FFF2-40B4-BE49-F238E27FC236}">
+                <a16:creationId xmlns:a16="http://schemas.microsoft.com/office/drawing/2014/main" id="{BBB58E1B-9867-6F6D-764C-A3DC09675DF9}"/>
+              </a:ext>
+            </a:extLst>
+          </p:cNvPr>
+          <p:cNvSpPr/>
+          <p:nvPr/>
+        </p:nvSpPr>
+        <p:spPr>
+          <a:xfrm>
+            <a:off x="6042871" y="335069"/>
+            <a:ext cx="5714998" cy="4057944"/>
+          </a:xfrm>
+          <a:prstGeom prst="roundRect">
+            <a:avLst/>
+          </a:prstGeom>
+          <a:noFill/>
+        </p:spPr>
+        <p:style>
+          <a:lnRef idx="2">
+            <a:schemeClr val="accent1">
+              <a:shade val="50000"/>
+            </a:schemeClr>
+          </a:lnRef>
+          <a:fillRef idx="1">
+            <a:schemeClr val="accent1"/>
+          </a:fillRef>
+          <a:effectRef idx="0">
+            <a:schemeClr val="accent1"/>
+          </a:effectRef>
+          <a:fontRef idx="minor">
+            <a:schemeClr val="lt1"/>
+          </a:fontRef>
+        </p:style>
+        <p:txBody>
+          <a:bodyPr rtlCol="0" anchor="ctr"/>
+          <a:lstStyle/>
+          <a:p>
+            <a:pPr algn="ctr"/>
+            <a:endParaRPr lang="ko-KR" altLang="en-US"/>
+          </a:p>
+        </p:txBody>
+      </p:sp>
+      <p:sp>
+        <p:nvSpPr>
+          <p:cNvPr id="3" name="TextBox 2">
+            <a:extLst>
+              <a:ext uri="{FF2B5EF4-FFF2-40B4-BE49-F238E27FC236}">
+                <a16:creationId xmlns:a16="http://schemas.microsoft.com/office/drawing/2014/main" id="{2B883815-E1EC-AB5D-9461-34C688350AEE}"/>
+              </a:ext>
+            </a:extLst>
+          </p:cNvPr>
+          <p:cNvSpPr txBox="1"/>
+          <p:nvPr/>
+        </p:nvSpPr>
+        <p:spPr>
+          <a:xfrm>
+            <a:off x="6114641" y="4542930"/>
+            <a:ext cx="2065283" cy="369332"/>
+          </a:xfrm>
+          <a:prstGeom prst="rect">
+            <a:avLst/>
+          </a:prstGeom>
+          <a:noFill/>
+        </p:spPr>
+        <p:txBody>
+          <a:bodyPr wrap="square" rtlCol="0">
+            <a:spAutoFit/>
+          </a:bodyPr>
+          <a:lstStyle/>
+          <a:p>
+            <a:pPr algn="ctr"/>
+            <a:r>
+              <a:rPr lang="en-US" altLang="ko-KR" b="1" dirty="0"/>
+              <a:t>&lt; print </a:t>
+            </a:r>
+            <a:r>
+              <a:rPr lang="ko-KR" altLang="en-US" b="1" dirty="0"/>
+              <a:t>결과 확인 </a:t>
+            </a:r>
+            <a:r>
+              <a:rPr lang="en-US" altLang="ko-KR" b="1" dirty="0"/>
+              <a:t>&gt;</a:t>
+            </a:r>
+            <a:endParaRPr lang="ko-KR" altLang="en-US" b="1" dirty="0"/>
+          </a:p>
+        </p:txBody>
+      </p:sp>
     </p:spTree>
     <p:extLst>
       <p:ext uri="{BB962C8B-B14F-4D97-AF65-F5344CB8AC3E}">
@@ -5650,6 +5742,51 @@
           </p:pic>
         </mc:Fallback>
       </mc:AlternateContent>
+      <p:sp>
+        <p:nvSpPr>
+          <p:cNvPr id="4" name="TextBox 3">
+            <a:extLst>
+              <a:ext uri="{FF2B5EF4-FFF2-40B4-BE49-F238E27FC236}">
+                <a16:creationId xmlns:a16="http://schemas.microsoft.com/office/drawing/2014/main" id="{126CD8BA-F46B-A319-18F5-9B9C326CB6AE}"/>
+              </a:ext>
+            </a:extLst>
+          </p:cNvPr>
+          <p:cNvSpPr txBox="1"/>
+          <p:nvPr/>
+        </p:nvSpPr>
+        <p:spPr>
+          <a:xfrm>
+            <a:off x="7318992" y="2165912"/>
+            <a:ext cx="2065283" cy="369332"/>
+          </a:xfrm>
+          <a:prstGeom prst="rect">
+            <a:avLst/>
+          </a:prstGeom>
+          <a:noFill/>
+        </p:spPr>
+        <p:txBody>
+          <a:bodyPr wrap="square" rtlCol="0">
+            <a:spAutoFit/>
+          </a:bodyPr>
+          <a:lstStyle/>
+          <a:p>
+            <a:pPr algn="ctr"/>
+            <a:r>
+              <a:rPr lang="en-US" altLang="ko-KR" b="1" dirty="0"/>
+              <a:t>&lt; print </a:t>
+            </a:r>
+            <a:r>
+              <a:rPr lang="ko-KR" altLang="en-US" b="1" dirty="0"/>
+              <a:t>결과 확인 </a:t>
+            </a:r>
+            <a:r>
+              <a:rPr lang="en-US" altLang="ko-KR" b="1" dirty="0"/>
+              <a:t>&gt;</a:t>
+            </a:r>
+            <a:endParaRPr lang="ko-KR" altLang="en-US" b="1" dirty="0"/>
+          </a:p>
+        </p:txBody>
+      </p:sp>
     </p:spTree>
     <p:extLst>
       <p:ext uri="{BB962C8B-B14F-4D97-AF65-F5344CB8AC3E}">
@@ -5791,6 +5928,51 @@
           </p:pic>
         </mc:Fallback>
       </mc:AlternateContent>
+      <p:sp>
+        <p:nvSpPr>
+          <p:cNvPr id="4" name="TextBox 3">
+            <a:extLst>
+              <a:ext uri="{FF2B5EF4-FFF2-40B4-BE49-F238E27FC236}">
+                <a16:creationId xmlns:a16="http://schemas.microsoft.com/office/drawing/2014/main" id="{4CDAA898-53A0-51F9-5F69-9439AC266293}"/>
+              </a:ext>
+            </a:extLst>
+          </p:cNvPr>
+          <p:cNvSpPr txBox="1"/>
+          <p:nvPr/>
+        </p:nvSpPr>
+        <p:spPr>
+          <a:xfrm>
+            <a:off x="7248047" y="4427157"/>
+            <a:ext cx="2065283" cy="369332"/>
+          </a:xfrm>
+          <a:prstGeom prst="rect">
+            <a:avLst/>
+          </a:prstGeom>
+          <a:noFill/>
+        </p:spPr>
+        <p:txBody>
+          <a:bodyPr wrap="square" rtlCol="0">
+            <a:spAutoFit/>
+          </a:bodyPr>
+          <a:lstStyle/>
+          <a:p>
+            <a:pPr algn="ctr"/>
+            <a:r>
+              <a:rPr lang="en-US" altLang="ko-KR" b="1" dirty="0"/>
+              <a:t>&lt; print </a:t>
+            </a:r>
+            <a:r>
+              <a:rPr lang="ko-KR" altLang="en-US" b="1" dirty="0"/>
+              <a:t>결과 확인 </a:t>
+            </a:r>
+            <a:r>
+              <a:rPr lang="en-US" altLang="ko-KR" b="1" dirty="0"/>
+              <a:t>&gt;</a:t>
+            </a:r>
+            <a:endParaRPr lang="ko-KR" altLang="en-US" b="1" dirty="0"/>
+          </a:p>
+        </p:txBody>
+      </p:sp>
     </p:spTree>
     <p:extLst>
       <p:ext uri="{BB962C8B-B14F-4D97-AF65-F5344CB8AC3E}">
@@ -5932,6 +6114,51 @@
           </p:pic>
         </mc:Fallback>
       </mc:AlternateContent>
+      <p:sp>
+        <p:nvSpPr>
+          <p:cNvPr id="4" name="TextBox 3">
+            <a:extLst>
+              <a:ext uri="{FF2B5EF4-FFF2-40B4-BE49-F238E27FC236}">
+                <a16:creationId xmlns:a16="http://schemas.microsoft.com/office/drawing/2014/main" id="{197EC7BA-39BE-4F28-BE4A-F6366AB2C893}"/>
+              </a:ext>
+            </a:extLst>
+          </p:cNvPr>
+          <p:cNvSpPr txBox="1"/>
+          <p:nvPr/>
+        </p:nvSpPr>
+        <p:spPr>
+          <a:xfrm>
+            <a:off x="6569528" y="3977447"/>
+            <a:ext cx="2065283" cy="369332"/>
+          </a:xfrm>
+          <a:prstGeom prst="rect">
+            <a:avLst/>
+          </a:prstGeom>
+          <a:noFill/>
+        </p:spPr>
+        <p:txBody>
+          <a:bodyPr wrap="square" rtlCol="0">
+            <a:spAutoFit/>
+          </a:bodyPr>
+          <a:lstStyle/>
+          <a:p>
+            <a:pPr algn="ctr"/>
+            <a:r>
+              <a:rPr lang="en-US" altLang="ko-KR" b="1" dirty="0"/>
+              <a:t>&lt; print </a:t>
+            </a:r>
+            <a:r>
+              <a:rPr lang="ko-KR" altLang="en-US" b="1" dirty="0"/>
+              <a:t>결과 확인 </a:t>
+            </a:r>
+            <a:r>
+              <a:rPr lang="en-US" altLang="ko-KR" b="1" dirty="0"/>
+              <a:t>&gt;</a:t>
+            </a:r>
+            <a:endParaRPr lang="ko-KR" altLang="en-US" b="1" dirty="0"/>
+          </a:p>
+        </p:txBody>
+      </p:sp>
     </p:spTree>
     <p:extLst>
       <p:ext uri="{BB962C8B-B14F-4D97-AF65-F5344CB8AC3E}">
@@ -6124,6 +6351,51 @@
           </p:pic>
         </mc:Fallback>
       </mc:AlternateContent>
+      <p:sp>
+        <p:nvSpPr>
+          <p:cNvPr id="6" name="TextBox 5">
+            <a:extLst>
+              <a:ext uri="{FF2B5EF4-FFF2-40B4-BE49-F238E27FC236}">
+                <a16:creationId xmlns:a16="http://schemas.microsoft.com/office/drawing/2014/main" id="{0B3E4DC5-CE16-E876-C002-C4E29CCABC90}"/>
+              </a:ext>
+            </a:extLst>
+          </p:cNvPr>
+          <p:cNvSpPr txBox="1"/>
+          <p:nvPr/>
+        </p:nvSpPr>
+        <p:spPr>
+          <a:xfrm>
+            <a:off x="422652" y="4248913"/>
+            <a:ext cx="2065283" cy="369332"/>
+          </a:xfrm>
+          <a:prstGeom prst="rect">
+            <a:avLst/>
+          </a:prstGeom>
+          <a:noFill/>
+        </p:spPr>
+        <p:txBody>
+          <a:bodyPr wrap="square" rtlCol="0">
+            <a:spAutoFit/>
+          </a:bodyPr>
+          <a:lstStyle/>
+          <a:p>
+            <a:pPr algn="ctr"/>
+            <a:r>
+              <a:rPr lang="en-US" altLang="ko-KR" b="1" dirty="0"/>
+              <a:t>&lt; print </a:t>
+            </a:r>
+            <a:r>
+              <a:rPr lang="ko-KR" altLang="en-US" b="1" dirty="0"/>
+              <a:t>결과 확인 </a:t>
+            </a:r>
+            <a:r>
+              <a:rPr lang="en-US" altLang="ko-KR" b="1" dirty="0"/>
+              <a:t>&gt;</a:t>
+            </a:r>
+            <a:endParaRPr lang="ko-KR" altLang="en-US" b="1" dirty="0"/>
+          </a:p>
+        </p:txBody>
+      </p:sp>
     </p:spTree>
     <p:extLst>
       <p:ext uri="{BB962C8B-B14F-4D97-AF65-F5344CB8AC3E}">
@@ -6265,6 +6537,51 @@
           </p:pic>
         </mc:Fallback>
       </mc:AlternateContent>
+      <p:sp>
+        <p:nvSpPr>
+          <p:cNvPr id="4" name="TextBox 3">
+            <a:extLst>
+              <a:ext uri="{FF2B5EF4-FFF2-40B4-BE49-F238E27FC236}">
+                <a16:creationId xmlns:a16="http://schemas.microsoft.com/office/drawing/2014/main" id="{E22545C4-D625-76ED-57BA-304358B9FA94}"/>
+              </a:ext>
+            </a:extLst>
+          </p:cNvPr>
+          <p:cNvSpPr txBox="1"/>
+          <p:nvPr/>
+        </p:nvSpPr>
+        <p:spPr>
+          <a:xfrm>
+            <a:off x="435002" y="3967166"/>
+            <a:ext cx="2065283" cy="369332"/>
+          </a:xfrm>
+          <a:prstGeom prst="rect">
+            <a:avLst/>
+          </a:prstGeom>
+          <a:noFill/>
+        </p:spPr>
+        <p:txBody>
+          <a:bodyPr wrap="square" rtlCol="0">
+            <a:spAutoFit/>
+          </a:bodyPr>
+          <a:lstStyle/>
+          <a:p>
+            <a:pPr algn="ctr"/>
+            <a:r>
+              <a:rPr lang="en-US" altLang="ko-KR" b="1" dirty="0"/>
+              <a:t>&lt; print </a:t>
+            </a:r>
+            <a:r>
+              <a:rPr lang="ko-KR" altLang="en-US" b="1" dirty="0"/>
+              <a:t>결과 확인 </a:t>
+            </a:r>
+            <a:r>
+              <a:rPr lang="en-US" altLang="ko-KR" b="1" dirty="0"/>
+              <a:t>&gt;</a:t>
+            </a:r>
+            <a:endParaRPr lang="ko-KR" altLang="en-US" b="1" dirty="0"/>
+          </a:p>
+        </p:txBody>
+      </p:sp>
     </p:spTree>
     <p:extLst>
       <p:ext uri="{BB962C8B-B14F-4D97-AF65-F5344CB8AC3E}">
@@ -6508,6 +6825,51 @@
           </p:pic>
         </mc:Fallback>
       </mc:AlternateContent>
+      <p:sp>
+        <p:nvSpPr>
+          <p:cNvPr id="6" name="TextBox 5">
+            <a:extLst>
+              <a:ext uri="{FF2B5EF4-FFF2-40B4-BE49-F238E27FC236}">
+                <a16:creationId xmlns:a16="http://schemas.microsoft.com/office/drawing/2014/main" id="{4C0E6CE7-8E2F-A630-FBAD-0276A831AB8C}"/>
+              </a:ext>
+            </a:extLst>
+          </p:cNvPr>
+          <p:cNvSpPr txBox="1"/>
+          <p:nvPr/>
+        </p:nvSpPr>
+        <p:spPr>
+          <a:xfrm>
+            <a:off x="8305294" y="3788653"/>
+            <a:ext cx="2065283" cy="369332"/>
+          </a:xfrm>
+          <a:prstGeom prst="rect">
+            <a:avLst/>
+          </a:prstGeom>
+          <a:noFill/>
+        </p:spPr>
+        <p:txBody>
+          <a:bodyPr wrap="square" rtlCol="0">
+            <a:spAutoFit/>
+          </a:bodyPr>
+          <a:lstStyle/>
+          <a:p>
+            <a:pPr algn="ctr"/>
+            <a:r>
+              <a:rPr lang="en-US" altLang="ko-KR" b="1" dirty="0"/>
+              <a:t>&lt; print </a:t>
+            </a:r>
+            <a:r>
+              <a:rPr lang="ko-KR" altLang="en-US" b="1" dirty="0"/>
+              <a:t>결과 확인 </a:t>
+            </a:r>
+            <a:r>
+              <a:rPr lang="en-US" altLang="ko-KR" b="1" dirty="0"/>
+              <a:t>&gt;</a:t>
+            </a:r>
+            <a:endParaRPr lang="ko-KR" altLang="en-US" b="1" dirty="0"/>
+          </a:p>
+        </p:txBody>
+      </p:sp>
     </p:spTree>
     <p:extLst>
       <p:ext uri="{BB962C8B-B14F-4D97-AF65-F5344CB8AC3E}">
@@ -6751,6 +7113,51 @@
           </p:pic>
         </mc:Fallback>
       </mc:AlternateContent>
+      <p:sp>
+        <p:nvSpPr>
+          <p:cNvPr id="7" name="TextBox 6">
+            <a:extLst>
+              <a:ext uri="{FF2B5EF4-FFF2-40B4-BE49-F238E27FC236}">
+                <a16:creationId xmlns:a16="http://schemas.microsoft.com/office/drawing/2014/main" id="{8E0D9FDB-DD22-56F8-F677-DBD652A6EE89}"/>
+              </a:ext>
+            </a:extLst>
+          </p:cNvPr>
+          <p:cNvSpPr txBox="1"/>
+          <p:nvPr/>
+        </p:nvSpPr>
+        <p:spPr>
+          <a:xfrm>
+            <a:off x="6096000" y="5181145"/>
+            <a:ext cx="2065283" cy="369332"/>
+          </a:xfrm>
+          <a:prstGeom prst="rect">
+            <a:avLst/>
+          </a:prstGeom>
+          <a:noFill/>
+        </p:spPr>
+        <p:txBody>
+          <a:bodyPr wrap="square" rtlCol="0">
+            <a:spAutoFit/>
+          </a:bodyPr>
+          <a:lstStyle/>
+          <a:p>
+            <a:pPr algn="ctr"/>
+            <a:r>
+              <a:rPr lang="en-US" altLang="ko-KR" b="1" dirty="0"/>
+              <a:t>&lt; print </a:t>
+            </a:r>
+            <a:r>
+              <a:rPr lang="ko-KR" altLang="en-US" b="1" dirty="0"/>
+              <a:t>결과 확인 </a:t>
+            </a:r>
+            <a:r>
+              <a:rPr lang="en-US" altLang="ko-KR" b="1" dirty="0"/>
+              <a:t>&gt;</a:t>
+            </a:r>
+            <a:endParaRPr lang="ko-KR" altLang="en-US" b="1" dirty="0"/>
+          </a:p>
+        </p:txBody>
+      </p:sp>
     </p:spTree>
     <p:extLst>
       <p:ext uri="{BB962C8B-B14F-4D97-AF65-F5344CB8AC3E}">
@@ -6841,6 +7248,51 @@
           </a:prstGeom>
         </p:spPr>
       </p:pic>
+      <p:sp>
+        <p:nvSpPr>
+          <p:cNvPr id="2" name="TextBox 1">
+            <a:extLst>
+              <a:ext uri="{FF2B5EF4-FFF2-40B4-BE49-F238E27FC236}">
+                <a16:creationId xmlns:a16="http://schemas.microsoft.com/office/drawing/2014/main" id="{87CFF20C-71AF-DC6A-B71C-C07A9406AF7B}"/>
+              </a:ext>
+            </a:extLst>
+          </p:cNvPr>
+          <p:cNvSpPr txBox="1"/>
+          <p:nvPr/>
+        </p:nvSpPr>
+        <p:spPr>
+          <a:xfrm>
+            <a:off x="6371391" y="940984"/>
+            <a:ext cx="2065283" cy="369332"/>
+          </a:xfrm>
+          <a:prstGeom prst="rect">
+            <a:avLst/>
+          </a:prstGeom>
+          <a:noFill/>
+        </p:spPr>
+        <p:txBody>
+          <a:bodyPr wrap="square" rtlCol="0">
+            <a:spAutoFit/>
+          </a:bodyPr>
+          <a:lstStyle/>
+          <a:p>
+            <a:pPr algn="ctr"/>
+            <a:r>
+              <a:rPr lang="en-US" altLang="ko-KR" b="1" dirty="0"/>
+              <a:t>&lt; print </a:t>
+            </a:r>
+            <a:r>
+              <a:rPr lang="ko-KR" altLang="en-US" b="1" dirty="0"/>
+              <a:t>결과 확인 </a:t>
+            </a:r>
+            <a:r>
+              <a:rPr lang="en-US" altLang="ko-KR" b="1" dirty="0"/>
+              <a:t>&gt;</a:t>
+            </a:r>
+            <a:endParaRPr lang="ko-KR" altLang="en-US" b="1" dirty="0"/>
+          </a:p>
+        </p:txBody>
+      </p:sp>
     </p:spTree>
     <p:extLst>
       <p:ext uri="{BB962C8B-B14F-4D97-AF65-F5344CB8AC3E}">
@@ -7104,6 +7556,51 @@
           </p:pic>
         </mc:Fallback>
       </mc:AlternateContent>
+      <p:sp>
+        <p:nvSpPr>
+          <p:cNvPr id="2" name="TextBox 1">
+            <a:extLst>
+              <a:ext uri="{FF2B5EF4-FFF2-40B4-BE49-F238E27FC236}">
+                <a16:creationId xmlns:a16="http://schemas.microsoft.com/office/drawing/2014/main" id="{27190459-1C10-B6CB-AAFB-40AE72CBB555}"/>
+              </a:ext>
+            </a:extLst>
+          </p:cNvPr>
+          <p:cNvSpPr txBox="1"/>
+          <p:nvPr/>
+        </p:nvSpPr>
+        <p:spPr>
+          <a:xfrm>
+            <a:off x="5231152" y="4134581"/>
+            <a:ext cx="2065283" cy="369332"/>
+          </a:xfrm>
+          <a:prstGeom prst="rect">
+            <a:avLst/>
+          </a:prstGeom>
+          <a:noFill/>
+        </p:spPr>
+        <p:txBody>
+          <a:bodyPr wrap="square" rtlCol="0">
+            <a:spAutoFit/>
+          </a:bodyPr>
+          <a:lstStyle/>
+          <a:p>
+            <a:pPr algn="ctr"/>
+            <a:r>
+              <a:rPr lang="en-US" altLang="ko-KR" b="1" dirty="0"/>
+              <a:t>&lt; print </a:t>
+            </a:r>
+            <a:r>
+              <a:rPr lang="ko-KR" altLang="en-US" b="1" dirty="0"/>
+              <a:t>결과 확인 </a:t>
+            </a:r>
+            <a:r>
+              <a:rPr lang="en-US" altLang="ko-KR" b="1" dirty="0"/>
+              <a:t>&gt;</a:t>
+            </a:r>
+            <a:endParaRPr lang="ko-KR" altLang="en-US" b="1" dirty="0"/>
+          </a:p>
+        </p:txBody>
+      </p:sp>
     </p:spTree>
     <p:extLst>
       <p:ext uri="{BB962C8B-B14F-4D97-AF65-F5344CB8AC3E}">
@@ -7296,6 +7793,51 @@
           </p:pic>
         </mc:Fallback>
       </mc:AlternateContent>
+      <p:sp>
+        <p:nvSpPr>
+          <p:cNvPr id="2" name="TextBox 1">
+            <a:extLst>
+              <a:ext uri="{FF2B5EF4-FFF2-40B4-BE49-F238E27FC236}">
+                <a16:creationId xmlns:a16="http://schemas.microsoft.com/office/drawing/2014/main" id="{A735489C-6DC4-19AB-A224-90DEEF957609}"/>
+              </a:ext>
+            </a:extLst>
+          </p:cNvPr>
+          <p:cNvSpPr txBox="1"/>
+          <p:nvPr/>
+        </p:nvSpPr>
+        <p:spPr>
+          <a:xfrm>
+            <a:off x="9622975" y="1890090"/>
+            <a:ext cx="2065283" cy="369332"/>
+          </a:xfrm>
+          <a:prstGeom prst="rect">
+            <a:avLst/>
+          </a:prstGeom>
+          <a:noFill/>
+        </p:spPr>
+        <p:txBody>
+          <a:bodyPr wrap="square" rtlCol="0">
+            <a:spAutoFit/>
+          </a:bodyPr>
+          <a:lstStyle/>
+          <a:p>
+            <a:pPr algn="ctr"/>
+            <a:r>
+              <a:rPr lang="en-US" altLang="ko-KR" b="1" dirty="0"/>
+              <a:t>&lt; print </a:t>
+            </a:r>
+            <a:r>
+              <a:rPr lang="ko-KR" altLang="en-US" b="1" dirty="0"/>
+              <a:t>결과 확인 </a:t>
+            </a:r>
+            <a:r>
+              <a:rPr lang="en-US" altLang="ko-KR" b="1" dirty="0"/>
+              <a:t>&gt;</a:t>
+            </a:r>
+            <a:endParaRPr lang="ko-KR" altLang="en-US" b="1" dirty="0"/>
+          </a:p>
+        </p:txBody>
+      </p:sp>
     </p:spTree>
     <p:extLst>
       <p:ext uri="{BB962C8B-B14F-4D97-AF65-F5344CB8AC3E}">
@@ -7539,6 +8081,51 @@
           </p:pic>
         </mc:Fallback>
       </mc:AlternateContent>
+      <p:sp>
+        <p:nvSpPr>
+          <p:cNvPr id="6" name="TextBox 5">
+            <a:extLst>
+              <a:ext uri="{FF2B5EF4-FFF2-40B4-BE49-F238E27FC236}">
+                <a16:creationId xmlns:a16="http://schemas.microsoft.com/office/drawing/2014/main" id="{2A87112E-891A-0219-4DE2-6AF00DB443A6}"/>
+              </a:ext>
+            </a:extLst>
+          </p:cNvPr>
+          <p:cNvSpPr txBox="1"/>
+          <p:nvPr/>
+        </p:nvSpPr>
+        <p:spPr>
+          <a:xfrm>
+            <a:off x="9746883" y="3244334"/>
+            <a:ext cx="2065283" cy="369332"/>
+          </a:xfrm>
+          <a:prstGeom prst="rect">
+            <a:avLst/>
+          </a:prstGeom>
+          <a:noFill/>
+        </p:spPr>
+        <p:txBody>
+          <a:bodyPr wrap="square" rtlCol="0">
+            <a:spAutoFit/>
+          </a:bodyPr>
+          <a:lstStyle/>
+          <a:p>
+            <a:pPr algn="ctr"/>
+            <a:r>
+              <a:rPr lang="en-US" altLang="ko-KR" b="1" dirty="0"/>
+              <a:t>&lt; print </a:t>
+            </a:r>
+            <a:r>
+              <a:rPr lang="ko-KR" altLang="en-US" b="1" dirty="0"/>
+              <a:t>결과 확인 </a:t>
+            </a:r>
+            <a:r>
+              <a:rPr lang="en-US" altLang="ko-KR" b="1" dirty="0"/>
+              <a:t>&gt;</a:t>
+            </a:r>
+            <a:endParaRPr lang="ko-KR" altLang="en-US" b="1" dirty="0"/>
+          </a:p>
+        </p:txBody>
+      </p:sp>
     </p:spTree>
     <p:extLst>
       <p:ext uri="{BB962C8B-B14F-4D97-AF65-F5344CB8AC3E}">
@@ -7731,6 +8318,51 @@
           </p:pic>
         </mc:Fallback>
       </mc:AlternateContent>
+      <p:sp>
+        <p:nvSpPr>
+          <p:cNvPr id="5" name="TextBox 4">
+            <a:extLst>
+              <a:ext uri="{FF2B5EF4-FFF2-40B4-BE49-F238E27FC236}">
+                <a16:creationId xmlns:a16="http://schemas.microsoft.com/office/drawing/2014/main" id="{59222A1B-EFBB-CB75-2CB9-F6555F3CC037}"/>
+              </a:ext>
+            </a:extLst>
+          </p:cNvPr>
+          <p:cNvSpPr txBox="1"/>
+          <p:nvPr/>
+        </p:nvSpPr>
+        <p:spPr>
+          <a:xfrm>
+            <a:off x="8950723" y="5208731"/>
+            <a:ext cx="2065283" cy="369332"/>
+          </a:xfrm>
+          <a:prstGeom prst="rect">
+            <a:avLst/>
+          </a:prstGeom>
+          <a:noFill/>
+        </p:spPr>
+        <p:txBody>
+          <a:bodyPr wrap="square" rtlCol="0">
+            <a:spAutoFit/>
+          </a:bodyPr>
+          <a:lstStyle/>
+          <a:p>
+            <a:pPr algn="ctr"/>
+            <a:r>
+              <a:rPr lang="en-US" altLang="ko-KR" b="1" dirty="0"/>
+              <a:t>&lt; print </a:t>
+            </a:r>
+            <a:r>
+              <a:rPr lang="ko-KR" altLang="en-US" b="1" dirty="0"/>
+              <a:t>결과 확인 </a:t>
+            </a:r>
+            <a:r>
+              <a:rPr lang="en-US" altLang="ko-KR" b="1" dirty="0"/>
+              <a:t>&gt;</a:t>
+            </a:r>
+            <a:endParaRPr lang="ko-KR" altLang="en-US" b="1" dirty="0"/>
+          </a:p>
+        </p:txBody>
+      </p:sp>
     </p:spTree>
     <p:extLst>
       <p:ext uri="{BB962C8B-B14F-4D97-AF65-F5344CB8AC3E}">
@@ -7992,6 +8624,51 @@
           </a:prstGeom>
         </p:spPr>
       </p:pic>
+      <p:sp>
+        <p:nvSpPr>
+          <p:cNvPr id="2" name="TextBox 1">
+            <a:extLst>
+              <a:ext uri="{FF2B5EF4-FFF2-40B4-BE49-F238E27FC236}">
+                <a16:creationId xmlns:a16="http://schemas.microsoft.com/office/drawing/2014/main" id="{0D3B60C5-241E-F444-D966-1AAA3B325CE8}"/>
+              </a:ext>
+            </a:extLst>
+          </p:cNvPr>
+          <p:cNvSpPr txBox="1"/>
+          <p:nvPr/>
+        </p:nvSpPr>
+        <p:spPr>
+          <a:xfrm>
+            <a:off x="8466563" y="4412572"/>
+            <a:ext cx="2065283" cy="369332"/>
+          </a:xfrm>
+          <a:prstGeom prst="rect">
+            <a:avLst/>
+          </a:prstGeom>
+          <a:noFill/>
+        </p:spPr>
+        <p:txBody>
+          <a:bodyPr wrap="square" rtlCol="0">
+            <a:spAutoFit/>
+          </a:bodyPr>
+          <a:lstStyle/>
+          <a:p>
+            <a:pPr algn="ctr"/>
+            <a:r>
+              <a:rPr lang="en-US" altLang="ko-KR" b="1" dirty="0"/>
+              <a:t>&lt; print </a:t>
+            </a:r>
+            <a:r>
+              <a:rPr lang="ko-KR" altLang="en-US" b="1" dirty="0"/>
+              <a:t>결과 확인 </a:t>
+            </a:r>
+            <a:r>
+              <a:rPr lang="en-US" altLang="ko-KR" b="1" dirty="0"/>
+              <a:t>&gt;</a:t>
+            </a:r>
+            <a:endParaRPr lang="ko-KR" altLang="en-US" b="1" dirty="0"/>
+          </a:p>
+        </p:txBody>
+      </p:sp>
     </p:spTree>
     <p:extLst>
       <p:ext uri="{BB962C8B-B14F-4D97-AF65-F5344CB8AC3E}">
@@ -8339,6 +9016,51 @@
           </p:pic>
         </mc:Fallback>
       </mc:AlternateContent>
+      <p:sp>
+        <p:nvSpPr>
+          <p:cNvPr id="2" name="TextBox 1">
+            <a:extLst>
+              <a:ext uri="{FF2B5EF4-FFF2-40B4-BE49-F238E27FC236}">
+                <a16:creationId xmlns:a16="http://schemas.microsoft.com/office/drawing/2014/main" id="{43B90594-EDD7-7AD0-92F5-0515164031E7}"/>
+              </a:ext>
+            </a:extLst>
+          </p:cNvPr>
+          <p:cNvSpPr txBox="1"/>
+          <p:nvPr/>
+        </p:nvSpPr>
+        <p:spPr>
+          <a:xfrm>
+            <a:off x="4804392" y="5019545"/>
+            <a:ext cx="2065283" cy="369332"/>
+          </a:xfrm>
+          <a:prstGeom prst="rect">
+            <a:avLst/>
+          </a:prstGeom>
+          <a:noFill/>
+        </p:spPr>
+        <p:txBody>
+          <a:bodyPr wrap="square" rtlCol="0">
+            <a:spAutoFit/>
+          </a:bodyPr>
+          <a:lstStyle/>
+          <a:p>
+            <a:pPr algn="ctr"/>
+            <a:r>
+              <a:rPr lang="en-US" altLang="ko-KR" b="1" dirty="0"/>
+              <a:t>&lt; print </a:t>
+            </a:r>
+            <a:r>
+              <a:rPr lang="ko-KR" altLang="en-US" b="1" dirty="0"/>
+              <a:t>결과 확인 </a:t>
+            </a:r>
+            <a:r>
+              <a:rPr lang="en-US" altLang="ko-KR" b="1" dirty="0"/>
+              <a:t>&gt;</a:t>
+            </a:r>
+            <a:endParaRPr lang="ko-KR" altLang="en-US" b="1" dirty="0"/>
+          </a:p>
+        </p:txBody>
+      </p:sp>
     </p:spTree>
     <p:extLst>
       <p:ext uri="{BB962C8B-B14F-4D97-AF65-F5344CB8AC3E}">
@@ -8480,6 +9202,51 @@
           </p:pic>
         </mc:Fallback>
       </mc:AlternateContent>
+      <p:sp>
+        <p:nvSpPr>
+          <p:cNvPr id="3" name="TextBox 2">
+            <a:extLst>
+              <a:ext uri="{FF2B5EF4-FFF2-40B4-BE49-F238E27FC236}">
+                <a16:creationId xmlns:a16="http://schemas.microsoft.com/office/drawing/2014/main" id="{1009105F-0E03-B0D3-E4EA-7127C23744D7}"/>
+              </a:ext>
+            </a:extLst>
+          </p:cNvPr>
+          <p:cNvSpPr txBox="1"/>
+          <p:nvPr/>
+        </p:nvSpPr>
+        <p:spPr>
+          <a:xfrm>
+            <a:off x="7830053" y="2670483"/>
+            <a:ext cx="2065283" cy="369332"/>
+          </a:xfrm>
+          <a:prstGeom prst="rect">
+            <a:avLst/>
+          </a:prstGeom>
+          <a:noFill/>
+        </p:spPr>
+        <p:txBody>
+          <a:bodyPr wrap="square" rtlCol="0">
+            <a:spAutoFit/>
+          </a:bodyPr>
+          <a:lstStyle/>
+          <a:p>
+            <a:pPr algn="ctr"/>
+            <a:r>
+              <a:rPr lang="en-US" altLang="ko-KR" b="1" dirty="0"/>
+              <a:t>&lt; print </a:t>
+            </a:r>
+            <a:r>
+              <a:rPr lang="ko-KR" altLang="en-US" b="1" dirty="0"/>
+              <a:t>결과 확인 </a:t>
+            </a:r>
+            <a:r>
+              <a:rPr lang="en-US" altLang="ko-KR" b="1" dirty="0"/>
+              <a:t>&gt;</a:t>
+            </a:r>
+            <a:endParaRPr lang="ko-KR" altLang="en-US" b="1" dirty="0"/>
+          </a:p>
+        </p:txBody>
+      </p:sp>
     </p:spTree>
     <p:extLst>
       <p:ext uri="{BB962C8B-B14F-4D97-AF65-F5344CB8AC3E}">
@@ -8621,6 +9388,51 @@
           </p:pic>
         </mc:Fallback>
       </mc:AlternateContent>
+      <p:sp>
+        <p:nvSpPr>
+          <p:cNvPr id="4" name="TextBox 3">
+            <a:extLst>
+              <a:ext uri="{FF2B5EF4-FFF2-40B4-BE49-F238E27FC236}">
+                <a16:creationId xmlns:a16="http://schemas.microsoft.com/office/drawing/2014/main" id="{8ACE40F6-E7CC-E34C-8E98-560664E8F317}"/>
+              </a:ext>
+            </a:extLst>
+          </p:cNvPr>
+          <p:cNvSpPr txBox="1"/>
+          <p:nvPr/>
+        </p:nvSpPr>
+        <p:spPr>
+          <a:xfrm>
+            <a:off x="477855" y="4232585"/>
+            <a:ext cx="2065283" cy="369332"/>
+          </a:xfrm>
+          <a:prstGeom prst="rect">
+            <a:avLst/>
+          </a:prstGeom>
+          <a:noFill/>
+        </p:spPr>
+        <p:txBody>
+          <a:bodyPr wrap="square" rtlCol="0">
+            <a:spAutoFit/>
+          </a:bodyPr>
+          <a:lstStyle/>
+          <a:p>
+            <a:pPr algn="ctr"/>
+            <a:r>
+              <a:rPr lang="en-US" altLang="ko-KR" b="1" dirty="0"/>
+              <a:t>&lt; print </a:t>
+            </a:r>
+            <a:r>
+              <a:rPr lang="ko-KR" altLang="en-US" b="1" dirty="0"/>
+              <a:t>결과 확인 </a:t>
+            </a:r>
+            <a:r>
+              <a:rPr lang="en-US" altLang="ko-KR" b="1" dirty="0"/>
+              <a:t>&gt;</a:t>
+            </a:r>
+            <a:endParaRPr lang="ko-KR" altLang="en-US" b="1" dirty="0"/>
+          </a:p>
+        </p:txBody>
+      </p:sp>
     </p:spTree>
     <p:extLst>
       <p:ext uri="{BB962C8B-B14F-4D97-AF65-F5344CB8AC3E}">
@@ -8782,16 +9594,16 @@
                 </a:solidFill>
                 <a:latin typeface="+mn-ea"/>
               </a:rPr>
-              <a:t>&lt; </a:t>
-            </a:r>
-            <a:r>
-              <a:rPr lang="ko-KR" altLang="en-US" sz="4800" b="1" dirty="0">
+              <a:t>&lt; 8</a:t>
+            </a:r>
+            <a:r>
+              <a:rPr lang="ko-KR" altLang="en-US" sz="4800" b="1">
                 <a:solidFill>
                   <a:schemeClr val="accent1"/>
                 </a:solidFill>
                 <a:latin typeface="+mn-ea"/>
               </a:rPr>
-              <a:t>정리하기 </a:t>
+              <a:t>강 정리하기 </a:t>
             </a:r>
             <a:r>
               <a:rPr lang="en-US" altLang="ko-KR" sz="4800" b="1" dirty="0">
@@ -9990,6 +10802,51 @@
           </a:prstGeom>
         </p:spPr>
       </p:pic>
+      <p:sp>
+        <p:nvSpPr>
+          <p:cNvPr id="2" name="TextBox 1">
+            <a:extLst>
+              <a:ext uri="{FF2B5EF4-FFF2-40B4-BE49-F238E27FC236}">
+                <a16:creationId xmlns:a16="http://schemas.microsoft.com/office/drawing/2014/main" id="{EF0AC199-83B8-836B-34B8-FA469BFC5FBD}"/>
+              </a:ext>
+            </a:extLst>
+          </p:cNvPr>
+          <p:cNvSpPr txBox="1"/>
+          <p:nvPr/>
+        </p:nvSpPr>
+        <p:spPr>
+          <a:xfrm>
+            <a:off x="2833703" y="4822476"/>
+            <a:ext cx="2065283" cy="369332"/>
+          </a:xfrm>
+          <a:prstGeom prst="rect">
+            <a:avLst/>
+          </a:prstGeom>
+          <a:noFill/>
+        </p:spPr>
+        <p:txBody>
+          <a:bodyPr wrap="square" rtlCol="0">
+            <a:spAutoFit/>
+          </a:bodyPr>
+          <a:lstStyle/>
+          <a:p>
+            <a:pPr algn="ctr"/>
+            <a:r>
+              <a:rPr lang="en-US" altLang="ko-KR" b="1" dirty="0"/>
+              <a:t>&lt; print </a:t>
+            </a:r>
+            <a:r>
+              <a:rPr lang="ko-KR" altLang="en-US" b="1" dirty="0"/>
+              <a:t>결과 확인 </a:t>
+            </a:r>
+            <a:r>
+              <a:rPr lang="en-US" altLang="ko-KR" b="1" dirty="0"/>
+              <a:t>&gt;</a:t>
+            </a:r>
+            <a:endParaRPr lang="ko-KR" altLang="en-US" b="1" dirty="0"/>
+          </a:p>
+        </p:txBody>
+      </p:sp>
     </p:spTree>
     <p:extLst>
       <p:ext uri="{BB962C8B-B14F-4D97-AF65-F5344CB8AC3E}">
@@ -10161,6 +11018,96 @@
           </p:pic>
         </mc:Fallback>
       </mc:AlternateContent>
+      <p:sp>
+        <p:nvSpPr>
+          <p:cNvPr id="4" name="TextBox 3">
+            <a:extLst>
+              <a:ext uri="{FF2B5EF4-FFF2-40B4-BE49-F238E27FC236}">
+                <a16:creationId xmlns:a16="http://schemas.microsoft.com/office/drawing/2014/main" id="{BB1A8694-7B78-10ED-F68C-E7F80AB6E1AB}"/>
+              </a:ext>
+            </a:extLst>
+          </p:cNvPr>
+          <p:cNvSpPr txBox="1"/>
+          <p:nvPr/>
+        </p:nvSpPr>
+        <p:spPr>
+          <a:xfrm>
+            <a:off x="7523944" y="293015"/>
+            <a:ext cx="2065283" cy="369332"/>
+          </a:xfrm>
+          <a:prstGeom prst="rect">
+            <a:avLst/>
+          </a:prstGeom>
+          <a:noFill/>
+        </p:spPr>
+        <p:txBody>
+          <a:bodyPr wrap="square" rtlCol="0">
+            <a:spAutoFit/>
+          </a:bodyPr>
+          <a:lstStyle/>
+          <a:p>
+            <a:pPr algn="ctr"/>
+            <a:r>
+              <a:rPr lang="en-US" altLang="ko-KR" b="1" dirty="0"/>
+              <a:t>&lt; print </a:t>
+            </a:r>
+            <a:r>
+              <a:rPr lang="ko-KR" altLang="en-US" b="1" dirty="0"/>
+              <a:t>결과 확인 </a:t>
+            </a:r>
+            <a:r>
+              <a:rPr lang="en-US" altLang="ko-KR" b="1" dirty="0"/>
+              <a:t>&gt;</a:t>
+            </a:r>
+            <a:endParaRPr lang="ko-KR" altLang="en-US" b="1" dirty="0"/>
+          </a:p>
+        </p:txBody>
+      </p:sp>
+      <p:sp>
+        <p:nvSpPr>
+          <p:cNvPr id="6" name="TextBox 5">
+            <a:extLst>
+              <a:ext uri="{FF2B5EF4-FFF2-40B4-BE49-F238E27FC236}">
+                <a16:creationId xmlns:a16="http://schemas.microsoft.com/office/drawing/2014/main" id="{215D5C24-3762-B3B7-41EE-3F1E22866B72}"/>
+              </a:ext>
+            </a:extLst>
+          </p:cNvPr>
+          <p:cNvSpPr txBox="1"/>
+          <p:nvPr/>
+        </p:nvSpPr>
+        <p:spPr>
+          <a:xfrm>
+            <a:off x="7678685" y="4146361"/>
+            <a:ext cx="2065283" cy="369332"/>
+          </a:xfrm>
+          <a:prstGeom prst="rect">
+            <a:avLst/>
+          </a:prstGeom>
+          <a:noFill/>
+        </p:spPr>
+        <p:txBody>
+          <a:bodyPr wrap="square" rtlCol="0">
+            <a:spAutoFit/>
+          </a:bodyPr>
+          <a:lstStyle/>
+          <a:p>
+            <a:pPr algn="ctr"/>
+            <a:r>
+              <a:rPr lang="en-US" altLang="ko-KR" b="1" dirty="0"/>
+              <a:t>&lt; print </a:t>
+            </a:r>
+            <a:r>
+              <a:rPr lang="ko-KR" altLang="en-US" b="1" dirty="0"/>
+              <a:t>결과 확인 </a:t>
+            </a:r>
+            <a:r>
+              <a:rPr lang="en-US" altLang="ko-KR" b="1" dirty="0"/>
+              <a:t>&gt;</a:t>
+            </a:r>
+            <a:endParaRPr lang="ko-KR" altLang="en-US" b="1" dirty="0"/>
+          </a:p>
+        </p:txBody>
+      </p:sp>
     </p:spTree>
     <p:extLst>
       <p:ext uri="{BB962C8B-B14F-4D97-AF65-F5344CB8AC3E}">
@@ -10251,6 +11198,327 @@
           </a:prstGeom>
         </p:spPr>
       </p:pic>
+      <p:sp>
+        <p:nvSpPr>
+          <p:cNvPr id="4" name="화살표: 오른쪽 3">
+            <a:extLst>
+              <a:ext uri="{FF2B5EF4-FFF2-40B4-BE49-F238E27FC236}">
+                <a16:creationId xmlns:a16="http://schemas.microsoft.com/office/drawing/2014/main" id="{00DA1869-2DF3-C89B-E341-DCC974441719}"/>
+              </a:ext>
+            </a:extLst>
+          </p:cNvPr>
+          <p:cNvSpPr/>
+          <p:nvPr/>
+        </p:nvSpPr>
+        <p:spPr>
+          <a:xfrm>
+            <a:off x="7168242" y="1032641"/>
+            <a:ext cx="588392" cy="78828"/>
+          </a:xfrm>
+          <a:prstGeom prst="rightArrow">
+            <a:avLst/>
+          </a:prstGeom>
+        </p:spPr>
+        <p:style>
+          <a:lnRef idx="2">
+            <a:schemeClr val="accent1">
+              <a:shade val="50000"/>
+            </a:schemeClr>
+          </a:lnRef>
+          <a:fillRef idx="1">
+            <a:schemeClr val="accent1"/>
+          </a:fillRef>
+          <a:effectRef idx="0">
+            <a:schemeClr val="accent1"/>
+          </a:effectRef>
+          <a:fontRef idx="minor">
+            <a:schemeClr val="lt1"/>
+          </a:fontRef>
+        </p:style>
+        <p:txBody>
+          <a:bodyPr rtlCol="0" anchor="ctr"/>
+          <a:lstStyle/>
+          <a:p>
+            <a:pPr algn="ctr"/>
+            <a:endParaRPr lang="ko-KR" altLang="en-US"/>
+          </a:p>
+        </p:txBody>
+      </p:sp>
+      <p:sp>
+        <p:nvSpPr>
+          <p:cNvPr id="6" name="화살표: 오른쪽 5">
+            <a:extLst>
+              <a:ext uri="{FF2B5EF4-FFF2-40B4-BE49-F238E27FC236}">
+                <a16:creationId xmlns:a16="http://schemas.microsoft.com/office/drawing/2014/main" id="{53FE953E-F8E3-0630-927A-A935B734C73E}"/>
+              </a:ext>
+            </a:extLst>
+          </p:cNvPr>
+          <p:cNvSpPr/>
+          <p:nvPr/>
+        </p:nvSpPr>
+        <p:spPr>
+          <a:xfrm>
+            <a:off x="7168242" y="1839310"/>
+            <a:ext cx="588392" cy="78828"/>
+          </a:xfrm>
+          <a:prstGeom prst="rightArrow">
+            <a:avLst/>
+          </a:prstGeom>
+        </p:spPr>
+        <p:style>
+          <a:lnRef idx="2">
+            <a:schemeClr val="accent1">
+              <a:shade val="50000"/>
+            </a:schemeClr>
+          </a:lnRef>
+          <a:fillRef idx="1">
+            <a:schemeClr val="accent1"/>
+          </a:fillRef>
+          <a:effectRef idx="0">
+            <a:schemeClr val="accent1"/>
+          </a:effectRef>
+          <a:fontRef idx="minor">
+            <a:schemeClr val="lt1"/>
+          </a:fontRef>
+        </p:style>
+        <p:txBody>
+          <a:bodyPr rtlCol="0" anchor="ctr"/>
+          <a:lstStyle/>
+          <a:p>
+            <a:pPr algn="ctr"/>
+            <a:endParaRPr lang="ko-KR" altLang="en-US"/>
+          </a:p>
+        </p:txBody>
+      </p:sp>
+      <p:sp>
+        <p:nvSpPr>
+          <p:cNvPr id="7" name="화살표: 오른쪽 6">
+            <a:extLst>
+              <a:ext uri="{FF2B5EF4-FFF2-40B4-BE49-F238E27FC236}">
+                <a16:creationId xmlns:a16="http://schemas.microsoft.com/office/drawing/2014/main" id="{85AF37ED-1498-7AB0-436F-FA4C7EDEFFDA}"/>
+              </a:ext>
+            </a:extLst>
+          </p:cNvPr>
+          <p:cNvSpPr/>
+          <p:nvPr/>
+        </p:nvSpPr>
+        <p:spPr>
+          <a:xfrm>
+            <a:off x="7168242" y="3762703"/>
+            <a:ext cx="588392" cy="78828"/>
+          </a:xfrm>
+          <a:prstGeom prst="rightArrow">
+            <a:avLst/>
+          </a:prstGeom>
+        </p:spPr>
+        <p:style>
+          <a:lnRef idx="2">
+            <a:schemeClr val="accent1">
+              <a:shade val="50000"/>
+            </a:schemeClr>
+          </a:lnRef>
+          <a:fillRef idx="1">
+            <a:schemeClr val="accent1"/>
+          </a:fillRef>
+          <a:effectRef idx="0">
+            <a:schemeClr val="accent1"/>
+          </a:effectRef>
+          <a:fontRef idx="minor">
+            <a:schemeClr val="lt1"/>
+          </a:fontRef>
+        </p:style>
+        <p:txBody>
+          <a:bodyPr rtlCol="0" anchor="ctr"/>
+          <a:lstStyle/>
+          <a:p>
+            <a:pPr algn="ctr"/>
+            <a:endParaRPr lang="ko-KR" altLang="en-US"/>
+          </a:p>
+        </p:txBody>
+      </p:sp>
+      <p:sp>
+        <p:nvSpPr>
+          <p:cNvPr id="8" name="화살표: 오른쪽 7">
+            <a:extLst>
+              <a:ext uri="{FF2B5EF4-FFF2-40B4-BE49-F238E27FC236}">
+                <a16:creationId xmlns:a16="http://schemas.microsoft.com/office/drawing/2014/main" id="{7B23DECA-3705-7D03-A4E9-1C1C39ABB6B1}"/>
+              </a:ext>
+            </a:extLst>
+          </p:cNvPr>
+          <p:cNvSpPr/>
+          <p:nvPr/>
+        </p:nvSpPr>
+        <p:spPr>
+          <a:xfrm>
+            <a:off x="7168242" y="4575220"/>
+            <a:ext cx="588392" cy="78828"/>
+          </a:xfrm>
+          <a:prstGeom prst="rightArrow">
+            <a:avLst/>
+          </a:prstGeom>
+        </p:spPr>
+        <p:style>
+          <a:lnRef idx="2">
+            <a:schemeClr val="accent1">
+              <a:shade val="50000"/>
+            </a:schemeClr>
+          </a:lnRef>
+          <a:fillRef idx="1">
+            <a:schemeClr val="accent1"/>
+          </a:fillRef>
+          <a:effectRef idx="0">
+            <a:schemeClr val="accent1"/>
+          </a:effectRef>
+          <a:fontRef idx="minor">
+            <a:schemeClr val="lt1"/>
+          </a:fontRef>
+        </p:style>
+        <p:txBody>
+          <a:bodyPr rtlCol="0" anchor="ctr"/>
+          <a:lstStyle/>
+          <a:p>
+            <a:pPr algn="ctr"/>
+            <a:endParaRPr lang="ko-KR" altLang="en-US"/>
+          </a:p>
+        </p:txBody>
+      </p:sp>
+      <p:sp>
+        <p:nvSpPr>
+          <p:cNvPr id="10" name="화살표: 오른쪽 9">
+            <a:extLst>
+              <a:ext uri="{FF2B5EF4-FFF2-40B4-BE49-F238E27FC236}">
+                <a16:creationId xmlns:a16="http://schemas.microsoft.com/office/drawing/2014/main" id="{DFD2C8E4-8263-2B45-9732-A649E7434A40}"/>
+              </a:ext>
+            </a:extLst>
+          </p:cNvPr>
+          <p:cNvSpPr/>
+          <p:nvPr/>
+        </p:nvSpPr>
+        <p:spPr>
+          <a:xfrm>
+            <a:off x="7168242" y="5399434"/>
+            <a:ext cx="588392" cy="78828"/>
+          </a:xfrm>
+          <a:prstGeom prst="rightArrow">
+            <a:avLst/>
+          </a:prstGeom>
+        </p:spPr>
+        <p:style>
+          <a:lnRef idx="2">
+            <a:schemeClr val="accent1">
+              <a:shade val="50000"/>
+            </a:schemeClr>
+          </a:lnRef>
+          <a:fillRef idx="1">
+            <a:schemeClr val="accent1"/>
+          </a:fillRef>
+          <a:effectRef idx="0">
+            <a:schemeClr val="accent1"/>
+          </a:effectRef>
+          <a:fontRef idx="minor">
+            <a:schemeClr val="lt1"/>
+          </a:fontRef>
+        </p:style>
+        <p:txBody>
+          <a:bodyPr rtlCol="0" anchor="ctr"/>
+          <a:lstStyle/>
+          <a:p>
+            <a:pPr algn="ctr"/>
+            <a:endParaRPr lang="ko-KR" altLang="en-US"/>
+          </a:p>
+        </p:txBody>
+      </p:sp>
+      <p:sp>
+        <p:nvSpPr>
+          <p:cNvPr id="11" name="화살표: 오른쪽 10">
+            <a:extLst>
+              <a:ext uri="{FF2B5EF4-FFF2-40B4-BE49-F238E27FC236}">
+                <a16:creationId xmlns:a16="http://schemas.microsoft.com/office/drawing/2014/main" id="{CE52CA6D-3CDC-949B-1CDE-74C072F664AD}"/>
+              </a:ext>
+            </a:extLst>
+          </p:cNvPr>
+          <p:cNvSpPr/>
+          <p:nvPr/>
+        </p:nvSpPr>
+        <p:spPr>
+          <a:xfrm>
+            <a:off x="7168242" y="6223648"/>
+            <a:ext cx="588392" cy="78828"/>
+          </a:xfrm>
+          <a:prstGeom prst="rightArrow">
+            <a:avLst/>
+          </a:prstGeom>
+        </p:spPr>
+        <p:style>
+          <a:lnRef idx="2">
+            <a:schemeClr val="accent1">
+              <a:shade val="50000"/>
+            </a:schemeClr>
+          </a:lnRef>
+          <a:fillRef idx="1">
+            <a:schemeClr val="accent1"/>
+          </a:fillRef>
+          <a:effectRef idx="0">
+            <a:schemeClr val="accent1"/>
+          </a:effectRef>
+          <a:fontRef idx="minor">
+            <a:schemeClr val="lt1"/>
+          </a:fontRef>
+        </p:style>
+        <p:txBody>
+          <a:bodyPr rtlCol="0" anchor="ctr"/>
+          <a:lstStyle/>
+          <a:p>
+            <a:pPr algn="ctr"/>
+            <a:endParaRPr lang="ko-KR" altLang="en-US"/>
+          </a:p>
+        </p:txBody>
+      </p:sp>
+      <p:sp>
+        <p:nvSpPr>
+          <p:cNvPr id="12" name="TextBox 11">
+            <a:extLst>
+              <a:ext uri="{FF2B5EF4-FFF2-40B4-BE49-F238E27FC236}">
+                <a16:creationId xmlns:a16="http://schemas.microsoft.com/office/drawing/2014/main" id="{4F29B4D6-3FF6-AF31-2756-F27E2F75F393}"/>
+              </a:ext>
+            </a:extLst>
+          </p:cNvPr>
+          <p:cNvSpPr txBox="1"/>
+          <p:nvPr/>
+        </p:nvSpPr>
+        <p:spPr>
+          <a:xfrm>
+            <a:off x="7756634" y="370858"/>
+            <a:ext cx="2065283" cy="369332"/>
+          </a:xfrm>
+          <a:prstGeom prst="rect">
+            <a:avLst/>
+          </a:prstGeom>
+          <a:noFill/>
+        </p:spPr>
+        <p:txBody>
+          <a:bodyPr wrap="square" rtlCol="0">
+            <a:spAutoFit/>
+          </a:bodyPr>
+          <a:lstStyle/>
+          <a:p>
+            <a:pPr algn="ctr"/>
+            <a:r>
+              <a:rPr lang="en-US" altLang="ko-KR" b="1" dirty="0"/>
+              <a:t>&lt; print </a:t>
+            </a:r>
+            <a:r>
+              <a:rPr lang="ko-KR" altLang="en-US" b="1" dirty="0"/>
+              <a:t>결과 확인 </a:t>
+            </a:r>
+            <a:r>
+              <a:rPr lang="en-US" altLang="ko-KR" b="1" dirty="0"/>
+              <a:t>&gt;</a:t>
+            </a:r>
+            <a:endParaRPr lang="ko-KR" altLang="en-US" b="1" dirty="0"/>
+          </a:p>
+        </p:txBody>
+      </p:sp>
     </p:spTree>
     <p:extLst>
       <p:ext uri="{BB962C8B-B14F-4D97-AF65-F5344CB8AC3E}">
@@ -10443,6 +11711,51 @@
           </p:pic>
         </mc:Fallback>
       </mc:AlternateContent>
+      <p:sp>
+        <p:nvSpPr>
+          <p:cNvPr id="6" name="TextBox 5">
+            <a:extLst>
+              <a:ext uri="{FF2B5EF4-FFF2-40B4-BE49-F238E27FC236}">
+                <a16:creationId xmlns:a16="http://schemas.microsoft.com/office/drawing/2014/main" id="{8F4F58FD-15E4-E196-B9A0-814A33790C32}"/>
+              </a:ext>
+            </a:extLst>
+          </p:cNvPr>
+          <p:cNvSpPr txBox="1"/>
+          <p:nvPr/>
+        </p:nvSpPr>
+        <p:spPr>
+          <a:xfrm>
+            <a:off x="480611" y="5285100"/>
+            <a:ext cx="2065283" cy="369332"/>
+          </a:xfrm>
+          <a:prstGeom prst="rect">
+            <a:avLst/>
+          </a:prstGeom>
+          <a:noFill/>
+        </p:spPr>
+        <p:txBody>
+          <a:bodyPr wrap="square" rtlCol="0">
+            <a:spAutoFit/>
+          </a:bodyPr>
+          <a:lstStyle/>
+          <a:p>
+            <a:pPr algn="ctr"/>
+            <a:r>
+              <a:rPr lang="en-US" altLang="ko-KR" b="1" dirty="0"/>
+              <a:t>&lt; print </a:t>
+            </a:r>
+            <a:r>
+              <a:rPr lang="ko-KR" altLang="en-US" b="1" dirty="0"/>
+              <a:t>결과 확인 </a:t>
+            </a:r>
+            <a:r>
+              <a:rPr lang="en-US" altLang="ko-KR" b="1" dirty="0"/>
+              <a:t>&gt;</a:t>
+            </a:r>
+            <a:endParaRPr lang="ko-KR" altLang="en-US" b="1" dirty="0"/>
+          </a:p>
+        </p:txBody>
+      </p:sp>
     </p:spTree>
     <p:extLst>
       <p:ext uri="{BB962C8B-B14F-4D97-AF65-F5344CB8AC3E}">
@@ -10533,6 +11846,51 @@
           </a:prstGeom>
         </p:spPr>
       </p:pic>
+      <p:sp>
+        <p:nvSpPr>
+          <p:cNvPr id="2" name="TextBox 1">
+            <a:extLst>
+              <a:ext uri="{FF2B5EF4-FFF2-40B4-BE49-F238E27FC236}">
+                <a16:creationId xmlns:a16="http://schemas.microsoft.com/office/drawing/2014/main" id="{039B6C7F-472D-5236-AFA1-02417BBC05AE}"/>
+              </a:ext>
+            </a:extLst>
+          </p:cNvPr>
+          <p:cNvSpPr txBox="1"/>
+          <p:nvPr/>
+        </p:nvSpPr>
+        <p:spPr>
+          <a:xfrm>
+            <a:off x="489330" y="5078600"/>
+            <a:ext cx="2065283" cy="369332"/>
+          </a:xfrm>
+          <a:prstGeom prst="rect">
+            <a:avLst/>
+          </a:prstGeom>
+          <a:noFill/>
+        </p:spPr>
+        <p:txBody>
+          <a:bodyPr wrap="square" rtlCol="0">
+            <a:spAutoFit/>
+          </a:bodyPr>
+          <a:lstStyle/>
+          <a:p>
+            <a:pPr algn="ctr"/>
+            <a:r>
+              <a:rPr lang="en-US" altLang="ko-KR" b="1" dirty="0"/>
+              <a:t>&lt; print </a:t>
+            </a:r>
+            <a:r>
+              <a:rPr lang="ko-KR" altLang="en-US" b="1" dirty="0"/>
+              <a:t>결과 확인 </a:t>
+            </a:r>
+            <a:r>
+              <a:rPr lang="en-US" altLang="ko-KR" b="1" dirty="0"/>
+              <a:t>&gt;</a:t>
+            </a:r>
+            <a:endParaRPr lang="ko-KR" altLang="en-US" b="1" dirty="0"/>
+          </a:p>
+        </p:txBody>
+      </p:sp>
     </p:spTree>
     <p:extLst>
       <p:ext uri="{BB962C8B-B14F-4D97-AF65-F5344CB8AC3E}">
